--- a/Rinf RNA-Seq Analysis.pptx
+++ b/Rinf RNA-Seq Analysis.pptx
@@ -6,21 +6,19 @@
   </p:sldMasterIdLst>
   <p:sldIdLst>
     <p:sldId id="256" r:id="rId5"/>
-    <p:sldId id="257" r:id="rId6"/>
-    <p:sldId id="258" r:id="rId7"/>
-    <p:sldId id="264" r:id="rId8"/>
-    <p:sldId id="263" r:id="rId9"/>
-    <p:sldId id="266" r:id="rId10"/>
-    <p:sldId id="267" r:id="rId11"/>
-    <p:sldId id="265" r:id="rId12"/>
-    <p:sldId id="268" r:id="rId13"/>
-    <p:sldId id="269" r:id="rId14"/>
-    <p:sldId id="270" r:id="rId15"/>
-    <p:sldId id="271" r:id="rId16"/>
-    <p:sldId id="272" r:id="rId17"/>
-    <p:sldId id="273" r:id="rId18"/>
-    <p:sldId id="275" r:id="rId19"/>
-    <p:sldId id="262" r:id="rId20"/>
+    <p:sldId id="277" r:id="rId6"/>
+    <p:sldId id="274" r:id="rId7"/>
+    <p:sldId id="257" r:id="rId8"/>
+    <p:sldId id="268" r:id="rId9"/>
+    <p:sldId id="278" r:id="rId10"/>
+    <p:sldId id="258" r:id="rId11"/>
+    <p:sldId id="262" r:id="rId12"/>
+    <p:sldId id="266" r:id="rId13"/>
+    <p:sldId id="264" r:id="rId14"/>
+    <p:sldId id="267" r:id="rId15"/>
+    <p:sldId id="263" r:id="rId16"/>
+    <p:sldId id="275" r:id="rId17"/>
+    <p:sldId id="276" r:id="rId18"/>
   </p:sldIdLst>
   <p:sldSz cx="12192000" cy="6858000"/>
   <p:notesSz cx="6858000" cy="9144000"/>
@@ -121,7 +119,7 @@
   </p:defaultTextStyle>
   <p:extLst>
     <p:ext uri="{EFAFB233-063F-42B5-8137-9DF3F51BA10A}">
-      <p15:sldGuideLst xmlns:p15="http://schemas.microsoft.com/office/powerpoint/2012/main">
+      <p15:sldGuideLst xmlns="" xmlns:p15="http://schemas.microsoft.com/office/powerpoint/2012/main">
         <p15:guide id="1" orient="horz" pos="2160">
           <p15:clr>
             <a:srgbClr val="A4A3A4"/>
@@ -160,7 +158,7 @@
           <p:cNvPr id="2" name="Title 1">
             <a:extLst>
               <a:ext uri="{FF2B5EF4-FFF2-40B4-BE49-F238E27FC236}">
-                <a16:creationId xmlns:a16="http://schemas.microsoft.com/office/drawing/2014/main" id="{A6A9EB63-D83E-4BBE-A32E-51DE95FC5140}"/>
+                <a16:creationId xmlns="" xmlns:a16="http://schemas.microsoft.com/office/drawing/2014/main" id="{A6A9EB63-D83E-4BBE-A32E-51DE95FC5140}"/>
               </a:ext>
             </a:extLst>
           </p:cNvPr>
@@ -197,7 +195,7 @@
           <p:cNvPr id="3" name="Subtitle 2">
             <a:extLst>
               <a:ext uri="{FF2B5EF4-FFF2-40B4-BE49-F238E27FC236}">
-                <a16:creationId xmlns:a16="http://schemas.microsoft.com/office/drawing/2014/main" id="{5FDB88B7-6B23-4EE4-840D-D0771304AF2B}"/>
+                <a16:creationId xmlns="" xmlns:a16="http://schemas.microsoft.com/office/drawing/2014/main" id="{5FDB88B7-6B23-4EE4-840D-D0771304AF2B}"/>
               </a:ext>
             </a:extLst>
           </p:cNvPr>
@@ -267,7 +265,7 @@
           <p:cNvPr id="4" name="Date Placeholder 3">
             <a:extLst>
               <a:ext uri="{FF2B5EF4-FFF2-40B4-BE49-F238E27FC236}">
-                <a16:creationId xmlns:a16="http://schemas.microsoft.com/office/drawing/2014/main" id="{C602DBE8-5777-420D-8763-81354F7B6008}"/>
+                <a16:creationId xmlns="" xmlns:a16="http://schemas.microsoft.com/office/drawing/2014/main" id="{C602DBE8-5777-420D-8763-81354F7B6008}"/>
               </a:ext>
             </a:extLst>
           </p:cNvPr>
@@ -285,7 +283,7 @@
           <a:p>
             <a:fld id="{ED377316-76EC-4E2D-B799-824BA439A770}" type="datetimeFigureOut">
               <a:rPr lang="en-US" smtClean="0"/>
-              <a:t>11/20/2020</a:t>
+              <a:t>12/2/2020</a:t>
             </a:fld>
             <a:endParaRPr lang="en-US"/>
           </a:p>
@@ -296,7 +294,7 @@
           <p:cNvPr id="5" name="Footer Placeholder 4">
             <a:extLst>
               <a:ext uri="{FF2B5EF4-FFF2-40B4-BE49-F238E27FC236}">
-                <a16:creationId xmlns:a16="http://schemas.microsoft.com/office/drawing/2014/main" id="{5311775A-EC16-448B-A1CD-9753C624847E}"/>
+                <a16:creationId xmlns="" xmlns:a16="http://schemas.microsoft.com/office/drawing/2014/main" id="{5311775A-EC16-448B-A1CD-9753C624847E}"/>
               </a:ext>
             </a:extLst>
           </p:cNvPr>
@@ -321,7 +319,7 @@
           <p:cNvPr id="6" name="Slide Number Placeholder 5">
             <a:extLst>
               <a:ext uri="{FF2B5EF4-FFF2-40B4-BE49-F238E27FC236}">
-                <a16:creationId xmlns:a16="http://schemas.microsoft.com/office/drawing/2014/main" id="{90672EDC-D87B-4BCF-B801-F2EBF148B7F0}"/>
+                <a16:creationId xmlns="" xmlns:a16="http://schemas.microsoft.com/office/drawing/2014/main" id="{90672EDC-D87B-4BCF-B801-F2EBF148B7F0}"/>
               </a:ext>
             </a:extLst>
           </p:cNvPr>
@@ -380,7 +378,7 @@
           <p:cNvPr id="2" name="Title 1">
             <a:extLst>
               <a:ext uri="{FF2B5EF4-FFF2-40B4-BE49-F238E27FC236}">
-                <a16:creationId xmlns:a16="http://schemas.microsoft.com/office/drawing/2014/main" id="{2CEAC356-DF8B-4DB4-B4E3-A0AB03600CF2}"/>
+                <a16:creationId xmlns="" xmlns:a16="http://schemas.microsoft.com/office/drawing/2014/main" id="{2CEAC356-DF8B-4DB4-B4E3-A0AB03600CF2}"/>
               </a:ext>
             </a:extLst>
           </p:cNvPr>
@@ -408,7 +406,7 @@
           <p:cNvPr id="3" name="Vertical Text Placeholder 2">
             <a:extLst>
               <a:ext uri="{FF2B5EF4-FFF2-40B4-BE49-F238E27FC236}">
-                <a16:creationId xmlns:a16="http://schemas.microsoft.com/office/drawing/2014/main" id="{920DEB07-B21D-418D-AD57-E9877DE671D0}"/>
+                <a16:creationId xmlns="" xmlns:a16="http://schemas.microsoft.com/office/drawing/2014/main" id="{920DEB07-B21D-418D-AD57-E9877DE671D0}"/>
               </a:ext>
             </a:extLst>
           </p:cNvPr>
@@ -465,7 +463,7 @@
           <p:cNvPr id="4" name="Date Placeholder 3">
             <a:extLst>
               <a:ext uri="{FF2B5EF4-FFF2-40B4-BE49-F238E27FC236}">
-                <a16:creationId xmlns:a16="http://schemas.microsoft.com/office/drawing/2014/main" id="{31254DBB-28BD-4EF4-A444-0F1379FE3807}"/>
+                <a16:creationId xmlns="" xmlns:a16="http://schemas.microsoft.com/office/drawing/2014/main" id="{31254DBB-28BD-4EF4-A444-0F1379FE3807}"/>
               </a:ext>
             </a:extLst>
           </p:cNvPr>
@@ -483,7 +481,7 @@
           <a:p>
             <a:fld id="{ED377316-76EC-4E2D-B799-824BA439A770}" type="datetimeFigureOut">
               <a:rPr lang="en-US" smtClean="0"/>
-              <a:t>11/20/2020</a:t>
+              <a:t>12/2/2020</a:t>
             </a:fld>
             <a:endParaRPr lang="en-US"/>
           </a:p>
@@ -494,7 +492,7 @@
           <p:cNvPr id="5" name="Footer Placeholder 4">
             <a:extLst>
               <a:ext uri="{FF2B5EF4-FFF2-40B4-BE49-F238E27FC236}">
-                <a16:creationId xmlns:a16="http://schemas.microsoft.com/office/drawing/2014/main" id="{54E955E4-8D70-49F8-84B3-7FA09A64D747}"/>
+                <a16:creationId xmlns="" xmlns:a16="http://schemas.microsoft.com/office/drawing/2014/main" id="{54E955E4-8D70-49F8-84B3-7FA09A64D747}"/>
               </a:ext>
             </a:extLst>
           </p:cNvPr>
@@ -519,7 +517,7 @@
           <p:cNvPr id="6" name="Slide Number Placeholder 5">
             <a:extLst>
               <a:ext uri="{FF2B5EF4-FFF2-40B4-BE49-F238E27FC236}">
-                <a16:creationId xmlns:a16="http://schemas.microsoft.com/office/drawing/2014/main" id="{23E937B4-C1A6-41B3-8C7F-3DB5A24E93E8}"/>
+                <a16:creationId xmlns="" xmlns:a16="http://schemas.microsoft.com/office/drawing/2014/main" id="{23E937B4-C1A6-41B3-8C7F-3DB5A24E93E8}"/>
               </a:ext>
             </a:extLst>
           </p:cNvPr>
@@ -578,7 +576,7 @@
           <p:cNvPr id="2" name="Vertical Title 1">
             <a:extLst>
               <a:ext uri="{FF2B5EF4-FFF2-40B4-BE49-F238E27FC236}">
-                <a16:creationId xmlns:a16="http://schemas.microsoft.com/office/drawing/2014/main" id="{10A4DA98-F63C-42D3-860B-1E34F0240C7F}"/>
+                <a16:creationId xmlns="" xmlns:a16="http://schemas.microsoft.com/office/drawing/2014/main" id="{10A4DA98-F63C-42D3-860B-1E34F0240C7F}"/>
               </a:ext>
             </a:extLst>
           </p:cNvPr>
@@ -611,7 +609,7 @@
           <p:cNvPr id="3" name="Vertical Text Placeholder 2">
             <a:extLst>
               <a:ext uri="{FF2B5EF4-FFF2-40B4-BE49-F238E27FC236}">
-                <a16:creationId xmlns:a16="http://schemas.microsoft.com/office/drawing/2014/main" id="{B8262034-1578-4088-BD25-EA672F0ED406}"/>
+                <a16:creationId xmlns="" xmlns:a16="http://schemas.microsoft.com/office/drawing/2014/main" id="{B8262034-1578-4088-BD25-EA672F0ED406}"/>
               </a:ext>
             </a:extLst>
           </p:cNvPr>
@@ -673,7 +671,7 @@
           <p:cNvPr id="4" name="Date Placeholder 3">
             <a:extLst>
               <a:ext uri="{FF2B5EF4-FFF2-40B4-BE49-F238E27FC236}">
-                <a16:creationId xmlns:a16="http://schemas.microsoft.com/office/drawing/2014/main" id="{754FB790-CE9E-4D67-8A88-BDBE6A23DB98}"/>
+                <a16:creationId xmlns="" xmlns:a16="http://schemas.microsoft.com/office/drawing/2014/main" id="{754FB790-CE9E-4D67-8A88-BDBE6A23DB98}"/>
               </a:ext>
             </a:extLst>
           </p:cNvPr>
@@ -691,7 +689,7 @@
           <a:p>
             <a:fld id="{ED377316-76EC-4E2D-B799-824BA439A770}" type="datetimeFigureOut">
               <a:rPr lang="en-US" smtClean="0"/>
-              <a:t>11/20/2020</a:t>
+              <a:t>12/2/2020</a:t>
             </a:fld>
             <a:endParaRPr lang="en-US"/>
           </a:p>
@@ -702,7 +700,7 @@
           <p:cNvPr id="5" name="Footer Placeholder 4">
             <a:extLst>
               <a:ext uri="{FF2B5EF4-FFF2-40B4-BE49-F238E27FC236}">
-                <a16:creationId xmlns:a16="http://schemas.microsoft.com/office/drawing/2014/main" id="{3615FF90-C6A7-40EE-984A-B0BD216101F1}"/>
+                <a16:creationId xmlns="" xmlns:a16="http://schemas.microsoft.com/office/drawing/2014/main" id="{3615FF90-C6A7-40EE-984A-B0BD216101F1}"/>
               </a:ext>
             </a:extLst>
           </p:cNvPr>
@@ -727,7 +725,7 @@
           <p:cNvPr id="6" name="Slide Number Placeholder 5">
             <a:extLst>
               <a:ext uri="{FF2B5EF4-FFF2-40B4-BE49-F238E27FC236}">
-                <a16:creationId xmlns:a16="http://schemas.microsoft.com/office/drawing/2014/main" id="{2F0CF9C6-A466-4CFD-AF8E-49B9880521EF}"/>
+                <a16:creationId xmlns="" xmlns:a16="http://schemas.microsoft.com/office/drawing/2014/main" id="{2F0CF9C6-A466-4CFD-AF8E-49B9880521EF}"/>
               </a:ext>
             </a:extLst>
           </p:cNvPr>
@@ -786,7 +784,7 @@
           <p:cNvPr id="2" name="Title 1">
             <a:extLst>
               <a:ext uri="{FF2B5EF4-FFF2-40B4-BE49-F238E27FC236}">
-                <a16:creationId xmlns:a16="http://schemas.microsoft.com/office/drawing/2014/main" id="{F0DCE27D-3425-4B69-8EFF-040E29DBC6A9}"/>
+                <a16:creationId xmlns="" xmlns:a16="http://schemas.microsoft.com/office/drawing/2014/main" id="{F0DCE27D-3425-4B69-8EFF-040E29DBC6A9}"/>
               </a:ext>
             </a:extLst>
           </p:cNvPr>
@@ -814,7 +812,7 @@
           <p:cNvPr id="3" name="Content Placeholder 2">
             <a:extLst>
               <a:ext uri="{FF2B5EF4-FFF2-40B4-BE49-F238E27FC236}">
-                <a16:creationId xmlns:a16="http://schemas.microsoft.com/office/drawing/2014/main" id="{80F8839B-D0D7-42F4-BD94-D1C51A9A3EDF}"/>
+                <a16:creationId xmlns="" xmlns:a16="http://schemas.microsoft.com/office/drawing/2014/main" id="{80F8839B-D0D7-42F4-BD94-D1C51A9A3EDF}"/>
               </a:ext>
             </a:extLst>
           </p:cNvPr>
@@ -871,7 +869,7 @@
           <p:cNvPr id="4" name="Date Placeholder 3">
             <a:extLst>
               <a:ext uri="{FF2B5EF4-FFF2-40B4-BE49-F238E27FC236}">
-                <a16:creationId xmlns:a16="http://schemas.microsoft.com/office/drawing/2014/main" id="{4EBF3CF4-B92C-489F-B22E-CA76199DD3DD}"/>
+                <a16:creationId xmlns="" xmlns:a16="http://schemas.microsoft.com/office/drawing/2014/main" id="{4EBF3CF4-B92C-489F-B22E-CA76199DD3DD}"/>
               </a:ext>
             </a:extLst>
           </p:cNvPr>
@@ -889,7 +887,7 @@
           <a:p>
             <a:fld id="{ED377316-76EC-4E2D-B799-824BA439A770}" type="datetimeFigureOut">
               <a:rPr lang="en-US" smtClean="0"/>
-              <a:t>11/20/2020</a:t>
+              <a:t>12/2/2020</a:t>
             </a:fld>
             <a:endParaRPr lang="en-US"/>
           </a:p>
@@ -900,7 +898,7 @@
           <p:cNvPr id="5" name="Footer Placeholder 4">
             <a:extLst>
               <a:ext uri="{FF2B5EF4-FFF2-40B4-BE49-F238E27FC236}">
-                <a16:creationId xmlns:a16="http://schemas.microsoft.com/office/drawing/2014/main" id="{1FE73743-E822-42DD-897B-716F9E44DC16}"/>
+                <a16:creationId xmlns="" xmlns:a16="http://schemas.microsoft.com/office/drawing/2014/main" id="{1FE73743-E822-42DD-897B-716F9E44DC16}"/>
               </a:ext>
             </a:extLst>
           </p:cNvPr>
@@ -925,7 +923,7 @@
           <p:cNvPr id="6" name="Slide Number Placeholder 5">
             <a:extLst>
               <a:ext uri="{FF2B5EF4-FFF2-40B4-BE49-F238E27FC236}">
-                <a16:creationId xmlns:a16="http://schemas.microsoft.com/office/drawing/2014/main" id="{42AB6D90-8E16-4335-BEAE-895207192178}"/>
+                <a16:creationId xmlns="" xmlns:a16="http://schemas.microsoft.com/office/drawing/2014/main" id="{42AB6D90-8E16-4335-BEAE-895207192178}"/>
               </a:ext>
             </a:extLst>
           </p:cNvPr>
@@ -984,7 +982,7 @@
           <p:cNvPr id="2" name="Title 1">
             <a:extLst>
               <a:ext uri="{FF2B5EF4-FFF2-40B4-BE49-F238E27FC236}">
-                <a16:creationId xmlns:a16="http://schemas.microsoft.com/office/drawing/2014/main" id="{B5AACE50-5F96-4C46-A5AC-81E60B9C2D81}"/>
+                <a16:creationId xmlns="" xmlns:a16="http://schemas.microsoft.com/office/drawing/2014/main" id="{B5AACE50-5F96-4C46-A5AC-81E60B9C2D81}"/>
               </a:ext>
             </a:extLst>
           </p:cNvPr>
@@ -1021,7 +1019,7 @@
           <p:cNvPr id="3" name="Text Placeholder 2">
             <a:extLst>
               <a:ext uri="{FF2B5EF4-FFF2-40B4-BE49-F238E27FC236}">
-                <a16:creationId xmlns:a16="http://schemas.microsoft.com/office/drawing/2014/main" id="{246BFC54-8A5B-47AB-9896-6BFA75D95D40}"/>
+                <a16:creationId xmlns="" xmlns:a16="http://schemas.microsoft.com/office/drawing/2014/main" id="{246BFC54-8A5B-47AB-9896-6BFA75D95D40}"/>
               </a:ext>
             </a:extLst>
           </p:cNvPr>
@@ -1146,7 +1144,7 @@
           <p:cNvPr id="4" name="Date Placeholder 3">
             <a:extLst>
               <a:ext uri="{FF2B5EF4-FFF2-40B4-BE49-F238E27FC236}">
-                <a16:creationId xmlns:a16="http://schemas.microsoft.com/office/drawing/2014/main" id="{3F5D8255-5EB8-4E15-A570-BB44F4F1B0E9}"/>
+                <a16:creationId xmlns="" xmlns:a16="http://schemas.microsoft.com/office/drawing/2014/main" id="{3F5D8255-5EB8-4E15-A570-BB44F4F1B0E9}"/>
               </a:ext>
             </a:extLst>
           </p:cNvPr>
@@ -1164,7 +1162,7 @@
           <a:p>
             <a:fld id="{ED377316-76EC-4E2D-B799-824BA439A770}" type="datetimeFigureOut">
               <a:rPr lang="en-US" smtClean="0"/>
-              <a:t>11/20/2020</a:t>
+              <a:t>12/2/2020</a:t>
             </a:fld>
             <a:endParaRPr lang="en-US"/>
           </a:p>
@@ -1175,7 +1173,7 @@
           <p:cNvPr id="5" name="Footer Placeholder 4">
             <a:extLst>
               <a:ext uri="{FF2B5EF4-FFF2-40B4-BE49-F238E27FC236}">
-                <a16:creationId xmlns:a16="http://schemas.microsoft.com/office/drawing/2014/main" id="{ED55DE8E-E74F-47CB-BAD2-6BBC45BB838F}"/>
+                <a16:creationId xmlns="" xmlns:a16="http://schemas.microsoft.com/office/drawing/2014/main" id="{ED55DE8E-E74F-47CB-BAD2-6BBC45BB838F}"/>
               </a:ext>
             </a:extLst>
           </p:cNvPr>
@@ -1200,7 +1198,7 @@
           <p:cNvPr id="6" name="Slide Number Placeholder 5">
             <a:extLst>
               <a:ext uri="{FF2B5EF4-FFF2-40B4-BE49-F238E27FC236}">
-                <a16:creationId xmlns:a16="http://schemas.microsoft.com/office/drawing/2014/main" id="{729368FE-420A-46BA-86FD-189097B8097B}"/>
+                <a16:creationId xmlns="" xmlns:a16="http://schemas.microsoft.com/office/drawing/2014/main" id="{729368FE-420A-46BA-86FD-189097B8097B}"/>
               </a:ext>
             </a:extLst>
           </p:cNvPr>
@@ -1259,7 +1257,7 @@
           <p:cNvPr id="2" name="Title 1">
             <a:extLst>
               <a:ext uri="{FF2B5EF4-FFF2-40B4-BE49-F238E27FC236}">
-                <a16:creationId xmlns:a16="http://schemas.microsoft.com/office/drawing/2014/main" id="{ECB6CD3E-E5D8-47E1-AF0D-864BF275DE03}"/>
+                <a16:creationId xmlns="" xmlns:a16="http://schemas.microsoft.com/office/drawing/2014/main" id="{ECB6CD3E-E5D8-47E1-AF0D-864BF275DE03}"/>
               </a:ext>
             </a:extLst>
           </p:cNvPr>
@@ -1287,7 +1285,7 @@
           <p:cNvPr id="3" name="Content Placeholder 2">
             <a:extLst>
               <a:ext uri="{FF2B5EF4-FFF2-40B4-BE49-F238E27FC236}">
-                <a16:creationId xmlns:a16="http://schemas.microsoft.com/office/drawing/2014/main" id="{F5625D72-C62A-43A0-953C-EF5D4DE8A80D}"/>
+                <a16:creationId xmlns="" xmlns:a16="http://schemas.microsoft.com/office/drawing/2014/main" id="{F5625D72-C62A-43A0-953C-EF5D4DE8A80D}"/>
               </a:ext>
             </a:extLst>
           </p:cNvPr>
@@ -1349,7 +1347,7 @@
           <p:cNvPr id="4" name="Content Placeholder 3">
             <a:extLst>
               <a:ext uri="{FF2B5EF4-FFF2-40B4-BE49-F238E27FC236}">
-                <a16:creationId xmlns:a16="http://schemas.microsoft.com/office/drawing/2014/main" id="{26159A55-F831-409E-814C-0FF7B4675F03}"/>
+                <a16:creationId xmlns="" xmlns:a16="http://schemas.microsoft.com/office/drawing/2014/main" id="{26159A55-F831-409E-814C-0FF7B4675F03}"/>
               </a:ext>
             </a:extLst>
           </p:cNvPr>
@@ -1411,7 +1409,7 @@
           <p:cNvPr id="5" name="Date Placeholder 4">
             <a:extLst>
               <a:ext uri="{FF2B5EF4-FFF2-40B4-BE49-F238E27FC236}">
-                <a16:creationId xmlns:a16="http://schemas.microsoft.com/office/drawing/2014/main" id="{67A8054E-238C-408A-9038-7B4BAEC155E8}"/>
+                <a16:creationId xmlns="" xmlns:a16="http://schemas.microsoft.com/office/drawing/2014/main" id="{67A8054E-238C-408A-9038-7B4BAEC155E8}"/>
               </a:ext>
             </a:extLst>
           </p:cNvPr>
@@ -1429,7 +1427,7 @@
           <a:p>
             <a:fld id="{ED377316-76EC-4E2D-B799-824BA439A770}" type="datetimeFigureOut">
               <a:rPr lang="en-US" smtClean="0"/>
-              <a:t>11/20/2020</a:t>
+              <a:t>12/2/2020</a:t>
             </a:fld>
             <a:endParaRPr lang="en-US"/>
           </a:p>
@@ -1440,7 +1438,7 @@
           <p:cNvPr id="6" name="Footer Placeholder 5">
             <a:extLst>
               <a:ext uri="{FF2B5EF4-FFF2-40B4-BE49-F238E27FC236}">
-                <a16:creationId xmlns:a16="http://schemas.microsoft.com/office/drawing/2014/main" id="{19FD3C0A-2B8E-4C2F-90D8-63E43D271C7E}"/>
+                <a16:creationId xmlns="" xmlns:a16="http://schemas.microsoft.com/office/drawing/2014/main" id="{19FD3C0A-2B8E-4C2F-90D8-63E43D271C7E}"/>
               </a:ext>
             </a:extLst>
           </p:cNvPr>
@@ -1465,7 +1463,7 @@
           <p:cNvPr id="7" name="Slide Number Placeholder 6">
             <a:extLst>
               <a:ext uri="{FF2B5EF4-FFF2-40B4-BE49-F238E27FC236}">
-                <a16:creationId xmlns:a16="http://schemas.microsoft.com/office/drawing/2014/main" id="{834471DE-B516-45E4-A8E9-B1F6E59E0B7A}"/>
+                <a16:creationId xmlns="" xmlns:a16="http://schemas.microsoft.com/office/drawing/2014/main" id="{834471DE-B516-45E4-A8E9-B1F6E59E0B7A}"/>
               </a:ext>
             </a:extLst>
           </p:cNvPr>
@@ -1524,7 +1522,7 @@
           <p:cNvPr id="2" name="Title 1">
             <a:extLst>
               <a:ext uri="{FF2B5EF4-FFF2-40B4-BE49-F238E27FC236}">
-                <a16:creationId xmlns:a16="http://schemas.microsoft.com/office/drawing/2014/main" id="{23C03818-DBC5-4587-9BC0-5126E283974F}"/>
+                <a16:creationId xmlns="" xmlns:a16="http://schemas.microsoft.com/office/drawing/2014/main" id="{23C03818-DBC5-4587-9BC0-5126E283974F}"/>
               </a:ext>
             </a:extLst>
           </p:cNvPr>
@@ -1557,7 +1555,7 @@
           <p:cNvPr id="3" name="Text Placeholder 2">
             <a:extLst>
               <a:ext uri="{FF2B5EF4-FFF2-40B4-BE49-F238E27FC236}">
-                <a16:creationId xmlns:a16="http://schemas.microsoft.com/office/drawing/2014/main" id="{6A72DF4B-7260-448B-9048-413E4EF9882E}"/>
+                <a16:creationId xmlns="" xmlns:a16="http://schemas.microsoft.com/office/drawing/2014/main" id="{6A72DF4B-7260-448B-9048-413E4EF9882E}"/>
               </a:ext>
             </a:extLst>
           </p:cNvPr>
@@ -1628,7 +1626,7 @@
           <p:cNvPr id="4" name="Content Placeholder 3">
             <a:extLst>
               <a:ext uri="{FF2B5EF4-FFF2-40B4-BE49-F238E27FC236}">
-                <a16:creationId xmlns:a16="http://schemas.microsoft.com/office/drawing/2014/main" id="{1E7A18BF-58B1-4636-9E50-90DD7162ED91}"/>
+                <a16:creationId xmlns="" xmlns:a16="http://schemas.microsoft.com/office/drawing/2014/main" id="{1E7A18BF-58B1-4636-9E50-90DD7162ED91}"/>
               </a:ext>
             </a:extLst>
           </p:cNvPr>
@@ -1690,7 +1688,7 @@
           <p:cNvPr id="5" name="Text Placeholder 4">
             <a:extLst>
               <a:ext uri="{FF2B5EF4-FFF2-40B4-BE49-F238E27FC236}">
-                <a16:creationId xmlns:a16="http://schemas.microsoft.com/office/drawing/2014/main" id="{F30D738C-3AD0-44D1-A772-7F35A6DCB164}"/>
+                <a16:creationId xmlns="" xmlns:a16="http://schemas.microsoft.com/office/drawing/2014/main" id="{F30D738C-3AD0-44D1-A772-7F35A6DCB164}"/>
               </a:ext>
             </a:extLst>
           </p:cNvPr>
@@ -1761,7 +1759,7 @@
           <p:cNvPr id="6" name="Content Placeholder 5">
             <a:extLst>
               <a:ext uri="{FF2B5EF4-FFF2-40B4-BE49-F238E27FC236}">
-                <a16:creationId xmlns:a16="http://schemas.microsoft.com/office/drawing/2014/main" id="{F095DB52-63A5-4196-8067-9E9B0D16FE84}"/>
+                <a16:creationId xmlns="" xmlns:a16="http://schemas.microsoft.com/office/drawing/2014/main" id="{F095DB52-63A5-4196-8067-9E9B0D16FE84}"/>
               </a:ext>
             </a:extLst>
           </p:cNvPr>
@@ -1823,7 +1821,7 @@
           <p:cNvPr id="7" name="Date Placeholder 6">
             <a:extLst>
               <a:ext uri="{FF2B5EF4-FFF2-40B4-BE49-F238E27FC236}">
-                <a16:creationId xmlns:a16="http://schemas.microsoft.com/office/drawing/2014/main" id="{086BC6DC-7C74-40E4-8B89-F4FA730A24C1}"/>
+                <a16:creationId xmlns="" xmlns:a16="http://schemas.microsoft.com/office/drawing/2014/main" id="{086BC6DC-7C74-40E4-8B89-F4FA730A24C1}"/>
               </a:ext>
             </a:extLst>
           </p:cNvPr>
@@ -1841,7 +1839,7 @@
           <a:p>
             <a:fld id="{ED377316-76EC-4E2D-B799-824BA439A770}" type="datetimeFigureOut">
               <a:rPr lang="en-US" smtClean="0"/>
-              <a:t>11/20/2020</a:t>
+              <a:t>12/2/2020</a:t>
             </a:fld>
             <a:endParaRPr lang="en-US"/>
           </a:p>
@@ -1852,7 +1850,7 @@
           <p:cNvPr id="8" name="Footer Placeholder 7">
             <a:extLst>
               <a:ext uri="{FF2B5EF4-FFF2-40B4-BE49-F238E27FC236}">
-                <a16:creationId xmlns:a16="http://schemas.microsoft.com/office/drawing/2014/main" id="{03C8E4CA-47BC-42B7-AF0C-B2455E07D71F}"/>
+                <a16:creationId xmlns="" xmlns:a16="http://schemas.microsoft.com/office/drawing/2014/main" id="{03C8E4CA-47BC-42B7-AF0C-B2455E07D71F}"/>
               </a:ext>
             </a:extLst>
           </p:cNvPr>
@@ -1877,7 +1875,7 @@
           <p:cNvPr id="9" name="Slide Number Placeholder 8">
             <a:extLst>
               <a:ext uri="{FF2B5EF4-FFF2-40B4-BE49-F238E27FC236}">
-                <a16:creationId xmlns:a16="http://schemas.microsoft.com/office/drawing/2014/main" id="{640CD4AC-B513-41ED-8047-51722D10EC70}"/>
+                <a16:creationId xmlns="" xmlns:a16="http://schemas.microsoft.com/office/drawing/2014/main" id="{640CD4AC-B513-41ED-8047-51722D10EC70}"/>
               </a:ext>
             </a:extLst>
           </p:cNvPr>
@@ -1936,7 +1934,7 @@
           <p:cNvPr id="2" name="Title 1">
             <a:extLst>
               <a:ext uri="{FF2B5EF4-FFF2-40B4-BE49-F238E27FC236}">
-                <a16:creationId xmlns:a16="http://schemas.microsoft.com/office/drawing/2014/main" id="{08FF5E3F-3FC3-49F8-ADB1-F0A571B09957}"/>
+                <a16:creationId xmlns="" xmlns:a16="http://schemas.microsoft.com/office/drawing/2014/main" id="{08FF5E3F-3FC3-49F8-ADB1-F0A571B09957}"/>
               </a:ext>
             </a:extLst>
           </p:cNvPr>
@@ -1964,7 +1962,7 @@
           <p:cNvPr id="3" name="Date Placeholder 2">
             <a:extLst>
               <a:ext uri="{FF2B5EF4-FFF2-40B4-BE49-F238E27FC236}">
-                <a16:creationId xmlns:a16="http://schemas.microsoft.com/office/drawing/2014/main" id="{BE162ABE-9627-48FC-BACD-4D7D6F0E3B1B}"/>
+                <a16:creationId xmlns="" xmlns:a16="http://schemas.microsoft.com/office/drawing/2014/main" id="{BE162ABE-9627-48FC-BACD-4D7D6F0E3B1B}"/>
               </a:ext>
             </a:extLst>
           </p:cNvPr>
@@ -1982,7 +1980,7 @@
           <a:p>
             <a:fld id="{ED377316-76EC-4E2D-B799-824BA439A770}" type="datetimeFigureOut">
               <a:rPr lang="en-US" smtClean="0"/>
-              <a:t>11/20/2020</a:t>
+              <a:t>12/2/2020</a:t>
             </a:fld>
             <a:endParaRPr lang="en-US"/>
           </a:p>
@@ -1993,7 +1991,7 @@
           <p:cNvPr id="4" name="Footer Placeholder 3">
             <a:extLst>
               <a:ext uri="{FF2B5EF4-FFF2-40B4-BE49-F238E27FC236}">
-                <a16:creationId xmlns:a16="http://schemas.microsoft.com/office/drawing/2014/main" id="{B75D0162-EA0D-444E-A0DA-228314AA3C05}"/>
+                <a16:creationId xmlns="" xmlns:a16="http://schemas.microsoft.com/office/drawing/2014/main" id="{B75D0162-EA0D-444E-A0DA-228314AA3C05}"/>
               </a:ext>
             </a:extLst>
           </p:cNvPr>
@@ -2018,7 +2016,7 @@
           <p:cNvPr id="5" name="Slide Number Placeholder 4">
             <a:extLst>
               <a:ext uri="{FF2B5EF4-FFF2-40B4-BE49-F238E27FC236}">
-                <a16:creationId xmlns:a16="http://schemas.microsoft.com/office/drawing/2014/main" id="{F1161FB8-E235-434C-ABDE-32E6FB652CDF}"/>
+                <a16:creationId xmlns="" xmlns:a16="http://schemas.microsoft.com/office/drawing/2014/main" id="{F1161FB8-E235-434C-ABDE-32E6FB652CDF}"/>
               </a:ext>
             </a:extLst>
           </p:cNvPr>
@@ -2077,7 +2075,7 @@
           <p:cNvPr id="2" name="Date Placeholder 1">
             <a:extLst>
               <a:ext uri="{FF2B5EF4-FFF2-40B4-BE49-F238E27FC236}">
-                <a16:creationId xmlns:a16="http://schemas.microsoft.com/office/drawing/2014/main" id="{89602BF0-7BAB-442F-A174-62D25C2C1EB9}"/>
+                <a16:creationId xmlns="" xmlns:a16="http://schemas.microsoft.com/office/drawing/2014/main" id="{89602BF0-7BAB-442F-A174-62D25C2C1EB9}"/>
               </a:ext>
             </a:extLst>
           </p:cNvPr>
@@ -2095,7 +2093,7 @@
           <a:p>
             <a:fld id="{ED377316-76EC-4E2D-B799-824BA439A770}" type="datetimeFigureOut">
               <a:rPr lang="en-US" smtClean="0"/>
-              <a:t>11/20/2020</a:t>
+              <a:t>12/2/2020</a:t>
             </a:fld>
             <a:endParaRPr lang="en-US"/>
           </a:p>
@@ -2106,7 +2104,7 @@
           <p:cNvPr id="3" name="Footer Placeholder 2">
             <a:extLst>
               <a:ext uri="{FF2B5EF4-FFF2-40B4-BE49-F238E27FC236}">
-                <a16:creationId xmlns:a16="http://schemas.microsoft.com/office/drawing/2014/main" id="{B87CBF20-9C8B-4234-B565-BB06142FC820}"/>
+                <a16:creationId xmlns="" xmlns:a16="http://schemas.microsoft.com/office/drawing/2014/main" id="{B87CBF20-9C8B-4234-B565-BB06142FC820}"/>
               </a:ext>
             </a:extLst>
           </p:cNvPr>
@@ -2131,7 +2129,7 @@
           <p:cNvPr id="4" name="Slide Number Placeholder 3">
             <a:extLst>
               <a:ext uri="{FF2B5EF4-FFF2-40B4-BE49-F238E27FC236}">
-                <a16:creationId xmlns:a16="http://schemas.microsoft.com/office/drawing/2014/main" id="{C6DC3AE3-E2F4-4B0A-A5D5-12EE299CAD17}"/>
+                <a16:creationId xmlns="" xmlns:a16="http://schemas.microsoft.com/office/drawing/2014/main" id="{C6DC3AE3-E2F4-4B0A-A5D5-12EE299CAD17}"/>
               </a:ext>
             </a:extLst>
           </p:cNvPr>
@@ -2190,7 +2188,7 @@
           <p:cNvPr id="2" name="Title 1">
             <a:extLst>
               <a:ext uri="{FF2B5EF4-FFF2-40B4-BE49-F238E27FC236}">
-                <a16:creationId xmlns:a16="http://schemas.microsoft.com/office/drawing/2014/main" id="{3FC7E2A9-6F13-48E8-A782-AB2B324288FF}"/>
+                <a16:creationId xmlns="" xmlns:a16="http://schemas.microsoft.com/office/drawing/2014/main" id="{3FC7E2A9-6F13-48E8-A782-AB2B324288FF}"/>
               </a:ext>
             </a:extLst>
           </p:cNvPr>
@@ -2227,7 +2225,7 @@
           <p:cNvPr id="3" name="Content Placeholder 2">
             <a:extLst>
               <a:ext uri="{FF2B5EF4-FFF2-40B4-BE49-F238E27FC236}">
-                <a16:creationId xmlns:a16="http://schemas.microsoft.com/office/drawing/2014/main" id="{93984EED-7161-45A9-A51E-3423EFEF5F71}"/>
+                <a16:creationId xmlns="" xmlns:a16="http://schemas.microsoft.com/office/drawing/2014/main" id="{93984EED-7161-45A9-A51E-3423EFEF5F71}"/>
               </a:ext>
             </a:extLst>
           </p:cNvPr>
@@ -2317,7 +2315,7 @@
           <p:cNvPr id="4" name="Text Placeholder 3">
             <a:extLst>
               <a:ext uri="{FF2B5EF4-FFF2-40B4-BE49-F238E27FC236}">
-                <a16:creationId xmlns:a16="http://schemas.microsoft.com/office/drawing/2014/main" id="{BC6F5B20-744F-4EB2-B2B4-9DC19289542D}"/>
+                <a16:creationId xmlns="" xmlns:a16="http://schemas.microsoft.com/office/drawing/2014/main" id="{BC6F5B20-744F-4EB2-B2B4-9DC19289542D}"/>
               </a:ext>
             </a:extLst>
           </p:cNvPr>
@@ -2388,7 +2386,7 @@
           <p:cNvPr id="5" name="Date Placeholder 4">
             <a:extLst>
               <a:ext uri="{FF2B5EF4-FFF2-40B4-BE49-F238E27FC236}">
-                <a16:creationId xmlns:a16="http://schemas.microsoft.com/office/drawing/2014/main" id="{8A3096BC-BD0E-4F6A-9F39-E75397836BBA}"/>
+                <a16:creationId xmlns="" xmlns:a16="http://schemas.microsoft.com/office/drawing/2014/main" id="{8A3096BC-BD0E-4F6A-9F39-E75397836BBA}"/>
               </a:ext>
             </a:extLst>
           </p:cNvPr>
@@ -2406,7 +2404,7 @@
           <a:p>
             <a:fld id="{ED377316-76EC-4E2D-B799-824BA439A770}" type="datetimeFigureOut">
               <a:rPr lang="en-US" smtClean="0"/>
-              <a:t>11/20/2020</a:t>
+              <a:t>12/2/2020</a:t>
             </a:fld>
             <a:endParaRPr lang="en-US"/>
           </a:p>
@@ -2417,7 +2415,7 @@
           <p:cNvPr id="6" name="Footer Placeholder 5">
             <a:extLst>
               <a:ext uri="{FF2B5EF4-FFF2-40B4-BE49-F238E27FC236}">
-                <a16:creationId xmlns:a16="http://schemas.microsoft.com/office/drawing/2014/main" id="{0C250EE9-43CF-4E92-8432-CA6F914BD82E}"/>
+                <a16:creationId xmlns="" xmlns:a16="http://schemas.microsoft.com/office/drawing/2014/main" id="{0C250EE9-43CF-4E92-8432-CA6F914BD82E}"/>
               </a:ext>
             </a:extLst>
           </p:cNvPr>
@@ -2442,7 +2440,7 @@
           <p:cNvPr id="7" name="Slide Number Placeholder 6">
             <a:extLst>
               <a:ext uri="{FF2B5EF4-FFF2-40B4-BE49-F238E27FC236}">
-                <a16:creationId xmlns:a16="http://schemas.microsoft.com/office/drawing/2014/main" id="{D823C52A-C822-4645-85E8-9DA69C11EAAE}"/>
+                <a16:creationId xmlns="" xmlns:a16="http://schemas.microsoft.com/office/drawing/2014/main" id="{D823C52A-C822-4645-85E8-9DA69C11EAAE}"/>
               </a:ext>
             </a:extLst>
           </p:cNvPr>
@@ -2501,7 +2499,7 @@
           <p:cNvPr id="2" name="Title 1">
             <a:extLst>
               <a:ext uri="{FF2B5EF4-FFF2-40B4-BE49-F238E27FC236}">
-                <a16:creationId xmlns:a16="http://schemas.microsoft.com/office/drawing/2014/main" id="{3F7ABF7B-5329-47A6-9F06-D2F2D4D6C583}"/>
+                <a16:creationId xmlns="" xmlns:a16="http://schemas.microsoft.com/office/drawing/2014/main" id="{3F7ABF7B-5329-47A6-9F06-D2F2D4D6C583}"/>
               </a:ext>
             </a:extLst>
           </p:cNvPr>
@@ -2538,7 +2536,7 @@
           <p:cNvPr id="3" name="Picture Placeholder 2">
             <a:extLst>
               <a:ext uri="{FF2B5EF4-FFF2-40B4-BE49-F238E27FC236}">
-                <a16:creationId xmlns:a16="http://schemas.microsoft.com/office/drawing/2014/main" id="{8DDC1893-4416-4A4E-BDEF-6B4593743370}"/>
+                <a16:creationId xmlns="" xmlns:a16="http://schemas.microsoft.com/office/drawing/2014/main" id="{8DDC1893-4416-4A4E-BDEF-6B4593743370}"/>
               </a:ext>
             </a:extLst>
           </p:cNvPr>
@@ -2605,7 +2603,7 @@
           <p:cNvPr id="4" name="Text Placeholder 3">
             <a:extLst>
               <a:ext uri="{FF2B5EF4-FFF2-40B4-BE49-F238E27FC236}">
-                <a16:creationId xmlns:a16="http://schemas.microsoft.com/office/drawing/2014/main" id="{CCBE743D-BB5F-4443-B95D-9BE0916595C4}"/>
+                <a16:creationId xmlns="" xmlns:a16="http://schemas.microsoft.com/office/drawing/2014/main" id="{CCBE743D-BB5F-4443-B95D-9BE0916595C4}"/>
               </a:ext>
             </a:extLst>
           </p:cNvPr>
@@ -2676,7 +2674,7 @@
           <p:cNvPr id="5" name="Date Placeholder 4">
             <a:extLst>
               <a:ext uri="{FF2B5EF4-FFF2-40B4-BE49-F238E27FC236}">
-                <a16:creationId xmlns:a16="http://schemas.microsoft.com/office/drawing/2014/main" id="{BDB3D12F-958D-4B54-BB0D-397BD4BC8932}"/>
+                <a16:creationId xmlns="" xmlns:a16="http://schemas.microsoft.com/office/drawing/2014/main" id="{BDB3D12F-958D-4B54-BB0D-397BD4BC8932}"/>
               </a:ext>
             </a:extLst>
           </p:cNvPr>
@@ -2694,7 +2692,7 @@
           <a:p>
             <a:fld id="{ED377316-76EC-4E2D-B799-824BA439A770}" type="datetimeFigureOut">
               <a:rPr lang="en-US" smtClean="0"/>
-              <a:t>11/20/2020</a:t>
+              <a:t>12/2/2020</a:t>
             </a:fld>
             <a:endParaRPr lang="en-US"/>
           </a:p>
@@ -2705,7 +2703,7 @@
           <p:cNvPr id="6" name="Footer Placeholder 5">
             <a:extLst>
               <a:ext uri="{FF2B5EF4-FFF2-40B4-BE49-F238E27FC236}">
-                <a16:creationId xmlns:a16="http://schemas.microsoft.com/office/drawing/2014/main" id="{06608404-954D-423E-BE89-4D6D4C164F0E}"/>
+                <a16:creationId xmlns="" xmlns:a16="http://schemas.microsoft.com/office/drawing/2014/main" id="{06608404-954D-423E-BE89-4D6D4C164F0E}"/>
               </a:ext>
             </a:extLst>
           </p:cNvPr>
@@ -2730,7 +2728,7 @@
           <p:cNvPr id="7" name="Slide Number Placeholder 6">
             <a:extLst>
               <a:ext uri="{FF2B5EF4-FFF2-40B4-BE49-F238E27FC236}">
-                <a16:creationId xmlns:a16="http://schemas.microsoft.com/office/drawing/2014/main" id="{1961DE06-9774-44B9-A203-1234E4B912B3}"/>
+                <a16:creationId xmlns="" xmlns:a16="http://schemas.microsoft.com/office/drawing/2014/main" id="{1961DE06-9774-44B9-A203-1234E4B912B3}"/>
               </a:ext>
             </a:extLst>
           </p:cNvPr>
@@ -2794,7 +2792,7 @@
           <p:cNvPr id="2" name="Title Placeholder 1">
             <a:extLst>
               <a:ext uri="{FF2B5EF4-FFF2-40B4-BE49-F238E27FC236}">
-                <a16:creationId xmlns:a16="http://schemas.microsoft.com/office/drawing/2014/main" id="{0361FDD2-72C4-4390-BADA-F61AA6A0F9EE}"/>
+                <a16:creationId xmlns="" xmlns:a16="http://schemas.microsoft.com/office/drawing/2014/main" id="{0361FDD2-72C4-4390-BADA-F61AA6A0F9EE}"/>
               </a:ext>
             </a:extLst>
           </p:cNvPr>
@@ -2832,7 +2830,7 @@
           <p:cNvPr id="3" name="Text Placeholder 2">
             <a:extLst>
               <a:ext uri="{FF2B5EF4-FFF2-40B4-BE49-F238E27FC236}">
-                <a16:creationId xmlns:a16="http://schemas.microsoft.com/office/drawing/2014/main" id="{28636996-A2F8-430A-AE6D-7F0ACE7D4BC5}"/>
+                <a16:creationId xmlns="" xmlns:a16="http://schemas.microsoft.com/office/drawing/2014/main" id="{28636996-A2F8-430A-AE6D-7F0ACE7D4BC5}"/>
               </a:ext>
             </a:extLst>
           </p:cNvPr>
@@ -2899,7 +2897,7 @@
           <p:cNvPr id="4" name="Date Placeholder 3">
             <a:extLst>
               <a:ext uri="{FF2B5EF4-FFF2-40B4-BE49-F238E27FC236}">
-                <a16:creationId xmlns:a16="http://schemas.microsoft.com/office/drawing/2014/main" id="{8882BD3D-2AC2-4F5A-8F45-63C71B296678}"/>
+                <a16:creationId xmlns="" xmlns:a16="http://schemas.microsoft.com/office/drawing/2014/main" id="{8882BD3D-2AC2-4F5A-8F45-63C71B296678}"/>
               </a:ext>
             </a:extLst>
           </p:cNvPr>
@@ -2935,7 +2933,7 @@
           <a:p>
             <a:fld id="{ED377316-76EC-4E2D-B799-824BA439A770}" type="datetimeFigureOut">
               <a:rPr lang="en-US" smtClean="0"/>
-              <a:t>11/20/2020</a:t>
+              <a:t>12/2/2020</a:t>
             </a:fld>
             <a:endParaRPr lang="en-US"/>
           </a:p>
@@ -2946,7 +2944,7 @@
           <p:cNvPr id="5" name="Footer Placeholder 4">
             <a:extLst>
               <a:ext uri="{FF2B5EF4-FFF2-40B4-BE49-F238E27FC236}">
-                <a16:creationId xmlns:a16="http://schemas.microsoft.com/office/drawing/2014/main" id="{2BD4C1E0-F79E-4E05-B1F3-ADD397770940}"/>
+                <a16:creationId xmlns="" xmlns:a16="http://schemas.microsoft.com/office/drawing/2014/main" id="{2BD4C1E0-F79E-4E05-B1F3-ADD397770940}"/>
               </a:ext>
             </a:extLst>
           </p:cNvPr>
@@ -2989,7 +2987,7 @@
           <p:cNvPr id="6" name="Slide Number Placeholder 5">
             <a:extLst>
               <a:ext uri="{FF2B5EF4-FFF2-40B4-BE49-F238E27FC236}">
-                <a16:creationId xmlns:a16="http://schemas.microsoft.com/office/drawing/2014/main" id="{B8D5AA69-2CFE-4E90-BB18-13D5FD069C12}"/>
+                <a16:creationId xmlns="" xmlns:a16="http://schemas.microsoft.com/office/drawing/2014/main" id="{B8D5AA69-2CFE-4E90-BB18-13D5FD069C12}"/>
               </a:ext>
             </a:extLst>
           </p:cNvPr>
@@ -3357,7 +3355,7 @@
           <p:cNvPr id="2" name="Title 1">
             <a:extLst>
               <a:ext uri="{FF2B5EF4-FFF2-40B4-BE49-F238E27FC236}">
-                <a16:creationId xmlns:a16="http://schemas.microsoft.com/office/drawing/2014/main" id="{5D44E076-898C-4846-BBE6-B9A2F0162B9F}"/>
+                <a16:creationId xmlns="" xmlns:a16="http://schemas.microsoft.com/office/drawing/2014/main" id="{5D44E076-898C-4846-BBE6-B9A2F0162B9F}"/>
               </a:ext>
             </a:extLst>
           </p:cNvPr>
@@ -3368,42 +3366,101 @@
             <p:ph type="ctrTitle"/>
           </p:nvPr>
         </p:nvSpPr>
-        <p:spPr/>
-        <p:txBody>
-          <a:bodyPr/>
-          <a:lstStyle/>
-          <a:p>
+        <p:spPr>
+          <a:xfrm>
+            <a:off x="1469803" y="546931"/>
+            <a:ext cx="9144000" cy="1427148"/>
+          </a:xfrm>
+        </p:spPr>
+        <p:txBody>
+          <a:bodyPr>
+            <a:noAutofit/>
+          </a:bodyPr>
+          <a:lstStyle/>
+          <a:p>
+            <a:r>
+              <a:rPr lang="en-US" sz="3200" dirty="0"/>
+              <a:t>RNA-</a:t>
+            </a:r>
+            <a:r>
+              <a:rPr lang="en-US" sz="3200" dirty="0" err="1"/>
+              <a:t>Seq</a:t>
+            </a:r>
+            <a:r>
+              <a:rPr lang="en-US" sz="3200" dirty="0"/>
+              <a:t> </a:t>
+            </a:r>
+            <a:r>
+              <a:rPr lang="en-US" sz="3200" dirty="0" smtClean="0"/>
+              <a:t>Analysis for data from paper</a:t>
+            </a:r>
+            <a:br>
+              <a:rPr lang="en-US" sz="3200" dirty="0" smtClean="0"/>
+            </a:br>
+            <a:r>
+              <a:rPr lang="en-US" sz="3200" dirty="0" smtClean="0"/>
+              <a:t>“</a:t>
+            </a:r>
+            <a:r>
+              <a:rPr lang="en-US" sz="3200" dirty="0" err="1" smtClean="0"/>
+              <a:t>Rinf</a:t>
+            </a:r>
+            <a:r>
+              <a:rPr lang="en-US" sz="3200" dirty="0" smtClean="0"/>
+              <a:t> </a:t>
+            </a:r>
+            <a:r>
+              <a:rPr lang="en-US" sz="3200" dirty="0"/>
+              <a:t>regulates pluripotency network and Tet enzymes in embryonic stem </a:t>
+            </a:r>
+            <a:r>
+              <a:rPr lang="en-US" sz="3200" dirty="0" smtClean="0"/>
+              <a:t>cells”</a:t>
+            </a:r>
+            <a:endParaRPr lang="en-US" sz="3200" dirty="0"/>
+          </a:p>
+        </p:txBody>
+      </p:sp>
+      <p:sp>
+        <p:nvSpPr>
+          <p:cNvPr id="4" name="TextBox 3"/>
+          <p:cNvSpPr txBox="1"/>
+          <p:nvPr/>
+        </p:nvSpPr>
+        <p:spPr>
+          <a:xfrm>
+            <a:off x="1469803" y="2135396"/>
+            <a:ext cx="8571431" cy="1200329"/>
+          </a:xfrm>
+          <a:prstGeom prst="rect">
+            <a:avLst/>
+          </a:prstGeom>
+          <a:noFill/>
+        </p:spPr>
+        <p:txBody>
+          <a:bodyPr wrap="square" rtlCol="0">
+            <a:spAutoFit/>
+          </a:bodyPr>
+          <a:lstStyle/>
+          <a:p>
+            <a:r>
+              <a:rPr lang="en-US" dirty="0" smtClean="0"/>
+              <a:t>Overview:</a:t>
+            </a:r>
+            <a:endParaRPr lang="en-US" dirty="0"/>
+          </a:p>
+          <a:p>
+            <a:pPr marL="285750" indent="-285750">
+              <a:buFont typeface="Arial" panose="020B0604020202020204" pitchFamily="34" charset="0"/>
+              <a:buChar char="•"/>
+            </a:pPr>
+            <a:r>
+              <a:rPr lang="en-US" dirty="0" smtClean="0"/>
+              <a:t>Investigate the </a:t>
+            </a:r>
             <a:r>
               <a:rPr lang="en-US" dirty="0"/>
-              <a:t>RNA-Seq Analysis</a:t>
-            </a:r>
-          </a:p>
-        </p:txBody>
-      </p:sp>
-      <p:sp>
-        <p:nvSpPr>
-          <p:cNvPr id="3" name="Subtitle 2">
-            <a:extLst>
-              <a:ext uri="{FF2B5EF4-FFF2-40B4-BE49-F238E27FC236}">
-                <a16:creationId xmlns:a16="http://schemas.microsoft.com/office/drawing/2014/main" id="{6BDCE349-1ED5-4FB7-94FE-3FC75A8CF7E3}"/>
-              </a:ext>
-            </a:extLst>
-          </p:cNvPr>
-          <p:cNvSpPr>
-            <a:spLocks noGrp="1"/>
-          </p:cNvSpPr>
-          <p:nvPr>
-            <p:ph type="subTitle" idx="1"/>
-          </p:nvPr>
-        </p:nvSpPr>
-        <p:spPr/>
-        <p:txBody>
-          <a:bodyPr/>
-          <a:lstStyle/>
-          <a:p>
-            <a:r>
-              <a:rPr lang="en-US" dirty="0"/>
-              <a:t>Practice with RNA-Seq data from paper “</a:t>
+              <a:t>role of </a:t>
             </a:r>
             <a:r>
               <a:rPr lang="en-US" dirty="0" err="1"/>
@@ -3411,7 +3468,78 @@
             </a:r>
             <a:r>
               <a:rPr lang="en-US" dirty="0"/>
-              <a:t> Regulates Pluripotency Network Genes and Tet Enzymes in Embryonic Stem Cells”</a:t>
+              <a:t> in differentiation and lineage specification programs of ESCs by analyzing the transcriptomic profile of wild type and </a:t>
+            </a:r>
+            <a:r>
+              <a:rPr lang="en-US" dirty="0" err="1"/>
+              <a:t>Rinf</a:t>
+            </a:r>
+            <a:r>
+              <a:rPr lang="en-US" dirty="0"/>
+              <a:t>–/– ESCs during differentiation to </a:t>
+            </a:r>
+            <a:r>
+              <a:rPr lang="en-US" dirty="0" err="1"/>
+              <a:t>embroyoid</a:t>
+            </a:r>
+            <a:r>
+              <a:rPr lang="en-US" dirty="0"/>
+              <a:t> bodies (EBs) at three time points (day 0, 3, 6).</a:t>
+            </a:r>
+            <a:r>
+              <a:rPr lang="en-US" dirty="0" smtClean="0"/>
+              <a:t> </a:t>
+            </a:r>
+            <a:endParaRPr lang="en-US" dirty="0"/>
+          </a:p>
+        </p:txBody>
+      </p:sp>
+      <p:sp>
+        <p:nvSpPr>
+          <p:cNvPr id="5" name="TextBox 4">
+            <a:extLst>
+              <a:ext uri="{FF2B5EF4-FFF2-40B4-BE49-F238E27FC236}">
+                <a16:creationId xmlns="" xmlns:a16="http://schemas.microsoft.com/office/drawing/2014/main" id="{088AC044-2B6F-564E-AC46-464698DB6C54}"/>
+              </a:ext>
+            </a:extLst>
+          </p:cNvPr>
+          <p:cNvSpPr txBox="1"/>
+          <p:nvPr/>
+        </p:nvSpPr>
+        <p:spPr>
+          <a:xfrm>
+            <a:off x="1469803" y="4249376"/>
+            <a:ext cx="8571431" cy="923330"/>
+          </a:xfrm>
+          <a:prstGeom prst="rect">
+            <a:avLst/>
+          </a:prstGeom>
+          <a:noFill/>
+        </p:spPr>
+        <p:txBody>
+          <a:bodyPr wrap="square" rtlCol="0">
+            <a:spAutoFit/>
+          </a:bodyPr>
+          <a:lstStyle/>
+          <a:p>
+            <a:r>
+              <a:rPr lang="en-US" dirty="0"/>
+              <a:t>Goals of </a:t>
+            </a:r>
+            <a:r>
+              <a:rPr lang="en-US" dirty="0" smtClean="0"/>
+              <a:t>analysis:</a:t>
+            </a:r>
+            <a:endParaRPr lang="en-US" dirty="0"/>
+          </a:p>
+          <a:p>
+            <a:pPr marL="285750" indent="-285750">
+              <a:buFont typeface="Arial" panose="020B0604020202020204" pitchFamily="34" charset="0"/>
+              <a:buChar char="•"/>
+            </a:pPr>
+            <a:r>
+              <a:rPr lang="en-US" dirty="0"/>
+              <a:t>Find differentially expressed genes between wild type and knock out samples over the course of day 0, day 3, and day6.</a:t>
             </a:r>
           </a:p>
         </p:txBody>
@@ -3451,7 +3579,7 @@
           <p:cNvPr id="2" name="Title 1">
             <a:extLst>
               <a:ext uri="{FF2B5EF4-FFF2-40B4-BE49-F238E27FC236}">
-                <a16:creationId xmlns:a16="http://schemas.microsoft.com/office/drawing/2014/main" id="{4EA3CB9E-619E-4288-9D33-73290203AB4F}"/>
+                <a16:creationId xmlns="" xmlns:a16="http://schemas.microsoft.com/office/drawing/2014/main" id="{4EA3CB9E-619E-4288-9D33-73290203AB4F}"/>
               </a:ext>
             </a:extLst>
           </p:cNvPr>
@@ -3476,58 +3604,106 @@
           <a:p>
             <a:r>
               <a:rPr lang="en-US" sz="1800" b="0" i="0" dirty="0">
-                <a:solidFill>
-                  <a:srgbClr val="000000"/>
-                </a:solidFill>
                 <a:effectLst/>
                 <a:latin typeface="AdvPSA183"/>
               </a:rPr>
-              <a:t>Additional plots: PCA Plots</a:t>
-            </a:r>
-            <a:endParaRPr lang="en-US" dirty="0"/>
+              <a:t>GO enrichment and KEGG pathway analysis of the DEGs at day 6 of differentiation to EBs.</a:t>
+            </a:r>
+            <a:r>
+              <a:rPr lang="en-US" sz="1800" dirty="0">
+                <a:latin typeface="AdvPSA183"/>
+              </a:rPr>
+              <a:t> </a:t>
+            </a:r>
           </a:p>
         </p:txBody>
       </p:sp>
       <p:pic>
         <p:nvPicPr>
-          <p:cNvPr id="7" name="Picture 6" descr="Chart, scatter chart&#10;&#10;Description automatically generated">
-            <a:extLst>
-              <a:ext uri="{FF2B5EF4-FFF2-40B4-BE49-F238E27FC236}">
-                <a16:creationId xmlns:a16="http://schemas.microsoft.com/office/drawing/2014/main" id="{570E06C2-93E0-408E-9A3C-DF851EE24E1D}"/>
-              </a:ext>
-            </a:extLst>
-          </p:cNvPr>
+          <p:cNvPr id="9218" name="Picture 2" descr="C:\Users\Fei\Dropbox (EinsteinMed)\Fei\Qin-None-Stranded\WTDAY6-vs-KODAY6\GO.png"/>
           <p:cNvPicPr>
-            <a:picLocks noChangeAspect="1"/>
+            <a:picLocks noChangeAspect="1" noChangeArrowheads="1"/>
           </p:cNvPicPr>
           <p:nvPr/>
         </p:nvPicPr>
         <p:blipFill>
-          <a:blip r:embed="rId2">
+          <a:blip r:embed="rId2" cstate="print">
             <a:extLst>
               <a:ext uri="{28A0092B-C50C-407E-A947-70E740481C1C}">
                 <a14:useLocalDpi xmlns:a14="http://schemas.microsoft.com/office/drawing/2010/main" val="0"/>
               </a:ext>
             </a:extLst>
           </a:blip>
+          <a:srcRect/>
           <a:stretch>
             <a:fillRect/>
           </a:stretch>
         </p:blipFill>
-        <p:spPr>
-          <a:xfrm>
-            <a:off x="3484869" y="1645741"/>
-            <a:ext cx="5222261" cy="3051842"/>
+        <p:spPr bwMode="auto">
+          <a:xfrm>
+            <a:off x="6444512" y="1305932"/>
+            <a:ext cx="4840488" cy="3872391"/>
           </a:xfrm>
           <a:prstGeom prst="rect">
             <a:avLst/>
           </a:prstGeom>
+          <a:noFill/>
+          <a:extLst>
+            <a:ext uri="{909E8E84-426E-40DD-AFC4-6F175D3DCCD1}">
+              <a14:hiddenFill xmlns:a14="http://schemas.microsoft.com/office/drawing/2010/main">
+                <a:solidFill>
+                  <a:srgbClr val="FFFFFF"/>
+                </a:solidFill>
+              </a14:hiddenFill>
+            </a:ext>
+          </a:extLst>
+        </p:spPr>
+      </p:pic>
+      <p:pic>
+        <p:nvPicPr>
+          <p:cNvPr id="9219" name="Picture 3" descr="C:\Users\Fei\Dropbox (EinsteinMed)\Fei\Qin-None-Stranded\WTDAY6-vs-KODAY6\GO.png"/>
+          <p:cNvPicPr>
+            <a:picLocks noChangeAspect="1" noChangeArrowheads="1"/>
+          </p:cNvPicPr>
+          <p:nvPr/>
+        </p:nvPicPr>
+        <p:blipFill>
+          <a:blip r:embed="rId3" cstate="print">
+            <a:extLst>
+              <a:ext uri="{28A0092B-C50C-407E-A947-70E740481C1C}">
+                <a14:useLocalDpi xmlns:a14="http://schemas.microsoft.com/office/drawing/2010/main" val="0"/>
+              </a:ext>
+            </a:extLst>
+          </a:blip>
+          <a:srcRect/>
+          <a:stretch>
+            <a:fillRect/>
+          </a:stretch>
+        </p:blipFill>
+        <p:spPr bwMode="auto">
+          <a:xfrm>
+            <a:off x="1604023" y="1305932"/>
+            <a:ext cx="4840489" cy="3872391"/>
+          </a:xfrm>
+          <a:prstGeom prst="rect">
+            <a:avLst/>
+          </a:prstGeom>
+          <a:noFill/>
+          <a:extLst>
+            <a:ext uri="{909E8E84-426E-40DD-AFC4-6F175D3DCCD1}">
+              <a14:hiddenFill xmlns:a14="http://schemas.microsoft.com/office/drawing/2010/main">
+                <a:solidFill>
+                  <a:srgbClr val="FFFFFF"/>
+                </a:solidFill>
+              </a14:hiddenFill>
+            </a:ext>
+          </a:extLst>
         </p:spPr>
       </p:pic>
     </p:spTree>
     <p:extLst>
       <p:ext uri="{BB962C8B-B14F-4D97-AF65-F5344CB8AC3E}">
-        <p14:creationId xmlns:p14="http://schemas.microsoft.com/office/powerpoint/2010/main" val="3832094004"/>
+        <p14:creationId xmlns:p14="http://schemas.microsoft.com/office/powerpoint/2010/main" val="2205909188"/>
       </p:ext>
     </p:extLst>
   </p:cSld>
@@ -3559,7 +3735,7 @@
           <p:cNvPr id="2" name="Title 1">
             <a:extLst>
               <a:ext uri="{FF2B5EF4-FFF2-40B4-BE49-F238E27FC236}">
-                <a16:creationId xmlns:a16="http://schemas.microsoft.com/office/drawing/2014/main" id="{4EA3CB9E-619E-4288-9D33-73290203AB4F}"/>
+                <a16:creationId xmlns="" xmlns:a16="http://schemas.microsoft.com/office/drawing/2014/main" id="{4EA3CB9E-619E-4288-9D33-73290203AB4F}"/>
               </a:ext>
             </a:extLst>
           </p:cNvPr>
@@ -3572,41 +3748,37 @@
         </p:nvSpPr>
         <p:spPr>
           <a:xfrm>
-            <a:off x="838200" y="365125"/>
-            <a:ext cx="10515600" cy="575779"/>
+            <a:off x="838199" y="365125"/>
+            <a:ext cx="9785323" cy="505101"/>
           </a:xfrm>
         </p:spPr>
         <p:txBody>
           <a:bodyPr>
-            <a:normAutofit/>
+            <a:normAutofit fontScale="90000"/>
           </a:bodyPr>
           <a:lstStyle/>
           <a:p>
             <a:r>
               <a:rPr lang="en-US" sz="1800" b="0" i="0" dirty="0">
-                <a:solidFill>
-                  <a:srgbClr val="000000"/>
-                </a:solidFill>
                 <a:effectLst/>
                 <a:latin typeface="AdvPSA183"/>
               </a:rPr>
-              <a:t>Additional plots: PCA Plots</a:t>
-            </a:r>
-            <a:endParaRPr lang="en-US" dirty="0"/>
+              <a:t>Heatmap: Expression patterns of deregulated lineage marker genes at day 6 of differentiation</a:t>
+            </a:r>
+            <a:r>
+              <a:rPr lang="en-US" sz="1800" dirty="0">
+                <a:latin typeface="AdvPSA183"/>
+              </a:rPr>
+              <a:t> </a:t>
+            </a:r>
           </a:p>
         </p:txBody>
       </p:sp>
       <p:pic>
         <p:nvPicPr>
-          <p:cNvPr id="6" name="Picture 5" descr="Chart, scatter chart&#10;&#10;Description automatically generated">
-            <a:extLst>
-              <a:ext uri="{FF2B5EF4-FFF2-40B4-BE49-F238E27FC236}">
-                <a16:creationId xmlns:a16="http://schemas.microsoft.com/office/drawing/2014/main" id="{31151743-8574-4B8E-802A-27E9DF3781FE}"/>
-              </a:ext>
-            </a:extLst>
-          </p:cNvPr>
+          <p:cNvPr id="1026" name="Picture 2" descr="C:\Users\Fei\Pictures\EB6.png"/>
           <p:cNvPicPr>
-            <a:picLocks noChangeAspect="1"/>
+            <a:picLocks noChangeAspect="1" noChangeArrowheads="1"/>
           </p:cNvPicPr>
           <p:nvPr/>
         </p:nvPicPr>
@@ -3618,24 +3790,35 @@
               </a:ext>
             </a:extLst>
           </a:blip>
+          <a:srcRect/>
           <a:stretch>
             <a:fillRect/>
           </a:stretch>
         </p:blipFill>
-        <p:spPr>
-          <a:xfrm>
-            <a:off x="3523555" y="1567821"/>
-            <a:ext cx="5144889" cy="3286741"/>
+        <p:spPr bwMode="auto">
+          <a:xfrm>
+            <a:off x="2198301" y="1791738"/>
+            <a:ext cx="7851554" cy="3063623"/>
           </a:xfrm>
           <a:prstGeom prst="rect">
             <a:avLst/>
           </a:prstGeom>
+          <a:noFill/>
+          <a:extLst>
+            <a:ext uri="{909E8E84-426E-40DD-AFC4-6F175D3DCCD1}">
+              <a14:hiddenFill xmlns:a14="http://schemas.microsoft.com/office/drawing/2010/main">
+                <a:solidFill>
+                  <a:srgbClr val="FFFFFF"/>
+                </a:solidFill>
+              </a14:hiddenFill>
+            </a:ext>
+          </a:extLst>
         </p:spPr>
       </p:pic>
     </p:spTree>
     <p:extLst>
       <p:ext uri="{BB962C8B-B14F-4D97-AF65-F5344CB8AC3E}">
-        <p14:creationId xmlns:p14="http://schemas.microsoft.com/office/powerpoint/2010/main" val="4252959913"/>
+        <p14:creationId xmlns:p14="http://schemas.microsoft.com/office/powerpoint/2010/main" val="1273207514"/>
       </p:ext>
     </p:extLst>
   </p:cSld>
@@ -3667,7 +3850,7 @@
           <p:cNvPr id="2" name="Title 1">
             <a:extLst>
               <a:ext uri="{FF2B5EF4-FFF2-40B4-BE49-F238E27FC236}">
-                <a16:creationId xmlns:a16="http://schemas.microsoft.com/office/drawing/2014/main" id="{4EA3CB9E-619E-4288-9D33-73290203AB4F}"/>
+                <a16:creationId xmlns="" xmlns:a16="http://schemas.microsoft.com/office/drawing/2014/main" id="{4EA3CB9E-619E-4288-9D33-73290203AB4F}"/>
               </a:ext>
             </a:extLst>
           </p:cNvPr>
@@ -3686,30 +3869,40 @@
         </p:spPr>
         <p:txBody>
           <a:bodyPr>
-            <a:normAutofit/>
+            <a:noAutofit/>
           </a:bodyPr>
           <a:lstStyle/>
           <a:p>
             <a:r>
-              <a:rPr lang="en-US" sz="1800" b="0" i="0" dirty="0">
+              <a:rPr lang="en-US" sz="1800" dirty="0" err="1">
                 <a:solidFill>
                   <a:srgbClr val="000000"/>
                 </a:solidFill>
-                <a:effectLst/>
                 <a:latin typeface="AdvPSA183"/>
               </a:rPr>
-              <a:t>Additional plots: Sample Distance Heatmap Plots</a:t>
-            </a:r>
-            <a:endParaRPr lang="en-US" dirty="0"/>
+              <a:t>Barplot</a:t>
+            </a:r>
+            <a:r>
+              <a:rPr lang="en-US" sz="1800" dirty="0">
+                <a:solidFill>
+                  <a:srgbClr val="000000"/>
+                </a:solidFill>
+                <a:latin typeface="AdvPSA183"/>
+              </a:rPr>
+              <a:t> for Number of DEGs</a:t>
+            </a:r>
+            <a:endParaRPr lang="en-US" sz="1800" dirty="0">
+              <a:latin typeface="AdvPSA183"/>
+            </a:endParaRPr>
           </a:p>
         </p:txBody>
       </p:sp>
       <p:pic>
         <p:nvPicPr>
-          <p:cNvPr id="7" name="Picture 6" descr="Chart&#10;&#10;Description automatically generated">
-            <a:extLst>
-              <a:ext uri="{FF2B5EF4-FFF2-40B4-BE49-F238E27FC236}">
-                <a16:creationId xmlns:a16="http://schemas.microsoft.com/office/drawing/2014/main" id="{08604F95-BD16-4091-AC3F-D32D7DC4F4BF}"/>
+          <p:cNvPr id="4" name="Picture 3">
+            <a:extLst>
+              <a:ext uri="{FF2B5EF4-FFF2-40B4-BE49-F238E27FC236}">
+                <a16:creationId xmlns="" xmlns:a16="http://schemas.microsoft.com/office/drawing/2014/main" id="{C8BC781A-48C5-4524-A8F4-D2EB4984B0DC}"/>
               </a:ext>
             </a:extLst>
           </p:cNvPr>
@@ -3719,21 +3912,15 @@
           <p:nvPr/>
         </p:nvPicPr>
         <p:blipFill>
-          <a:blip r:embed="rId2">
-            <a:extLst>
-              <a:ext uri="{28A0092B-C50C-407E-A947-70E740481C1C}">
-                <a14:useLocalDpi xmlns:a14="http://schemas.microsoft.com/office/drawing/2010/main" val="0"/>
-              </a:ext>
-            </a:extLst>
-          </a:blip>
+          <a:blip r:embed="rId2"/>
           <a:stretch>
             <a:fillRect/>
           </a:stretch>
         </p:blipFill>
         <p:spPr>
           <a:xfrm>
-            <a:off x="4416285" y="1472095"/>
-            <a:ext cx="3359429" cy="3359429"/>
+            <a:off x="3494156" y="1444487"/>
+            <a:ext cx="4618672" cy="4538868"/>
           </a:xfrm>
           <a:prstGeom prst="rect">
             <a:avLst/>
@@ -3743,7 +3930,7 @@
     </p:spTree>
     <p:extLst>
       <p:ext uri="{BB962C8B-B14F-4D97-AF65-F5344CB8AC3E}">
-        <p14:creationId xmlns:p14="http://schemas.microsoft.com/office/powerpoint/2010/main" val="1556877436"/>
+        <p14:creationId xmlns:p14="http://schemas.microsoft.com/office/powerpoint/2010/main" val="2983123334"/>
       </p:ext>
     </p:extLst>
   </p:cSld>
@@ -3772,13 +3959,7 @@
       </p:grpSpPr>
       <p:sp>
         <p:nvSpPr>
-          <p:cNvPr id="2" name="Title 1">
-            <a:extLst>
-              <a:ext uri="{FF2B5EF4-FFF2-40B4-BE49-F238E27FC236}">
-                <a16:creationId xmlns:a16="http://schemas.microsoft.com/office/drawing/2014/main" id="{4EA3CB9E-619E-4288-9D33-73290203AB4F}"/>
-              </a:ext>
-            </a:extLst>
-          </p:cNvPr>
+          <p:cNvPr id="2" name="Title 1"/>
           <p:cNvSpPr>
             <a:spLocks noGrp="1"/>
           </p:cNvSpPr>
@@ -3789,7 +3970,7 @@
         <p:spPr>
           <a:xfrm>
             <a:off x="838200" y="365125"/>
-            <a:ext cx="10515600" cy="575779"/>
+            <a:ext cx="10515600" cy="668545"/>
           </a:xfrm>
         </p:spPr>
         <p:txBody>
@@ -3799,59 +3980,144 @@
           <a:lstStyle/>
           <a:p>
             <a:r>
-              <a:rPr lang="en-US" sz="1800" b="0" i="0" dirty="0">
-                <a:solidFill>
-                  <a:srgbClr val="000000"/>
-                </a:solidFill>
-                <a:effectLst/>
+              <a:rPr lang="en-US" sz="1800" dirty="0">
                 <a:latin typeface="AdvPSA183"/>
               </a:rPr>
-              <a:t>Additional plots: Sample Distance Heatmap Plots</a:t>
-            </a:r>
-            <a:endParaRPr lang="en-US" dirty="0"/>
-          </a:p>
-        </p:txBody>
-      </p:sp>
-      <p:pic>
-        <p:nvPicPr>
-          <p:cNvPr id="5" name="Picture 4" descr="Chart&#10;&#10;Description automatically generated">
-            <a:extLst>
-              <a:ext uri="{FF2B5EF4-FFF2-40B4-BE49-F238E27FC236}">
-                <a16:creationId xmlns:a16="http://schemas.microsoft.com/office/drawing/2014/main" id="{FDDCF0E8-9017-4BFE-805B-60BA8AF94675}"/>
-              </a:ext>
-            </a:extLst>
-          </p:cNvPr>
-          <p:cNvPicPr>
-            <a:picLocks noChangeAspect="1"/>
-          </p:cNvPicPr>
-          <p:nvPr/>
-        </p:nvPicPr>
-        <p:blipFill>
-          <a:blip r:embed="rId2">
-            <a:extLst>
-              <a:ext uri="{28A0092B-C50C-407E-A947-70E740481C1C}">
-                <a14:useLocalDpi xmlns:a14="http://schemas.microsoft.com/office/drawing/2010/main" val="0"/>
-              </a:ext>
-            </a:extLst>
-          </a:blip>
-          <a:stretch>
-            <a:fillRect/>
-          </a:stretch>
-        </p:blipFill>
-        <p:spPr>
-          <a:xfrm>
-            <a:off x="4211981" y="1494182"/>
-            <a:ext cx="3768038" cy="3768038"/>
-          </a:xfrm>
-          <a:prstGeom prst="rect">
-            <a:avLst/>
-          </a:prstGeom>
-        </p:spPr>
-      </p:pic>
+              <a:t>Names of Excel files of DEGs, Up/Down DEGs</a:t>
+            </a:r>
+          </a:p>
+        </p:txBody>
+      </p:sp>
+      <p:sp>
+        <p:nvSpPr>
+          <p:cNvPr id="3" name="Content Placeholder 2"/>
+          <p:cNvSpPr>
+            <a:spLocks noGrp="1"/>
+          </p:cNvSpPr>
+          <p:nvPr>
+            <p:ph idx="1"/>
+          </p:nvPr>
+        </p:nvSpPr>
+        <p:spPr>
+          <a:xfrm>
+            <a:off x="1143000" y="1242530"/>
+            <a:ext cx="10515600" cy="2591766"/>
+          </a:xfrm>
+        </p:spPr>
+        <p:txBody>
+          <a:bodyPr>
+            <a:normAutofit/>
+          </a:bodyPr>
+          <a:lstStyle/>
+          <a:p>
+            <a:r>
+              <a:rPr lang="en-US" sz="1600" dirty="0"/>
+              <a:t>\</a:t>
+            </a:r>
+            <a:r>
+              <a:rPr lang="en-US" sz="1600" dirty="0" err="1"/>
+              <a:t>Rinf</a:t>
+            </a:r>
+            <a:r>
+              <a:rPr lang="en-US" sz="1600" dirty="0"/>
+              <a:t>\WTDAY0-vs-KODAY0\DEGs.csv	(DEGs with all info)</a:t>
+            </a:r>
+          </a:p>
+          <a:p>
+            <a:r>
+              <a:rPr lang="en-US" sz="1600" dirty="0"/>
+              <a:t>\</a:t>
+            </a:r>
+            <a:r>
+              <a:rPr lang="en-US" sz="1600" dirty="0" err="1"/>
+              <a:t>Rinf</a:t>
+            </a:r>
+            <a:r>
+              <a:rPr lang="en-US" sz="1600" dirty="0"/>
+              <a:t>\WTDAY0-vs-KODAY0\SigDEGs.csv 	(Significant DEGs list with all info, FDR &lt; 0.05)</a:t>
+            </a:r>
+          </a:p>
+          <a:p>
+            <a:r>
+              <a:rPr lang="en-US" sz="1600" dirty="0"/>
+              <a:t>\</a:t>
+            </a:r>
+            <a:r>
+              <a:rPr lang="en-US" sz="1600" dirty="0" err="1"/>
+              <a:t>Rinf</a:t>
+            </a:r>
+            <a:r>
+              <a:rPr lang="en-US" sz="1600" dirty="0"/>
+              <a:t>\WTDAY0-vs-KODAY0\</a:t>
+            </a:r>
+            <a:r>
+              <a:rPr lang="en-US" sz="1600" dirty="0" err="1"/>
+              <a:t>SigDEGsDownList.tsv</a:t>
+            </a:r>
+            <a:r>
+              <a:rPr lang="en-US" sz="1600" dirty="0"/>
+              <a:t> 	(Significant Down DEGs list, FDR &lt; 0.05)</a:t>
+            </a:r>
+          </a:p>
+          <a:p>
+            <a:r>
+              <a:rPr lang="en-US" sz="1600" dirty="0"/>
+              <a:t>\</a:t>
+            </a:r>
+            <a:r>
+              <a:rPr lang="en-US" sz="1600" dirty="0" err="1"/>
+              <a:t>Rinf</a:t>
+            </a:r>
+            <a:r>
+              <a:rPr lang="en-US" sz="1600" dirty="0"/>
+              <a:t>\WTDAY0-vs-KODAY0\</a:t>
+            </a:r>
+            <a:r>
+              <a:rPr lang="en-US" sz="1600" dirty="0" err="1"/>
+              <a:t>SigDEGsUpList.tsv</a:t>
+            </a:r>
+            <a:r>
+              <a:rPr lang="en-US" sz="1600" dirty="0"/>
+              <a:t> 	(Significant Up DEGs list, FDR &lt; 0.05)</a:t>
+            </a:r>
+          </a:p>
+          <a:p>
+            <a:endParaRPr lang="en-US" sz="1600" dirty="0"/>
+          </a:p>
+          <a:p>
+            <a:r>
+              <a:rPr lang="en-US" sz="1600" dirty="0"/>
+              <a:t>\</a:t>
+            </a:r>
+            <a:r>
+              <a:rPr lang="en-US" sz="1600" dirty="0" err="1"/>
+              <a:t>Rinf</a:t>
+            </a:r>
+            <a:r>
+              <a:rPr lang="en-US" sz="1600" dirty="0"/>
+              <a:t>\WTDAY3-vs-KODAY3\&lt;same set of files as WTDAY0-vs-KODAY0&gt;</a:t>
+            </a:r>
+          </a:p>
+          <a:p>
+            <a:r>
+              <a:rPr lang="en-US" sz="1600" dirty="0"/>
+              <a:t>\</a:t>
+            </a:r>
+            <a:r>
+              <a:rPr lang="en-US" sz="1600" dirty="0" err="1"/>
+              <a:t>Rinf</a:t>
+            </a:r>
+            <a:r>
+              <a:rPr lang="en-US" sz="1600" dirty="0"/>
+              <a:t>\WTDAY6-vs-KODAY6\&lt;same set of files as WTDAY0-vs-KODAY0&gt;</a:t>
+            </a:r>
+          </a:p>
+        </p:txBody>
+      </p:sp>
     </p:spTree>
     <p:extLst>
       <p:ext uri="{BB962C8B-B14F-4D97-AF65-F5344CB8AC3E}">
-        <p14:creationId xmlns:p14="http://schemas.microsoft.com/office/powerpoint/2010/main" val="1952529316"/>
+        <p14:creationId xmlns:p14="http://schemas.microsoft.com/office/powerpoint/2010/main" val="667540223"/>
       </p:ext>
     </p:extLst>
   </p:cSld>
@@ -3880,13 +4146,7 @@
       </p:grpSpPr>
       <p:sp>
         <p:nvSpPr>
-          <p:cNvPr id="2" name="Title 1">
-            <a:extLst>
-              <a:ext uri="{FF2B5EF4-FFF2-40B4-BE49-F238E27FC236}">
-                <a16:creationId xmlns:a16="http://schemas.microsoft.com/office/drawing/2014/main" id="{4EA3CB9E-619E-4288-9D33-73290203AB4F}"/>
-              </a:ext>
-            </a:extLst>
-          </p:cNvPr>
+          <p:cNvPr id="2" name="Title 1"/>
           <p:cNvSpPr>
             <a:spLocks noGrp="1"/>
           </p:cNvSpPr>
@@ -3896,8 +4156,8 @@
         </p:nvSpPr>
         <p:spPr>
           <a:xfrm>
-            <a:off x="838200" y="365125"/>
-            <a:ext cx="10515600" cy="575779"/>
+            <a:off x="838200" y="365126"/>
+            <a:ext cx="10515600" cy="521804"/>
           </a:xfrm>
         </p:spPr>
         <p:txBody>
@@ -3907,346 +4167,55 @@
           <a:lstStyle/>
           <a:p>
             <a:r>
-              <a:rPr lang="en-US" sz="1800" b="0" i="0" dirty="0">
-                <a:solidFill>
-                  <a:srgbClr val="000000"/>
-                </a:solidFill>
-                <a:effectLst/>
+              <a:rPr lang="en-US" sz="1800" dirty="0">
                 <a:latin typeface="AdvPSA183"/>
               </a:rPr>
-              <a:t>Additional plots: Sample Distance Heatmap Plots</a:t>
-            </a:r>
-            <a:endParaRPr lang="en-US" dirty="0"/>
-          </a:p>
-        </p:txBody>
-      </p:sp>
-      <p:pic>
-        <p:nvPicPr>
-          <p:cNvPr id="4" name="Picture 3" descr="Chart&#10;&#10;Description automatically generated">
-            <a:extLst>
-              <a:ext uri="{FF2B5EF4-FFF2-40B4-BE49-F238E27FC236}">
-                <a16:creationId xmlns:a16="http://schemas.microsoft.com/office/drawing/2014/main" id="{B6B75441-65A7-4217-9529-E9DBF923FE92}"/>
-              </a:ext>
-            </a:extLst>
-          </p:cNvPr>
-          <p:cNvPicPr>
-            <a:picLocks noChangeAspect="1"/>
-          </p:cNvPicPr>
-          <p:nvPr/>
-        </p:nvPicPr>
-        <p:blipFill>
-          <a:blip r:embed="rId2">
-            <a:extLst>
-              <a:ext uri="{28A0092B-C50C-407E-A947-70E740481C1C}">
-                <a14:useLocalDpi xmlns:a14="http://schemas.microsoft.com/office/drawing/2010/main" val="0"/>
-              </a:ext>
-            </a:extLst>
-          </a:blip>
-          <a:stretch>
-            <a:fillRect/>
-          </a:stretch>
-        </p:blipFill>
-        <p:spPr>
-          <a:xfrm>
-            <a:off x="4256706" y="1589706"/>
-            <a:ext cx="3678588" cy="3678588"/>
-          </a:xfrm>
-          <a:prstGeom prst="rect">
-            <a:avLst/>
-          </a:prstGeom>
-        </p:spPr>
-      </p:pic>
+              <a:t>Acknowledgement</a:t>
+            </a:r>
+          </a:p>
+        </p:txBody>
+      </p:sp>
+      <p:sp>
+        <p:nvSpPr>
+          <p:cNvPr id="3" name="Content Placeholder 2"/>
+          <p:cNvSpPr>
+            <a:spLocks noGrp="1"/>
+          </p:cNvSpPr>
+          <p:nvPr>
+            <p:ph idx="1"/>
+          </p:nvPr>
+        </p:nvSpPr>
+        <p:spPr>
+          <a:xfrm>
+            <a:off x="838200" y="1176268"/>
+            <a:ext cx="10147852" cy="723210"/>
+          </a:xfrm>
+        </p:spPr>
+        <p:txBody>
+          <a:bodyPr>
+            <a:normAutofit/>
+          </a:bodyPr>
+          <a:lstStyle/>
+          <a:p>
+            <a:r>
+              <a:rPr lang="en-US" sz="1600" dirty="0"/>
+              <a:t>Thanks to Dr. Qin Tang for provided the code for RNA-</a:t>
+            </a:r>
+            <a:r>
+              <a:rPr lang="en-US" sz="1600" dirty="0" err="1"/>
+              <a:t>Seq</a:t>
+            </a:r>
+            <a:r>
+              <a:rPr lang="en-US" sz="1600" dirty="0"/>
+              <a:t> pipeline, gave me instructions, and great help in troubleshooting and heat map generation.</a:t>
+            </a:r>
+          </a:p>
+        </p:txBody>
+      </p:sp>
     </p:spTree>
     <p:extLst>
       <p:ext uri="{BB962C8B-B14F-4D97-AF65-F5344CB8AC3E}">
-        <p14:creationId xmlns:p14="http://schemas.microsoft.com/office/powerpoint/2010/main" val="3352471147"/>
-      </p:ext>
-    </p:extLst>
-  </p:cSld>
-  <p:clrMapOvr>
-    <a:masterClrMapping/>
-  </p:clrMapOvr>
-</p:sld>
-</file>
-
-<file path=ppt/slides/slide15.xml><?xml version="1.0" encoding="utf-8"?>
-<p:sld xmlns:a="http://schemas.openxmlformats.org/drawingml/2006/main" xmlns:r="http://schemas.openxmlformats.org/officeDocument/2006/relationships" xmlns:p="http://schemas.openxmlformats.org/presentationml/2006/main">
-  <p:cSld>
-    <p:spTree>
-      <p:nvGrpSpPr>
-        <p:cNvPr id="1" name=""/>
-        <p:cNvGrpSpPr/>
-        <p:nvPr/>
-      </p:nvGrpSpPr>
-      <p:grpSpPr>
-        <a:xfrm>
-          <a:off x="0" y="0"/>
-          <a:ext cx="0" cy="0"/>
-          <a:chOff x="0" y="0"/>
-          <a:chExt cx="0" cy="0"/>
-        </a:xfrm>
-      </p:grpSpPr>
-      <p:sp>
-        <p:nvSpPr>
-          <p:cNvPr id="2" name="Title 1">
-            <a:extLst>
-              <a:ext uri="{FF2B5EF4-FFF2-40B4-BE49-F238E27FC236}">
-                <a16:creationId xmlns:a16="http://schemas.microsoft.com/office/drawing/2014/main" id="{4EA3CB9E-619E-4288-9D33-73290203AB4F}"/>
-              </a:ext>
-            </a:extLst>
-          </p:cNvPr>
-          <p:cNvSpPr>
-            <a:spLocks noGrp="1"/>
-          </p:cNvSpPr>
-          <p:nvPr>
-            <p:ph type="title"/>
-          </p:nvPr>
-        </p:nvSpPr>
-        <p:spPr>
-          <a:xfrm>
-            <a:off x="838200" y="365125"/>
-            <a:ext cx="10515600" cy="575779"/>
-          </a:xfrm>
-        </p:spPr>
-        <p:txBody>
-          <a:bodyPr>
-            <a:normAutofit/>
-          </a:bodyPr>
-          <a:lstStyle/>
-          <a:p>
-            <a:r>
-              <a:rPr lang="en-US" sz="1800" b="0" i="0" dirty="0">
-                <a:solidFill>
-                  <a:srgbClr val="000000"/>
-                </a:solidFill>
-                <a:effectLst/>
-                <a:latin typeface="AdvPSA183"/>
-              </a:rPr>
-              <a:t>Additional plots: Boxplot for all samples after normalization</a:t>
-            </a:r>
-            <a:endParaRPr lang="en-US" dirty="0"/>
-          </a:p>
-        </p:txBody>
-      </p:sp>
-      <p:pic>
-        <p:nvPicPr>
-          <p:cNvPr id="5" name="Picture 4" descr="Chart&#10;&#10;Description automatically generated">
-            <a:extLst>
-              <a:ext uri="{FF2B5EF4-FFF2-40B4-BE49-F238E27FC236}">
-                <a16:creationId xmlns:a16="http://schemas.microsoft.com/office/drawing/2014/main" id="{9424B36A-836A-47E2-B947-C63BB5E362D0}"/>
-              </a:ext>
-            </a:extLst>
-          </p:cNvPr>
-          <p:cNvPicPr>
-            <a:picLocks noChangeAspect="1"/>
-          </p:cNvPicPr>
-          <p:nvPr/>
-        </p:nvPicPr>
-        <p:blipFill>
-          <a:blip r:embed="rId2">
-            <a:extLst>
-              <a:ext uri="{28A0092B-C50C-407E-A947-70E740481C1C}">
-                <a14:useLocalDpi xmlns:a14="http://schemas.microsoft.com/office/drawing/2010/main" val="0"/>
-              </a:ext>
-            </a:extLst>
-          </a:blip>
-          <a:stretch>
-            <a:fillRect/>
-          </a:stretch>
-        </p:blipFill>
-        <p:spPr>
-          <a:xfrm>
-            <a:off x="3648046" y="1187753"/>
-            <a:ext cx="4585972" cy="4592404"/>
-          </a:xfrm>
-          <a:prstGeom prst="rect">
-            <a:avLst/>
-          </a:prstGeom>
-        </p:spPr>
-      </p:pic>
-    </p:spTree>
-    <p:extLst>
-      <p:ext uri="{BB962C8B-B14F-4D97-AF65-F5344CB8AC3E}">
-        <p14:creationId xmlns:p14="http://schemas.microsoft.com/office/powerpoint/2010/main" val="1593634901"/>
-      </p:ext>
-    </p:extLst>
-  </p:cSld>
-  <p:clrMapOvr>
-    <a:masterClrMapping/>
-  </p:clrMapOvr>
-</p:sld>
-</file>
-
-<file path=ppt/slides/slide16.xml><?xml version="1.0" encoding="utf-8"?>
-<p:sld xmlns:a="http://schemas.openxmlformats.org/drawingml/2006/main" xmlns:r="http://schemas.openxmlformats.org/officeDocument/2006/relationships" xmlns:p="http://schemas.openxmlformats.org/presentationml/2006/main">
-  <p:cSld>
-    <p:spTree>
-      <p:nvGrpSpPr>
-        <p:cNvPr id="1" name=""/>
-        <p:cNvGrpSpPr/>
-        <p:nvPr/>
-      </p:nvGrpSpPr>
-      <p:grpSpPr>
-        <a:xfrm>
-          <a:off x="0" y="0"/>
-          <a:ext cx="0" cy="0"/>
-          <a:chOff x="0" y="0"/>
-          <a:chExt cx="0" cy="0"/>
-        </a:xfrm>
-      </p:grpSpPr>
-      <p:sp>
-        <p:nvSpPr>
-          <p:cNvPr id="2" name="Title 1">
-            <a:extLst>
-              <a:ext uri="{FF2B5EF4-FFF2-40B4-BE49-F238E27FC236}">
-                <a16:creationId xmlns:a16="http://schemas.microsoft.com/office/drawing/2014/main" id="{4EA3CB9E-619E-4288-9D33-73290203AB4F}"/>
-              </a:ext>
-            </a:extLst>
-          </p:cNvPr>
-          <p:cNvSpPr>
-            <a:spLocks noGrp="1"/>
-          </p:cNvSpPr>
-          <p:nvPr>
-            <p:ph type="title"/>
-          </p:nvPr>
-        </p:nvSpPr>
-        <p:spPr>
-          <a:xfrm>
-            <a:off x="838200" y="365125"/>
-            <a:ext cx="10515600" cy="575779"/>
-          </a:xfrm>
-        </p:spPr>
-        <p:txBody>
-          <a:bodyPr>
-            <a:normAutofit/>
-          </a:bodyPr>
-          <a:lstStyle/>
-          <a:p>
-            <a:r>
-              <a:rPr lang="en-US" sz="1800" b="0" i="0" dirty="0">
-                <a:solidFill>
-                  <a:srgbClr val="000000"/>
-                </a:solidFill>
-                <a:effectLst/>
-                <a:latin typeface="AdvPSA183"/>
-              </a:rPr>
-              <a:t>Additional plots: Volcano Plots</a:t>
-            </a:r>
-            <a:endParaRPr lang="en-US" dirty="0"/>
-          </a:p>
-        </p:txBody>
-      </p:sp>
-      <p:pic>
-        <p:nvPicPr>
-          <p:cNvPr id="7" name="Content Placeholder 6" descr="Chart, scatter chart&#10;&#10;Description automatically generated">
-            <a:extLst>
-              <a:ext uri="{FF2B5EF4-FFF2-40B4-BE49-F238E27FC236}">
-                <a16:creationId xmlns:a16="http://schemas.microsoft.com/office/drawing/2014/main" id="{C3BC91E3-012B-4F84-9F62-F9FE20FA1C97}"/>
-              </a:ext>
-            </a:extLst>
-          </p:cNvPr>
-          <p:cNvPicPr>
-            <a:picLocks noGrp="1" noChangeAspect="1"/>
-          </p:cNvPicPr>
-          <p:nvPr>
-            <p:ph idx="1"/>
-          </p:nvPr>
-        </p:nvPicPr>
-        <p:blipFill>
-          <a:blip r:embed="rId2" cstate="print">
-            <a:extLst>
-              <a:ext uri="{28A0092B-C50C-407E-A947-70E740481C1C}">
-                <a14:useLocalDpi xmlns:a14="http://schemas.microsoft.com/office/drawing/2010/main" val="0"/>
-              </a:ext>
-            </a:extLst>
-          </a:blip>
-          <a:stretch>
-            <a:fillRect/>
-          </a:stretch>
-        </p:blipFill>
-        <p:spPr>
-          <a:xfrm>
-            <a:off x="108122" y="1516408"/>
-            <a:ext cx="4226201" cy="4226201"/>
-          </a:xfrm>
-        </p:spPr>
-      </p:pic>
-      <p:pic>
-        <p:nvPicPr>
-          <p:cNvPr id="9" name="Picture 8" descr="Chart, scatter chart&#10;&#10;Description automatically generated">
-            <a:extLst>
-              <a:ext uri="{FF2B5EF4-FFF2-40B4-BE49-F238E27FC236}">
-                <a16:creationId xmlns:a16="http://schemas.microsoft.com/office/drawing/2014/main" id="{5AE7CAE3-E2DD-438F-BFA6-9C0D2B4B3AFC}"/>
-              </a:ext>
-            </a:extLst>
-          </p:cNvPr>
-          <p:cNvPicPr>
-            <a:picLocks noChangeAspect="1"/>
-          </p:cNvPicPr>
-          <p:nvPr/>
-        </p:nvPicPr>
-        <p:blipFill>
-          <a:blip r:embed="rId3" cstate="print">
-            <a:extLst>
-              <a:ext uri="{28A0092B-C50C-407E-A947-70E740481C1C}">
-                <a14:useLocalDpi xmlns:a14="http://schemas.microsoft.com/office/drawing/2010/main" val="0"/>
-              </a:ext>
-            </a:extLst>
-          </a:blip>
-          <a:stretch>
-            <a:fillRect/>
-          </a:stretch>
-        </p:blipFill>
-        <p:spPr>
-          <a:xfrm>
-            <a:off x="4236274" y="1516408"/>
-            <a:ext cx="4308066" cy="4308066"/>
-          </a:xfrm>
-          <a:prstGeom prst="rect">
-            <a:avLst/>
-          </a:prstGeom>
-        </p:spPr>
-      </p:pic>
-      <p:pic>
-        <p:nvPicPr>
-          <p:cNvPr id="11" name="Picture 10" descr="Chart, scatter chart&#10;&#10;Description automatically generated">
-            <a:extLst>
-              <a:ext uri="{FF2B5EF4-FFF2-40B4-BE49-F238E27FC236}">
-                <a16:creationId xmlns:a16="http://schemas.microsoft.com/office/drawing/2014/main" id="{21858690-4370-42D3-BFCC-1B1A0FFFC28F}"/>
-              </a:ext>
-            </a:extLst>
-          </p:cNvPr>
-          <p:cNvPicPr>
-            <a:picLocks noChangeAspect="1"/>
-          </p:cNvPicPr>
-          <p:nvPr/>
-        </p:nvPicPr>
-        <p:blipFill>
-          <a:blip r:embed="rId4" cstate="print">
-            <a:extLst>
-              <a:ext uri="{28A0092B-C50C-407E-A947-70E740481C1C}">
-                <a14:useLocalDpi xmlns:a14="http://schemas.microsoft.com/office/drawing/2010/main" val="0"/>
-              </a:ext>
-            </a:extLst>
-          </a:blip>
-          <a:stretch>
-            <a:fillRect/>
-          </a:stretch>
-        </p:blipFill>
-        <p:spPr>
-          <a:xfrm>
-            <a:off x="8241747" y="1559680"/>
-            <a:ext cx="4182929" cy="4182929"/>
-          </a:xfrm>
-          <a:prstGeom prst="rect">
-            <a:avLst/>
-          </a:prstGeom>
-        </p:spPr>
-      </p:pic>
-    </p:spTree>
-    <p:extLst>
-      <p:ext uri="{BB962C8B-B14F-4D97-AF65-F5344CB8AC3E}">
-        <p14:creationId xmlns:p14="http://schemas.microsoft.com/office/powerpoint/2010/main" val="1858227081"/>
+        <p14:creationId xmlns:p14="http://schemas.microsoft.com/office/powerpoint/2010/main" val="3364716356"/>
       </p:ext>
     </p:extLst>
   </p:cSld>
@@ -4275,10 +4244,1094 @@
       </p:grpSpPr>
       <p:sp>
         <p:nvSpPr>
-          <p:cNvPr id="2" name="Title 1">
-            <a:extLst>
-              <a:ext uri="{FF2B5EF4-FFF2-40B4-BE49-F238E27FC236}">
-                <a16:creationId xmlns:a16="http://schemas.microsoft.com/office/drawing/2014/main" id="{03B92740-16EA-441C-ADA6-775812B8B3C7}"/>
+          <p:cNvPr id="13" name="Rectangle: Rounded Corners 12">
+            <a:extLst>
+              <a:ext uri="{FF2B5EF4-FFF2-40B4-BE49-F238E27FC236}">
+                <a16:creationId xmlns="" xmlns:a16="http://schemas.microsoft.com/office/drawing/2014/main" id="{28D44336-B5FE-44FD-8560-3905EA48C0DE}"/>
+              </a:ext>
+            </a:extLst>
+          </p:cNvPr>
+          <p:cNvSpPr/>
+          <p:nvPr/>
+        </p:nvSpPr>
+        <p:spPr>
+          <a:xfrm>
+            <a:off x="5057912" y="1320807"/>
+            <a:ext cx="2076174" cy="659075"/>
+          </a:xfrm>
+          <a:prstGeom prst="roundRect">
+            <a:avLst/>
+          </a:prstGeom>
+        </p:spPr>
+        <p:style>
+          <a:lnRef idx="2">
+            <a:schemeClr val="accent1">
+              <a:shade val="50000"/>
+            </a:schemeClr>
+          </a:lnRef>
+          <a:fillRef idx="1">
+            <a:schemeClr val="accent1"/>
+          </a:fillRef>
+          <a:effectRef idx="0">
+            <a:schemeClr val="accent1"/>
+          </a:effectRef>
+          <a:fontRef idx="minor">
+            <a:schemeClr val="lt1"/>
+          </a:fontRef>
+        </p:style>
+        <p:txBody>
+          <a:bodyPr rtlCol="0" anchor="ctr"/>
+          <a:lstStyle/>
+          <a:p>
+            <a:pPr algn="ctr"/>
+            <a:r>
+              <a:rPr lang="en-US" dirty="0"/>
+              <a:t>Data Trimming </a:t>
+            </a:r>
+          </a:p>
+          <a:p>
+            <a:pPr algn="ctr"/>
+            <a:r>
+              <a:rPr lang="en-US" sz="1200" dirty="0"/>
+              <a:t>(Trim-Galore 0.6.5)</a:t>
+            </a:r>
+          </a:p>
+        </p:txBody>
+      </p:sp>
+      <p:sp>
+        <p:nvSpPr>
+          <p:cNvPr id="14" name="Rectangle: Rounded Corners 13">
+            <a:extLst>
+              <a:ext uri="{FF2B5EF4-FFF2-40B4-BE49-F238E27FC236}">
+                <a16:creationId xmlns="" xmlns:a16="http://schemas.microsoft.com/office/drawing/2014/main" id="{B7198503-333C-47E7-98AB-6CA43F09F73F}"/>
+              </a:ext>
+            </a:extLst>
+          </p:cNvPr>
+          <p:cNvSpPr/>
+          <p:nvPr/>
+        </p:nvSpPr>
+        <p:spPr>
+          <a:xfrm>
+            <a:off x="5057911" y="2456076"/>
+            <a:ext cx="2076174" cy="659075"/>
+          </a:xfrm>
+          <a:prstGeom prst="roundRect">
+            <a:avLst/>
+          </a:prstGeom>
+        </p:spPr>
+        <p:style>
+          <a:lnRef idx="2">
+            <a:schemeClr val="accent1">
+              <a:shade val="50000"/>
+            </a:schemeClr>
+          </a:lnRef>
+          <a:fillRef idx="1">
+            <a:schemeClr val="accent1"/>
+          </a:fillRef>
+          <a:effectRef idx="0">
+            <a:schemeClr val="accent1"/>
+          </a:effectRef>
+          <a:fontRef idx="minor">
+            <a:schemeClr val="lt1"/>
+          </a:fontRef>
+        </p:style>
+        <p:txBody>
+          <a:bodyPr rtlCol="0" anchor="ctr"/>
+          <a:lstStyle/>
+          <a:p>
+            <a:pPr algn="ctr"/>
+            <a:r>
+              <a:rPr lang="en-US" dirty="0"/>
+              <a:t>Map to Genome</a:t>
+            </a:r>
+          </a:p>
+          <a:p>
+            <a:pPr algn="ctr"/>
+            <a:r>
+              <a:rPr lang="en-US" sz="1200" dirty="0"/>
+              <a:t>(</a:t>
+            </a:r>
+            <a:r>
+              <a:rPr lang="en-US" sz="1200" dirty="0" err="1"/>
+              <a:t>TopHat</a:t>
+            </a:r>
+            <a:r>
+              <a:rPr lang="en-US" sz="1200" dirty="0"/>
+              <a:t> 2.1.1)</a:t>
+            </a:r>
+          </a:p>
+        </p:txBody>
+      </p:sp>
+      <p:sp>
+        <p:nvSpPr>
+          <p:cNvPr id="15" name="Rectangle: Rounded Corners 14">
+            <a:extLst>
+              <a:ext uri="{FF2B5EF4-FFF2-40B4-BE49-F238E27FC236}">
+                <a16:creationId xmlns="" xmlns:a16="http://schemas.microsoft.com/office/drawing/2014/main" id="{2952436B-F919-4216-9B33-815A653B0388}"/>
+              </a:ext>
+            </a:extLst>
+          </p:cNvPr>
+          <p:cNvSpPr/>
+          <p:nvPr/>
+        </p:nvSpPr>
+        <p:spPr>
+          <a:xfrm>
+            <a:off x="8322360" y="2456075"/>
+            <a:ext cx="2076174" cy="659075"/>
+          </a:xfrm>
+          <a:prstGeom prst="roundRect">
+            <a:avLst/>
+          </a:prstGeom>
+        </p:spPr>
+        <p:style>
+          <a:lnRef idx="2">
+            <a:schemeClr val="accent1">
+              <a:shade val="50000"/>
+            </a:schemeClr>
+          </a:lnRef>
+          <a:fillRef idx="1">
+            <a:schemeClr val="accent1"/>
+          </a:fillRef>
+          <a:effectRef idx="0">
+            <a:schemeClr val="accent1"/>
+          </a:effectRef>
+          <a:fontRef idx="minor">
+            <a:schemeClr val="lt1"/>
+          </a:fontRef>
+        </p:style>
+        <p:txBody>
+          <a:bodyPr rtlCol="0" anchor="ctr"/>
+          <a:lstStyle/>
+          <a:p>
+            <a:pPr algn="ctr"/>
+            <a:r>
+              <a:rPr lang="en-US" dirty="0"/>
+              <a:t>Calculate FPKM</a:t>
+            </a:r>
+          </a:p>
+          <a:p>
+            <a:pPr algn="ctr"/>
+            <a:r>
+              <a:rPr lang="en-US" sz="1200" dirty="0"/>
+              <a:t>(Cufflinks 2.2.1)</a:t>
+            </a:r>
+          </a:p>
+        </p:txBody>
+      </p:sp>
+      <p:sp>
+        <p:nvSpPr>
+          <p:cNvPr id="16" name="Rectangle: Rounded Corners 15">
+            <a:extLst>
+              <a:ext uri="{FF2B5EF4-FFF2-40B4-BE49-F238E27FC236}">
+                <a16:creationId xmlns="" xmlns:a16="http://schemas.microsoft.com/office/drawing/2014/main" id="{7701E885-D45D-47AB-9DA9-23CE1EE8B814}"/>
+              </a:ext>
+            </a:extLst>
+          </p:cNvPr>
+          <p:cNvSpPr/>
+          <p:nvPr/>
+        </p:nvSpPr>
+        <p:spPr>
+          <a:xfrm>
+            <a:off x="5057912" y="3609006"/>
+            <a:ext cx="2076174" cy="659075"/>
+          </a:xfrm>
+          <a:prstGeom prst="roundRect">
+            <a:avLst/>
+          </a:prstGeom>
+        </p:spPr>
+        <p:style>
+          <a:lnRef idx="2">
+            <a:schemeClr val="accent1">
+              <a:shade val="50000"/>
+            </a:schemeClr>
+          </a:lnRef>
+          <a:fillRef idx="1">
+            <a:schemeClr val="accent1"/>
+          </a:fillRef>
+          <a:effectRef idx="0">
+            <a:schemeClr val="accent1"/>
+          </a:effectRef>
+          <a:fontRef idx="minor">
+            <a:schemeClr val="lt1"/>
+          </a:fontRef>
+        </p:style>
+        <p:txBody>
+          <a:bodyPr rtlCol="0" anchor="ctr"/>
+          <a:lstStyle/>
+          <a:p>
+            <a:pPr algn="ctr"/>
+            <a:r>
+              <a:rPr lang="en-US" dirty="0"/>
+              <a:t>Count Reads</a:t>
+            </a:r>
+          </a:p>
+          <a:p>
+            <a:pPr algn="ctr"/>
+            <a:r>
+              <a:rPr lang="en-US" sz="1200" dirty="0"/>
+              <a:t>(</a:t>
+            </a:r>
+            <a:r>
+              <a:rPr lang="en-US" sz="1200" dirty="0" err="1"/>
+              <a:t>HTseq</a:t>
+            </a:r>
+            <a:r>
+              <a:rPr lang="en-US" sz="1200" dirty="0"/>
+              <a:t> Count 0.6.1)</a:t>
+            </a:r>
+          </a:p>
+        </p:txBody>
+      </p:sp>
+      <p:sp>
+        <p:nvSpPr>
+          <p:cNvPr id="17" name="Rectangle: Rounded Corners 16">
+            <a:extLst>
+              <a:ext uri="{FF2B5EF4-FFF2-40B4-BE49-F238E27FC236}">
+                <a16:creationId xmlns="" xmlns:a16="http://schemas.microsoft.com/office/drawing/2014/main" id="{9302BDEC-7377-4E39-BBB7-BD95988CDB6D}"/>
+              </a:ext>
+            </a:extLst>
+          </p:cNvPr>
+          <p:cNvSpPr/>
+          <p:nvPr/>
+        </p:nvSpPr>
+        <p:spPr>
+          <a:xfrm>
+            <a:off x="8322360" y="3599728"/>
+            <a:ext cx="2076174" cy="659075"/>
+          </a:xfrm>
+          <a:prstGeom prst="roundRect">
+            <a:avLst/>
+          </a:prstGeom>
+        </p:spPr>
+        <p:style>
+          <a:lnRef idx="2">
+            <a:schemeClr val="accent1">
+              <a:shade val="50000"/>
+            </a:schemeClr>
+          </a:lnRef>
+          <a:fillRef idx="1">
+            <a:schemeClr val="accent1"/>
+          </a:fillRef>
+          <a:effectRef idx="0">
+            <a:schemeClr val="accent1"/>
+          </a:effectRef>
+          <a:fontRef idx="minor">
+            <a:schemeClr val="lt1"/>
+          </a:fontRef>
+        </p:style>
+        <p:txBody>
+          <a:bodyPr rtlCol="0" anchor="ctr"/>
+          <a:lstStyle/>
+          <a:p>
+            <a:pPr algn="ctr"/>
+            <a:r>
+              <a:rPr lang="en-US" dirty="0"/>
+              <a:t>Extract genes with FPKM &gt; 1 (awk)</a:t>
+            </a:r>
+          </a:p>
+        </p:txBody>
+      </p:sp>
+      <p:sp>
+        <p:nvSpPr>
+          <p:cNvPr id="18" name="Rectangle: Rounded Corners 17">
+            <a:extLst>
+              <a:ext uri="{FF2B5EF4-FFF2-40B4-BE49-F238E27FC236}">
+                <a16:creationId xmlns="" xmlns:a16="http://schemas.microsoft.com/office/drawing/2014/main" id="{E5ACE4CB-EC79-400E-A917-7075DEF9244F}"/>
+              </a:ext>
+            </a:extLst>
+          </p:cNvPr>
+          <p:cNvSpPr/>
+          <p:nvPr/>
+        </p:nvSpPr>
+        <p:spPr>
+          <a:xfrm>
+            <a:off x="5057911" y="5879544"/>
+            <a:ext cx="2076177" cy="659075"/>
+          </a:xfrm>
+          <a:prstGeom prst="roundRect">
+            <a:avLst/>
+          </a:prstGeom>
+        </p:spPr>
+        <p:style>
+          <a:lnRef idx="2">
+            <a:schemeClr val="accent1">
+              <a:shade val="50000"/>
+            </a:schemeClr>
+          </a:lnRef>
+          <a:fillRef idx="1">
+            <a:schemeClr val="accent1"/>
+          </a:fillRef>
+          <a:effectRef idx="0">
+            <a:schemeClr val="accent1"/>
+          </a:effectRef>
+          <a:fontRef idx="minor">
+            <a:schemeClr val="lt1"/>
+          </a:fontRef>
+        </p:style>
+        <p:txBody>
+          <a:bodyPr rtlCol="0" anchor="ctr"/>
+          <a:lstStyle/>
+          <a:p>
+            <a:pPr algn="ctr"/>
+            <a:r>
+              <a:rPr lang="en-US" dirty="0"/>
+              <a:t>Call DEGs</a:t>
+            </a:r>
+          </a:p>
+          <a:p>
+            <a:pPr algn="ctr"/>
+            <a:r>
+              <a:rPr lang="en-US" sz="1200" dirty="0"/>
+              <a:t>(Deseq2)</a:t>
+            </a:r>
+          </a:p>
+        </p:txBody>
+      </p:sp>
+      <p:sp>
+        <p:nvSpPr>
+          <p:cNvPr id="19" name="Arrow: Down 18">
+            <a:extLst>
+              <a:ext uri="{FF2B5EF4-FFF2-40B4-BE49-F238E27FC236}">
+                <a16:creationId xmlns="" xmlns:a16="http://schemas.microsoft.com/office/drawing/2014/main" id="{21A0870A-627A-4B5D-8014-DB3B11428DD4}"/>
+              </a:ext>
+            </a:extLst>
+          </p:cNvPr>
+          <p:cNvSpPr/>
+          <p:nvPr/>
+        </p:nvSpPr>
+        <p:spPr>
+          <a:xfrm>
+            <a:off x="5959055" y="2045704"/>
+            <a:ext cx="278296" cy="340139"/>
+          </a:xfrm>
+          <a:prstGeom prst="downArrow">
+            <a:avLst/>
+          </a:prstGeom>
+        </p:spPr>
+        <p:style>
+          <a:lnRef idx="2">
+            <a:schemeClr val="accent1">
+              <a:shade val="50000"/>
+            </a:schemeClr>
+          </a:lnRef>
+          <a:fillRef idx="1">
+            <a:schemeClr val="accent1"/>
+          </a:fillRef>
+          <a:effectRef idx="0">
+            <a:schemeClr val="accent1"/>
+          </a:effectRef>
+          <a:fontRef idx="minor">
+            <a:schemeClr val="lt1"/>
+          </a:fontRef>
+        </p:style>
+        <p:txBody>
+          <a:bodyPr rtlCol="0" anchor="ctr"/>
+          <a:lstStyle/>
+          <a:p>
+            <a:pPr algn="ctr"/>
+            <a:endParaRPr lang="en-US"/>
+          </a:p>
+        </p:txBody>
+      </p:sp>
+      <p:sp>
+        <p:nvSpPr>
+          <p:cNvPr id="21" name="Arrow: Down 20">
+            <a:extLst>
+              <a:ext uri="{FF2B5EF4-FFF2-40B4-BE49-F238E27FC236}">
+                <a16:creationId xmlns="" xmlns:a16="http://schemas.microsoft.com/office/drawing/2014/main" id="{6E0316CB-4D4B-4BE9-B31C-42EFD7DAEAF0}"/>
+              </a:ext>
+            </a:extLst>
+          </p:cNvPr>
+          <p:cNvSpPr/>
+          <p:nvPr/>
+        </p:nvSpPr>
+        <p:spPr>
+          <a:xfrm>
+            <a:off x="5959058" y="3192009"/>
+            <a:ext cx="278296" cy="340139"/>
+          </a:xfrm>
+          <a:prstGeom prst="downArrow">
+            <a:avLst/>
+          </a:prstGeom>
+        </p:spPr>
+        <p:style>
+          <a:lnRef idx="2">
+            <a:schemeClr val="accent1">
+              <a:shade val="50000"/>
+            </a:schemeClr>
+          </a:lnRef>
+          <a:fillRef idx="1">
+            <a:schemeClr val="accent1"/>
+          </a:fillRef>
+          <a:effectRef idx="0">
+            <a:schemeClr val="accent1"/>
+          </a:effectRef>
+          <a:fontRef idx="minor">
+            <a:schemeClr val="lt1"/>
+          </a:fontRef>
+        </p:style>
+        <p:txBody>
+          <a:bodyPr rtlCol="0" anchor="ctr"/>
+          <a:lstStyle/>
+          <a:p>
+            <a:pPr algn="ctr"/>
+            <a:endParaRPr lang="en-US"/>
+          </a:p>
+        </p:txBody>
+      </p:sp>
+      <p:sp>
+        <p:nvSpPr>
+          <p:cNvPr id="22" name="Arrow: Down 21">
+            <a:extLst>
+              <a:ext uri="{FF2B5EF4-FFF2-40B4-BE49-F238E27FC236}">
+                <a16:creationId xmlns="" xmlns:a16="http://schemas.microsoft.com/office/drawing/2014/main" id="{D3113DD8-4788-45E6-B17F-C8A659E4B4EA}"/>
+              </a:ext>
+            </a:extLst>
+          </p:cNvPr>
+          <p:cNvSpPr/>
+          <p:nvPr/>
+        </p:nvSpPr>
+        <p:spPr>
+          <a:xfrm>
+            <a:off x="9223507" y="3187588"/>
+            <a:ext cx="278296" cy="340139"/>
+          </a:xfrm>
+          <a:prstGeom prst="downArrow">
+            <a:avLst/>
+          </a:prstGeom>
+        </p:spPr>
+        <p:style>
+          <a:lnRef idx="2">
+            <a:schemeClr val="accent1">
+              <a:shade val="50000"/>
+            </a:schemeClr>
+          </a:lnRef>
+          <a:fillRef idx="1">
+            <a:schemeClr val="accent1"/>
+          </a:fillRef>
+          <a:effectRef idx="0">
+            <a:schemeClr val="accent1"/>
+          </a:effectRef>
+          <a:fontRef idx="minor">
+            <a:schemeClr val="lt1"/>
+          </a:fontRef>
+        </p:style>
+        <p:txBody>
+          <a:bodyPr rtlCol="0" anchor="ctr"/>
+          <a:lstStyle/>
+          <a:p>
+            <a:pPr algn="ctr"/>
+            <a:endParaRPr lang="en-US"/>
+          </a:p>
+        </p:txBody>
+      </p:sp>
+      <p:sp>
+        <p:nvSpPr>
+          <p:cNvPr id="23" name="Arrow: Down 22">
+            <a:extLst>
+              <a:ext uri="{FF2B5EF4-FFF2-40B4-BE49-F238E27FC236}">
+                <a16:creationId xmlns="" xmlns:a16="http://schemas.microsoft.com/office/drawing/2014/main" id="{C73F7F9C-172E-4142-B646-FC46DC5E23A5}"/>
+              </a:ext>
+            </a:extLst>
+          </p:cNvPr>
+          <p:cNvSpPr/>
+          <p:nvPr/>
+        </p:nvSpPr>
+        <p:spPr>
+          <a:xfrm>
+            <a:off x="5959058" y="5467404"/>
+            <a:ext cx="278296" cy="340139"/>
+          </a:xfrm>
+          <a:prstGeom prst="downArrow">
+            <a:avLst/>
+          </a:prstGeom>
+        </p:spPr>
+        <p:style>
+          <a:lnRef idx="2">
+            <a:schemeClr val="accent1">
+              <a:shade val="50000"/>
+            </a:schemeClr>
+          </a:lnRef>
+          <a:fillRef idx="1">
+            <a:schemeClr val="accent1"/>
+          </a:fillRef>
+          <a:effectRef idx="0">
+            <a:schemeClr val="accent1"/>
+          </a:effectRef>
+          <a:fontRef idx="minor">
+            <a:schemeClr val="lt1"/>
+          </a:fontRef>
+        </p:style>
+        <p:txBody>
+          <a:bodyPr rtlCol="0" anchor="ctr"/>
+          <a:lstStyle/>
+          <a:p>
+            <a:pPr algn="ctr"/>
+            <a:endParaRPr lang="en-US"/>
+          </a:p>
+        </p:txBody>
+      </p:sp>
+      <p:sp>
+        <p:nvSpPr>
+          <p:cNvPr id="24" name="Rectangle: Rounded Corners 23">
+            <a:extLst>
+              <a:ext uri="{FF2B5EF4-FFF2-40B4-BE49-F238E27FC236}">
+                <a16:creationId xmlns="" xmlns:a16="http://schemas.microsoft.com/office/drawing/2014/main" id="{64DF43C6-F06C-4F77-9DA7-C500E96206D7}"/>
+              </a:ext>
+            </a:extLst>
+          </p:cNvPr>
+          <p:cNvSpPr/>
+          <p:nvPr/>
+        </p:nvSpPr>
+        <p:spPr>
+          <a:xfrm>
+            <a:off x="1789042" y="1320806"/>
+            <a:ext cx="2076174" cy="659075"/>
+          </a:xfrm>
+          <a:prstGeom prst="roundRect">
+            <a:avLst/>
+          </a:prstGeom>
+        </p:spPr>
+        <p:style>
+          <a:lnRef idx="2">
+            <a:schemeClr val="accent1">
+              <a:shade val="50000"/>
+            </a:schemeClr>
+          </a:lnRef>
+          <a:fillRef idx="1">
+            <a:schemeClr val="accent1"/>
+          </a:fillRef>
+          <a:effectRef idx="0">
+            <a:schemeClr val="accent1"/>
+          </a:effectRef>
+          <a:fontRef idx="minor">
+            <a:schemeClr val="lt1"/>
+          </a:fontRef>
+        </p:style>
+        <p:txBody>
+          <a:bodyPr rtlCol="0" anchor="ctr"/>
+          <a:lstStyle/>
+          <a:p>
+            <a:pPr algn="ctr"/>
+            <a:r>
+              <a:rPr lang="en-US" dirty="0"/>
+              <a:t>Input with </a:t>
+            </a:r>
+          </a:p>
+          <a:p>
+            <a:pPr algn="ctr"/>
+            <a:r>
+              <a:rPr lang="en-US" dirty="0"/>
+              <a:t>Raw Data</a:t>
+            </a:r>
+          </a:p>
+        </p:txBody>
+      </p:sp>
+      <p:sp>
+        <p:nvSpPr>
+          <p:cNvPr id="25" name="Arrow: Right 24">
+            <a:extLst>
+              <a:ext uri="{FF2B5EF4-FFF2-40B4-BE49-F238E27FC236}">
+                <a16:creationId xmlns="" xmlns:a16="http://schemas.microsoft.com/office/drawing/2014/main" id="{48D03535-D2F4-479A-97F6-2664A40E051B}"/>
+              </a:ext>
+            </a:extLst>
+          </p:cNvPr>
+          <p:cNvSpPr/>
+          <p:nvPr/>
+        </p:nvSpPr>
+        <p:spPr>
+          <a:xfrm>
+            <a:off x="3962397" y="1511195"/>
+            <a:ext cx="993913" cy="278295"/>
+          </a:xfrm>
+          <a:prstGeom prst="rightArrow">
+            <a:avLst/>
+          </a:prstGeom>
+        </p:spPr>
+        <p:style>
+          <a:lnRef idx="2">
+            <a:schemeClr val="accent1">
+              <a:shade val="50000"/>
+            </a:schemeClr>
+          </a:lnRef>
+          <a:fillRef idx="1">
+            <a:schemeClr val="accent1"/>
+          </a:fillRef>
+          <a:effectRef idx="0">
+            <a:schemeClr val="accent1"/>
+          </a:effectRef>
+          <a:fontRef idx="minor">
+            <a:schemeClr val="lt1"/>
+          </a:fontRef>
+        </p:style>
+        <p:txBody>
+          <a:bodyPr rtlCol="0" anchor="ctr"/>
+          <a:lstStyle/>
+          <a:p>
+            <a:pPr algn="ctr"/>
+            <a:endParaRPr lang="en-US"/>
+          </a:p>
+        </p:txBody>
+      </p:sp>
+      <p:sp>
+        <p:nvSpPr>
+          <p:cNvPr id="26" name="Arrow: Right 25">
+            <a:extLst>
+              <a:ext uri="{FF2B5EF4-FFF2-40B4-BE49-F238E27FC236}">
+                <a16:creationId xmlns="" xmlns:a16="http://schemas.microsoft.com/office/drawing/2014/main" id="{99814D6A-E535-43B2-A6F0-D0C17373064F}"/>
+              </a:ext>
+            </a:extLst>
+          </p:cNvPr>
+          <p:cNvSpPr/>
+          <p:nvPr/>
+        </p:nvSpPr>
+        <p:spPr>
+          <a:xfrm>
+            <a:off x="7231269" y="6100857"/>
+            <a:ext cx="993913" cy="278295"/>
+          </a:xfrm>
+          <a:prstGeom prst="rightArrow">
+            <a:avLst/>
+          </a:prstGeom>
+        </p:spPr>
+        <p:style>
+          <a:lnRef idx="2">
+            <a:schemeClr val="accent1">
+              <a:shade val="50000"/>
+            </a:schemeClr>
+          </a:lnRef>
+          <a:fillRef idx="1">
+            <a:schemeClr val="accent1"/>
+          </a:fillRef>
+          <a:effectRef idx="0">
+            <a:schemeClr val="accent1"/>
+          </a:effectRef>
+          <a:fontRef idx="minor">
+            <a:schemeClr val="lt1"/>
+          </a:fontRef>
+        </p:style>
+        <p:txBody>
+          <a:bodyPr rtlCol="0" anchor="ctr"/>
+          <a:lstStyle/>
+          <a:p>
+            <a:pPr algn="ctr"/>
+            <a:endParaRPr lang="en-US"/>
+          </a:p>
+        </p:txBody>
+      </p:sp>
+      <p:sp>
+        <p:nvSpPr>
+          <p:cNvPr id="27" name="Rectangle: Rounded Corners 26">
+            <a:extLst>
+              <a:ext uri="{FF2B5EF4-FFF2-40B4-BE49-F238E27FC236}">
+                <a16:creationId xmlns="" xmlns:a16="http://schemas.microsoft.com/office/drawing/2014/main" id="{2839C589-4E66-477F-A2E9-D7ABF3A4E53A}"/>
+              </a:ext>
+            </a:extLst>
+          </p:cNvPr>
+          <p:cNvSpPr/>
+          <p:nvPr/>
+        </p:nvSpPr>
+        <p:spPr>
+          <a:xfrm>
+            <a:off x="8322363" y="5879544"/>
+            <a:ext cx="2076174" cy="659075"/>
+          </a:xfrm>
+          <a:prstGeom prst="roundRect">
+            <a:avLst/>
+          </a:prstGeom>
+        </p:spPr>
+        <p:style>
+          <a:lnRef idx="2">
+            <a:schemeClr val="accent1">
+              <a:shade val="50000"/>
+            </a:schemeClr>
+          </a:lnRef>
+          <a:fillRef idx="1">
+            <a:schemeClr val="accent1"/>
+          </a:fillRef>
+          <a:effectRef idx="0">
+            <a:schemeClr val="accent1"/>
+          </a:effectRef>
+          <a:fontRef idx="minor">
+            <a:schemeClr val="lt1"/>
+          </a:fontRef>
+        </p:style>
+        <p:txBody>
+          <a:bodyPr rtlCol="0" anchor="ctr"/>
+          <a:lstStyle/>
+          <a:p>
+            <a:pPr algn="ctr"/>
+            <a:r>
+              <a:rPr lang="en-US" dirty="0"/>
+              <a:t>GO Analysis</a:t>
+            </a:r>
+          </a:p>
+          <a:p>
+            <a:pPr algn="ctr"/>
+            <a:r>
+              <a:rPr lang="en-US" sz="1200" dirty="0"/>
+              <a:t>(David 6.8)</a:t>
+            </a:r>
+          </a:p>
+        </p:txBody>
+      </p:sp>
+      <p:sp>
+        <p:nvSpPr>
+          <p:cNvPr id="28" name="Arrow: Right 27">
+            <a:extLst>
+              <a:ext uri="{FF2B5EF4-FFF2-40B4-BE49-F238E27FC236}">
+                <a16:creationId xmlns="" xmlns:a16="http://schemas.microsoft.com/office/drawing/2014/main" id="{C05564E2-4444-4FED-A460-A891B7804AFD}"/>
+              </a:ext>
+            </a:extLst>
+          </p:cNvPr>
+          <p:cNvSpPr/>
+          <p:nvPr/>
+        </p:nvSpPr>
+        <p:spPr>
+          <a:xfrm>
+            <a:off x="13764587" y="11777203"/>
+            <a:ext cx="993913" cy="278295"/>
+          </a:xfrm>
+          <a:prstGeom prst="rightArrow">
+            <a:avLst/>
+          </a:prstGeom>
+        </p:spPr>
+        <p:style>
+          <a:lnRef idx="2">
+            <a:schemeClr val="accent1">
+              <a:shade val="50000"/>
+            </a:schemeClr>
+          </a:lnRef>
+          <a:fillRef idx="1">
+            <a:schemeClr val="accent1"/>
+          </a:fillRef>
+          <a:effectRef idx="0">
+            <a:schemeClr val="accent1"/>
+          </a:effectRef>
+          <a:fontRef idx="minor">
+            <a:schemeClr val="lt1"/>
+          </a:fontRef>
+        </p:style>
+        <p:txBody>
+          <a:bodyPr rtlCol="0" anchor="ctr"/>
+          <a:lstStyle/>
+          <a:p>
+            <a:pPr algn="ctr"/>
+            <a:endParaRPr lang="en-US"/>
+          </a:p>
+        </p:txBody>
+      </p:sp>
+      <p:sp>
+        <p:nvSpPr>
+          <p:cNvPr id="29" name="Rectangle: Rounded Corners 28">
+            <a:extLst>
+              <a:ext uri="{FF2B5EF4-FFF2-40B4-BE49-F238E27FC236}">
+                <a16:creationId xmlns="" xmlns:a16="http://schemas.microsoft.com/office/drawing/2014/main" id="{F11CF14C-80D8-4321-B1E1-A99616084090}"/>
+              </a:ext>
+            </a:extLst>
+          </p:cNvPr>
+          <p:cNvSpPr/>
+          <p:nvPr/>
+        </p:nvSpPr>
+        <p:spPr>
+          <a:xfrm>
+            <a:off x="1789045" y="5879544"/>
+            <a:ext cx="2076174" cy="659075"/>
+          </a:xfrm>
+          <a:prstGeom prst="roundRect">
+            <a:avLst/>
+          </a:prstGeom>
+        </p:spPr>
+        <p:style>
+          <a:lnRef idx="2">
+            <a:schemeClr val="accent1">
+              <a:shade val="50000"/>
+            </a:schemeClr>
+          </a:lnRef>
+          <a:fillRef idx="1">
+            <a:schemeClr val="accent1"/>
+          </a:fillRef>
+          <a:effectRef idx="0">
+            <a:schemeClr val="accent1"/>
+          </a:effectRef>
+          <a:fontRef idx="minor">
+            <a:schemeClr val="lt1"/>
+          </a:fontRef>
+        </p:style>
+        <p:txBody>
+          <a:bodyPr rtlCol="0" anchor="ctr"/>
+          <a:lstStyle/>
+          <a:p>
+            <a:pPr algn="ctr"/>
+            <a:r>
+              <a:rPr lang="en-US" dirty="0"/>
+              <a:t>Plots for DEGs</a:t>
+            </a:r>
+          </a:p>
+          <a:p>
+            <a:pPr algn="ctr"/>
+            <a:r>
+              <a:rPr lang="en-US" sz="1200" dirty="0"/>
+              <a:t>(</a:t>
+            </a:r>
+            <a:r>
+              <a:rPr lang="en-US" sz="1200" dirty="0" err="1"/>
+              <a:t>Vennerable</a:t>
+            </a:r>
+            <a:r>
+              <a:rPr lang="en-US" sz="1200" dirty="0"/>
+              <a:t>, ggplot2,  </a:t>
+            </a:r>
+            <a:r>
+              <a:rPr lang="en-US" sz="1200" dirty="0" err="1"/>
+              <a:t>ComplexHeatmap</a:t>
+            </a:r>
+            <a:r>
+              <a:rPr lang="en-US" sz="1200" dirty="0"/>
+              <a:t>)</a:t>
+            </a:r>
+          </a:p>
+        </p:txBody>
+      </p:sp>
+      <p:sp>
+        <p:nvSpPr>
+          <p:cNvPr id="30" name="Arrow: Right 29">
+            <a:extLst>
+              <a:ext uri="{FF2B5EF4-FFF2-40B4-BE49-F238E27FC236}">
+                <a16:creationId xmlns="" xmlns:a16="http://schemas.microsoft.com/office/drawing/2014/main" id="{EE59FEE5-37FD-41B2-8EC3-62FF1B1CD6BB}"/>
+              </a:ext>
+            </a:extLst>
+          </p:cNvPr>
+          <p:cNvSpPr/>
+          <p:nvPr/>
+        </p:nvSpPr>
+        <p:spPr>
+          <a:xfrm rot="10800000">
+            <a:off x="3962400" y="6069933"/>
+            <a:ext cx="993913" cy="278295"/>
+          </a:xfrm>
+          <a:prstGeom prst="rightArrow">
+            <a:avLst/>
+          </a:prstGeom>
+        </p:spPr>
+        <p:style>
+          <a:lnRef idx="2">
+            <a:schemeClr val="accent1">
+              <a:shade val="50000"/>
+            </a:schemeClr>
+          </a:lnRef>
+          <a:fillRef idx="1">
+            <a:schemeClr val="accent1"/>
+          </a:fillRef>
+          <a:effectRef idx="0">
+            <a:schemeClr val="accent1"/>
+          </a:effectRef>
+          <a:fontRef idx="minor">
+            <a:schemeClr val="lt1"/>
+          </a:fontRef>
+        </p:style>
+        <p:txBody>
+          <a:bodyPr rtlCol="0" anchor="ctr"/>
+          <a:lstStyle/>
+          <a:p>
+            <a:pPr algn="ctr"/>
+            <a:endParaRPr lang="en-US"/>
+          </a:p>
+        </p:txBody>
+      </p:sp>
+      <p:sp>
+        <p:nvSpPr>
+          <p:cNvPr id="31" name="Arrow: Right 30">
+            <a:extLst>
+              <a:ext uri="{FF2B5EF4-FFF2-40B4-BE49-F238E27FC236}">
+                <a16:creationId xmlns="" xmlns:a16="http://schemas.microsoft.com/office/drawing/2014/main" id="{283334E9-96E0-4754-A01F-5F182672A5F8}"/>
+              </a:ext>
+            </a:extLst>
+          </p:cNvPr>
+          <p:cNvSpPr/>
+          <p:nvPr/>
+        </p:nvSpPr>
+        <p:spPr>
+          <a:xfrm>
+            <a:off x="7231266" y="2611125"/>
+            <a:ext cx="993913" cy="278295"/>
+          </a:xfrm>
+          <a:prstGeom prst="rightArrow">
+            <a:avLst/>
+          </a:prstGeom>
+        </p:spPr>
+        <p:style>
+          <a:lnRef idx="2">
+            <a:schemeClr val="accent1">
+              <a:shade val="50000"/>
+            </a:schemeClr>
+          </a:lnRef>
+          <a:fillRef idx="1">
+            <a:schemeClr val="accent1"/>
+          </a:fillRef>
+          <a:effectRef idx="0">
+            <a:schemeClr val="accent1"/>
+          </a:effectRef>
+          <a:fontRef idx="minor">
+            <a:schemeClr val="lt1"/>
+          </a:fontRef>
+        </p:style>
+        <p:txBody>
+          <a:bodyPr rtlCol="0" anchor="ctr"/>
+          <a:lstStyle/>
+          <a:p>
+            <a:pPr algn="ctr"/>
+            <a:endParaRPr lang="en-US"/>
+          </a:p>
+        </p:txBody>
+      </p:sp>
+      <p:sp>
+        <p:nvSpPr>
+          <p:cNvPr id="35" name="Rectangle: Rounded Corners 34">
+            <a:extLst>
+              <a:ext uri="{FF2B5EF4-FFF2-40B4-BE49-F238E27FC236}">
+                <a16:creationId xmlns="" xmlns:a16="http://schemas.microsoft.com/office/drawing/2014/main" id="{C9B274AC-2466-452C-AD33-C083A012279D}"/>
+              </a:ext>
+            </a:extLst>
+          </p:cNvPr>
+          <p:cNvSpPr/>
+          <p:nvPr/>
+        </p:nvSpPr>
+        <p:spPr>
+          <a:xfrm>
+            <a:off x="5057911" y="4761936"/>
+            <a:ext cx="2076174" cy="659075"/>
+          </a:xfrm>
+          <a:prstGeom prst="roundRect">
+            <a:avLst/>
+          </a:prstGeom>
+        </p:spPr>
+        <p:style>
+          <a:lnRef idx="2">
+            <a:schemeClr val="accent1">
+              <a:shade val="50000"/>
+            </a:schemeClr>
+          </a:lnRef>
+          <a:fillRef idx="1">
+            <a:schemeClr val="accent1"/>
+          </a:fillRef>
+          <a:effectRef idx="0">
+            <a:schemeClr val="accent1"/>
+          </a:effectRef>
+          <a:fontRef idx="minor">
+            <a:schemeClr val="lt1"/>
+          </a:fontRef>
+        </p:style>
+        <p:txBody>
+          <a:bodyPr rtlCol="0" anchor="ctr"/>
+          <a:lstStyle/>
+          <a:p>
+            <a:pPr algn="ctr"/>
+            <a:r>
+              <a:rPr lang="en-US" dirty="0"/>
+              <a:t>Extract counts for FPKM &gt;1 genes</a:t>
+            </a:r>
+          </a:p>
+        </p:txBody>
+      </p:sp>
+      <p:sp>
+        <p:nvSpPr>
+          <p:cNvPr id="36" name="Arrow: Down 35">
+            <a:extLst>
+              <a:ext uri="{FF2B5EF4-FFF2-40B4-BE49-F238E27FC236}">
+                <a16:creationId xmlns="" xmlns:a16="http://schemas.microsoft.com/office/drawing/2014/main" id="{7379D9AD-6007-4CFB-AF65-9D6198B323A9}"/>
+              </a:ext>
+            </a:extLst>
+          </p:cNvPr>
+          <p:cNvSpPr/>
+          <p:nvPr/>
+        </p:nvSpPr>
+        <p:spPr>
+          <a:xfrm>
+            <a:off x="5959057" y="4344939"/>
+            <a:ext cx="278296" cy="340139"/>
+          </a:xfrm>
+          <a:prstGeom prst="downArrow">
+            <a:avLst/>
+          </a:prstGeom>
+        </p:spPr>
+        <p:style>
+          <a:lnRef idx="2">
+            <a:schemeClr val="accent1">
+              <a:shade val="50000"/>
+            </a:schemeClr>
+          </a:lnRef>
+          <a:fillRef idx="1">
+            <a:schemeClr val="accent1"/>
+          </a:fillRef>
+          <a:effectRef idx="0">
+            <a:schemeClr val="accent1"/>
+          </a:effectRef>
+          <a:fontRef idx="minor">
+            <a:schemeClr val="lt1"/>
+          </a:fontRef>
+        </p:style>
+        <p:txBody>
+          <a:bodyPr rtlCol="0" anchor="ctr"/>
+          <a:lstStyle/>
+          <a:p>
+            <a:pPr algn="ctr"/>
+            <a:endParaRPr lang="en-US"/>
+          </a:p>
+        </p:txBody>
+      </p:sp>
+      <p:sp>
+        <p:nvSpPr>
+          <p:cNvPr id="39" name="Arrow: Right 38">
+            <a:extLst>
+              <a:ext uri="{FF2B5EF4-FFF2-40B4-BE49-F238E27FC236}">
+                <a16:creationId xmlns="" xmlns:a16="http://schemas.microsoft.com/office/drawing/2014/main" id="{95DDCA48-C6C9-4301-B748-7B80BCAC55F0}"/>
+              </a:ext>
+            </a:extLst>
+          </p:cNvPr>
+          <p:cNvSpPr/>
+          <p:nvPr/>
+        </p:nvSpPr>
+        <p:spPr>
+          <a:xfrm rot="9276579">
+            <a:off x="7231266" y="4356011"/>
+            <a:ext cx="993913" cy="278295"/>
+          </a:xfrm>
+          <a:prstGeom prst="rightArrow">
+            <a:avLst/>
+          </a:prstGeom>
+        </p:spPr>
+        <p:style>
+          <a:lnRef idx="2">
+            <a:schemeClr val="accent1">
+              <a:shade val="50000"/>
+            </a:schemeClr>
+          </a:lnRef>
+          <a:fillRef idx="1">
+            <a:schemeClr val="accent1"/>
+          </a:fillRef>
+          <a:effectRef idx="0">
+            <a:schemeClr val="accent1"/>
+          </a:effectRef>
+          <a:fontRef idx="minor">
+            <a:schemeClr val="lt1"/>
+          </a:fontRef>
+        </p:style>
+        <p:txBody>
+          <a:bodyPr rtlCol="0" anchor="ctr"/>
+          <a:lstStyle/>
+          <a:p>
+            <a:pPr algn="ctr"/>
+            <a:endParaRPr lang="en-US"/>
+          </a:p>
+        </p:txBody>
+      </p:sp>
+      <p:sp>
+        <p:nvSpPr>
+          <p:cNvPr id="40" name="Title 1">
+            <a:extLst>
+              <a:ext uri="{FF2B5EF4-FFF2-40B4-BE49-F238E27FC236}">
+                <a16:creationId xmlns="" xmlns:a16="http://schemas.microsoft.com/office/drawing/2014/main" id="{398E1561-8AF0-4FC7-A6FC-E7B0088A35D0}"/>
               </a:ext>
             </a:extLst>
           </p:cNvPr>
@@ -4292,7 +5345,7 @@
         <p:spPr>
           <a:xfrm>
             <a:off x="838200" y="365126"/>
-            <a:ext cx="10515600" cy="690556"/>
+            <a:ext cx="10515600" cy="497147"/>
           </a:xfrm>
         </p:spPr>
         <p:txBody>
@@ -4302,2400 +5355,18 @@
           <a:lstStyle/>
           <a:p>
             <a:r>
-              <a:rPr lang="en-US" sz="1800" dirty="0"/>
-              <a:t>Raw data stats</a:t>
-            </a:r>
-          </a:p>
-        </p:txBody>
-      </p:sp>
-      <p:graphicFrame>
-        <p:nvGraphicFramePr>
-          <p:cNvPr id="4" name="Content Placeholder 3">
-            <a:extLst>
-              <a:ext uri="{FF2B5EF4-FFF2-40B4-BE49-F238E27FC236}">
-                <a16:creationId xmlns:a16="http://schemas.microsoft.com/office/drawing/2014/main" id="{327F20C2-338D-4620-8049-2E912966B81D}"/>
-              </a:ext>
-            </a:extLst>
-          </p:cNvPr>
-          <p:cNvGraphicFramePr>
-            <a:graphicFrameLocks noGrp="1"/>
-          </p:cNvGraphicFramePr>
-          <p:nvPr>
-            <p:ph idx="1"/>
-            <p:extLst>
-              <p:ext uri="{D42A27DB-BD31-4B8C-83A1-F6EECF244321}">
-                <p14:modId xmlns:p14="http://schemas.microsoft.com/office/powerpoint/2010/main" val="1734038121"/>
-              </p:ext>
-            </p:extLst>
-          </p:nvPr>
-        </p:nvGraphicFramePr>
-        <p:xfrm>
-          <a:off x="3238175" y="2045839"/>
-          <a:ext cx="4677468" cy="2898987"/>
-        </p:xfrm>
-        <a:graphic>
-          <a:graphicData uri="http://schemas.openxmlformats.org/drawingml/2006/table">
-            <a:tbl>
-              <a:tblPr/>
-              <a:tblGrid>
-                <a:gridCol w="1357301">
-                  <a:extLst>
-                    <a:ext uri="{9D8B030D-6E8A-4147-A177-3AD203B41FA5}">
-                      <a16:colId xmlns:a16="http://schemas.microsoft.com/office/drawing/2014/main" val="2801874320"/>
-                    </a:ext>
-                  </a:extLst>
-                </a:gridCol>
-                <a:gridCol w="1774932">
-                  <a:extLst>
-                    <a:ext uri="{9D8B030D-6E8A-4147-A177-3AD203B41FA5}">
-                      <a16:colId xmlns:a16="http://schemas.microsoft.com/office/drawing/2014/main" val="2274477498"/>
-                    </a:ext>
-                  </a:extLst>
-                </a:gridCol>
-                <a:gridCol w="1545235">
-                  <a:extLst>
-                    <a:ext uri="{9D8B030D-6E8A-4147-A177-3AD203B41FA5}">
-                      <a16:colId xmlns:a16="http://schemas.microsoft.com/office/drawing/2014/main" val="3338935178"/>
-                    </a:ext>
-                  </a:extLst>
-                </a:gridCol>
-              </a:tblGrid>
-              <a:tr h="222999">
-                <a:tc>
-                  <a:txBody>
-                    <a:bodyPr/>
-                    <a:lstStyle/>
-                    <a:p>
-                      <a:pPr algn="ctr" fontAlgn="b"/>
-                      <a:r>
-                        <a:rPr lang="en-US" sz="1100" b="1" i="0" u="none" strike="noStrike" dirty="0" err="1">
-                          <a:solidFill>
-                            <a:srgbClr val="000000"/>
-                          </a:solidFill>
-                          <a:effectLst/>
-                          <a:latin typeface="Calibri" panose="020F0502020204030204" pitchFamily="34" charset="0"/>
-                        </a:rPr>
-                        <a:t>SampleName</a:t>
-                      </a:r>
-                      <a:endParaRPr lang="en-US" sz="1100" b="1" i="0" u="none" strike="noStrike" dirty="0">
-                        <a:solidFill>
-                          <a:srgbClr val="000000"/>
-                        </a:solidFill>
-                        <a:effectLst/>
-                        <a:latin typeface="Calibri" panose="020F0502020204030204" pitchFamily="34" charset="0"/>
-                      </a:endParaRPr>
-                    </a:p>
-                  </a:txBody>
-                  <a:tcPr marL="6350" marR="6350" marT="6350" marB="0" anchor="b">
-                    <a:lnL w="6350" cap="flat" cmpd="sng" algn="ctr">
-                      <a:solidFill>
-                        <a:srgbClr val="000000"/>
-                      </a:solidFill>
-                      <a:prstDash val="solid"/>
-                      <a:round/>
-                      <a:headEnd type="none" w="med" len="med"/>
-                      <a:tailEnd type="none" w="med" len="med"/>
-                    </a:lnL>
-                    <a:lnR w="6350" cap="flat" cmpd="sng" algn="ctr">
-                      <a:solidFill>
-                        <a:srgbClr val="000000"/>
-                      </a:solidFill>
-                      <a:prstDash val="solid"/>
-                      <a:round/>
-                      <a:headEnd type="none" w="med" len="med"/>
-                      <a:tailEnd type="none" w="med" len="med"/>
-                    </a:lnR>
-                    <a:lnT w="6350" cap="flat" cmpd="sng" algn="ctr">
-                      <a:solidFill>
-                        <a:srgbClr val="000000"/>
-                      </a:solidFill>
-                      <a:prstDash val="solid"/>
-                      <a:round/>
-                      <a:headEnd type="none" w="med" len="med"/>
-                      <a:tailEnd type="none" w="med" len="med"/>
-                    </a:lnT>
-                    <a:lnB w="6350" cap="flat" cmpd="sng" algn="ctr">
-                      <a:solidFill>
-                        <a:srgbClr val="000000"/>
-                      </a:solidFill>
-                      <a:prstDash val="solid"/>
-                      <a:round/>
-                      <a:headEnd type="none" w="med" len="med"/>
-                      <a:tailEnd type="none" w="med" len="med"/>
-                    </a:lnB>
-                  </a:tcPr>
-                </a:tc>
-                <a:tc>
-                  <a:txBody>
-                    <a:bodyPr/>
-                    <a:lstStyle/>
-                    <a:p>
-                      <a:pPr algn="ctr" fontAlgn="b"/>
-                      <a:r>
-                        <a:rPr lang="en-US" sz="1100" b="1" i="0" u="none" strike="noStrike">
-                          <a:solidFill>
-                            <a:srgbClr val="000000"/>
-                          </a:solidFill>
-                          <a:effectLst/>
-                          <a:latin typeface="Calibri" panose="020F0502020204030204" pitchFamily="34" charset="0"/>
-                        </a:rPr>
-                        <a:t>UntrimmedReads</a:t>
-                      </a:r>
-                    </a:p>
-                  </a:txBody>
-                  <a:tcPr marL="6350" marR="6350" marT="6350" marB="0" anchor="b">
-                    <a:lnL w="6350" cap="flat" cmpd="sng" algn="ctr">
-                      <a:solidFill>
-                        <a:srgbClr val="000000"/>
-                      </a:solidFill>
-                      <a:prstDash val="solid"/>
-                      <a:round/>
-                      <a:headEnd type="none" w="med" len="med"/>
-                      <a:tailEnd type="none" w="med" len="med"/>
-                    </a:lnL>
-                    <a:lnR w="6350" cap="flat" cmpd="sng" algn="ctr">
-                      <a:solidFill>
-                        <a:srgbClr val="000000"/>
-                      </a:solidFill>
-                      <a:prstDash val="solid"/>
-                      <a:round/>
-                      <a:headEnd type="none" w="med" len="med"/>
-                      <a:tailEnd type="none" w="med" len="med"/>
-                    </a:lnR>
-                    <a:lnT w="6350" cap="flat" cmpd="sng" algn="ctr">
-                      <a:solidFill>
-                        <a:srgbClr val="000000"/>
-                      </a:solidFill>
-                      <a:prstDash val="solid"/>
-                      <a:round/>
-                      <a:headEnd type="none" w="med" len="med"/>
-                      <a:tailEnd type="none" w="med" len="med"/>
-                    </a:lnT>
-                    <a:lnB w="6350" cap="flat" cmpd="sng" algn="ctr">
-                      <a:solidFill>
-                        <a:srgbClr val="000000"/>
-                      </a:solidFill>
-                      <a:prstDash val="solid"/>
-                      <a:round/>
-                      <a:headEnd type="none" w="med" len="med"/>
-                      <a:tailEnd type="none" w="med" len="med"/>
-                    </a:lnB>
-                  </a:tcPr>
-                </a:tc>
-                <a:tc>
-                  <a:txBody>
-                    <a:bodyPr/>
-                    <a:lstStyle/>
-                    <a:p>
-                      <a:pPr algn="ctr" fontAlgn="b"/>
-                      <a:r>
-                        <a:rPr lang="en-US" sz="1100" b="1" i="0" u="none" strike="noStrike" dirty="0" err="1">
-                          <a:solidFill>
-                            <a:srgbClr val="000000"/>
-                          </a:solidFill>
-                          <a:effectLst/>
-                          <a:latin typeface="Calibri" panose="020F0502020204030204" pitchFamily="34" charset="0"/>
-                        </a:rPr>
-                        <a:t>TrimmedReads</a:t>
-                      </a:r>
-                      <a:endParaRPr lang="en-US" sz="1100" b="1" i="0" u="none" strike="noStrike" dirty="0">
-                        <a:solidFill>
-                          <a:srgbClr val="000000"/>
-                        </a:solidFill>
-                        <a:effectLst/>
-                        <a:latin typeface="Calibri" panose="020F0502020204030204" pitchFamily="34" charset="0"/>
-                      </a:endParaRPr>
-                    </a:p>
-                  </a:txBody>
-                  <a:tcPr marL="6350" marR="6350" marT="6350" marB="0" anchor="b">
-                    <a:lnL w="6350" cap="flat" cmpd="sng" algn="ctr">
-                      <a:solidFill>
-                        <a:srgbClr val="000000"/>
-                      </a:solidFill>
-                      <a:prstDash val="solid"/>
-                      <a:round/>
-                      <a:headEnd type="none" w="med" len="med"/>
-                      <a:tailEnd type="none" w="med" len="med"/>
-                    </a:lnL>
-                    <a:lnR w="6350" cap="flat" cmpd="sng" algn="ctr">
-                      <a:solidFill>
-                        <a:srgbClr val="000000"/>
-                      </a:solidFill>
-                      <a:prstDash val="solid"/>
-                      <a:round/>
-                      <a:headEnd type="none" w="med" len="med"/>
-                      <a:tailEnd type="none" w="med" len="med"/>
-                    </a:lnR>
-                    <a:lnT w="6350" cap="flat" cmpd="sng" algn="ctr">
-                      <a:solidFill>
-                        <a:srgbClr val="000000"/>
-                      </a:solidFill>
-                      <a:prstDash val="solid"/>
-                      <a:round/>
-                      <a:headEnd type="none" w="med" len="med"/>
-                      <a:tailEnd type="none" w="med" len="med"/>
-                    </a:lnT>
-                    <a:lnB w="6350" cap="flat" cmpd="sng" algn="ctr">
-                      <a:solidFill>
-                        <a:srgbClr val="000000"/>
-                      </a:solidFill>
-                      <a:prstDash val="solid"/>
-                      <a:round/>
-                      <a:headEnd type="none" w="med" len="med"/>
-                      <a:tailEnd type="none" w="med" len="med"/>
-                    </a:lnB>
-                  </a:tcPr>
-                </a:tc>
-                <a:extLst>
-                  <a:ext uri="{0D108BD9-81ED-4DB2-BD59-A6C34878D82A}">
-                    <a16:rowId xmlns:a16="http://schemas.microsoft.com/office/drawing/2014/main" val="3507742018"/>
-                  </a:ext>
-                </a:extLst>
-              </a:tr>
-              <a:tr h="222999">
-                <a:tc>
-                  <a:txBody>
-                    <a:bodyPr/>
-                    <a:lstStyle/>
-                    <a:p>
-                      <a:pPr algn="ctr" fontAlgn="b"/>
-                      <a:r>
-                        <a:rPr lang="en-US" sz="1100" b="0" i="0" u="none" strike="noStrike">
-                          <a:solidFill>
-                            <a:srgbClr val="000000"/>
-                          </a:solidFill>
-                          <a:effectLst/>
-                          <a:latin typeface="Calibri" panose="020F0502020204030204" pitchFamily="34" charset="0"/>
-                        </a:rPr>
-                        <a:t>MD-R-EB-10</a:t>
-                      </a:r>
-                    </a:p>
-                  </a:txBody>
-                  <a:tcPr marL="6350" marR="6350" marT="6350" marB="0" anchor="b">
-                    <a:lnL w="6350" cap="flat" cmpd="sng" algn="ctr">
-                      <a:solidFill>
-                        <a:srgbClr val="000000"/>
-                      </a:solidFill>
-                      <a:prstDash val="solid"/>
-                      <a:round/>
-                      <a:headEnd type="none" w="med" len="med"/>
-                      <a:tailEnd type="none" w="med" len="med"/>
-                    </a:lnL>
-                    <a:lnR w="6350" cap="flat" cmpd="sng" algn="ctr">
-                      <a:solidFill>
-                        <a:srgbClr val="000000"/>
-                      </a:solidFill>
-                      <a:prstDash val="solid"/>
-                      <a:round/>
-                      <a:headEnd type="none" w="med" len="med"/>
-                      <a:tailEnd type="none" w="med" len="med"/>
-                    </a:lnR>
-                    <a:lnT w="6350" cap="flat" cmpd="sng" algn="ctr">
-                      <a:solidFill>
-                        <a:srgbClr val="000000"/>
-                      </a:solidFill>
-                      <a:prstDash val="solid"/>
-                      <a:round/>
-                      <a:headEnd type="none" w="med" len="med"/>
-                      <a:tailEnd type="none" w="med" len="med"/>
-                    </a:lnT>
-                    <a:lnB w="6350" cap="flat" cmpd="sng" algn="ctr">
-                      <a:solidFill>
-                        <a:srgbClr val="000000"/>
-                      </a:solidFill>
-                      <a:prstDash val="solid"/>
-                      <a:round/>
-                      <a:headEnd type="none" w="med" len="med"/>
-                      <a:tailEnd type="none" w="med" len="med"/>
-                    </a:lnB>
-                  </a:tcPr>
-                </a:tc>
-                <a:tc>
-                  <a:txBody>
-                    <a:bodyPr/>
-                    <a:lstStyle/>
-                    <a:p>
-                      <a:pPr algn="ctr" fontAlgn="b"/>
-                      <a:r>
-                        <a:rPr lang="en-US" sz="1100" b="0" i="0" u="none" strike="noStrike">
-                          <a:solidFill>
-                            <a:srgbClr val="000000"/>
-                          </a:solidFill>
-                          <a:effectLst/>
-                          <a:latin typeface="Calibri" panose="020F0502020204030204" pitchFamily="34" charset="0"/>
-                        </a:rPr>
-                        <a:t>48,343,253</a:t>
-                      </a:r>
-                    </a:p>
-                  </a:txBody>
-                  <a:tcPr marL="6350" marR="6350" marT="6350" marB="0" anchor="b">
-                    <a:lnL w="6350" cap="flat" cmpd="sng" algn="ctr">
-                      <a:solidFill>
-                        <a:srgbClr val="000000"/>
-                      </a:solidFill>
-                      <a:prstDash val="solid"/>
-                      <a:round/>
-                      <a:headEnd type="none" w="med" len="med"/>
-                      <a:tailEnd type="none" w="med" len="med"/>
-                    </a:lnL>
-                    <a:lnR w="6350" cap="flat" cmpd="sng" algn="ctr">
-                      <a:solidFill>
-                        <a:srgbClr val="000000"/>
-                      </a:solidFill>
-                      <a:prstDash val="solid"/>
-                      <a:round/>
-                      <a:headEnd type="none" w="med" len="med"/>
-                      <a:tailEnd type="none" w="med" len="med"/>
-                    </a:lnR>
-                    <a:lnT w="6350" cap="flat" cmpd="sng" algn="ctr">
-                      <a:solidFill>
-                        <a:srgbClr val="000000"/>
-                      </a:solidFill>
-                      <a:prstDash val="solid"/>
-                      <a:round/>
-                      <a:headEnd type="none" w="med" len="med"/>
-                      <a:tailEnd type="none" w="med" len="med"/>
-                    </a:lnT>
-                    <a:lnB w="6350" cap="flat" cmpd="sng" algn="ctr">
-                      <a:solidFill>
-                        <a:srgbClr val="000000"/>
-                      </a:solidFill>
-                      <a:prstDash val="solid"/>
-                      <a:round/>
-                      <a:headEnd type="none" w="med" len="med"/>
-                      <a:tailEnd type="none" w="med" len="med"/>
-                    </a:lnB>
-                  </a:tcPr>
-                </a:tc>
-                <a:tc>
-                  <a:txBody>
-                    <a:bodyPr/>
-                    <a:lstStyle/>
-                    <a:p>
-                      <a:pPr algn="ctr" fontAlgn="b"/>
-                      <a:r>
-                        <a:rPr lang="en-US" sz="1100" b="0" i="0" u="none" strike="noStrike" dirty="0">
-                          <a:solidFill>
-                            <a:srgbClr val="000000"/>
-                          </a:solidFill>
-                          <a:effectLst/>
-                          <a:latin typeface="Calibri" panose="020F0502020204030204" pitchFamily="34" charset="0"/>
-                        </a:rPr>
-                        <a:t>48,329,476</a:t>
-                      </a:r>
-                    </a:p>
-                  </a:txBody>
-                  <a:tcPr marL="6350" marR="6350" marT="6350" marB="0" anchor="b">
-                    <a:lnL w="6350" cap="flat" cmpd="sng" algn="ctr">
-                      <a:solidFill>
-                        <a:srgbClr val="000000"/>
-                      </a:solidFill>
-                      <a:prstDash val="solid"/>
-                      <a:round/>
-                      <a:headEnd type="none" w="med" len="med"/>
-                      <a:tailEnd type="none" w="med" len="med"/>
-                    </a:lnL>
-                    <a:lnR w="6350" cap="flat" cmpd="sng" algn="ctr">
-                      <a:solidFill>
-                        <a:srgbClr val="000000"/>
-                      </a:solidFill>
-                      <a:prstDash val="solid"/>
-                      <a:round/>
-                      <a:headEnd type="none" w="med" len="med"/>
-                      <a:tailEnd type="none" w="med" len="med"/>
-                    </a:lnR>
-                    <a:lnT w="6350" cap="flat" cmpd="sng" algn="ctr">
-                      <a:solidFill>
-                        <a:srgbClr val="000000"/>
-                      </a:solidFill>
-                      <a:prstDash val="solid"/>
-                      <a:round/>
-                      <a:headEnd type="none" w="med" len="med"/>
-                      <a:tailEnd type="none" w="med" len="med"/>
-                    </a:lnT>
-                    <a:lnB w="6350" cap="flat" cmpd="sng" algn="ctr">
-                      <a:solidFill>
-                        <a:srgbClr val="000000"/>
-                      </a:solidFill>
-                      <a:prstDash val="solid"/>
-                      <a:round/>
-                      <a:headEnd type="none" w="med" len="med"/>
-                      <a:tailEnd type="none" w="med" len="med"/>
-                    </a:lnB>
-                  </a:tcPr>
-                </a:tc>
-                <a:extLst>
-                  <a:ext uri="{0D108BD9-81ED-4DB2-BD59-A6C34878D82A}">
-                    <a16:rowId xmlns:a16="http://schemas.microsoft.com/office/drawing/2014/main" val="3836799174"/>
-                  </a:ext>
-                </a:extLst>
-              </a:tr>
-              <a:tr h="222999">
-                <a:tc>
-                  <a:txBody>
-                    <a:bodyPr/>
-                    <a:lstStyle/>
-                    <a:p>
-                      <a:pPr algn="ctr" fontAlgn="b"/>
-                      <a:r>
-                        <a:rPr lang="en-US" sz="1100" b="0" i="0" u="none" strike="noStrike">
-                          <a:solidFill>
-                            <a:srgbClr val="000000"/>
-                          </a:solidFill>
-                          <a:effectLst/>
-                          <a:latin typeface="Calibri" panose="020F0502020204030204" pitchFamily="34" charset="0"/>
-                        </a:rPr>
-                        <a:t>MD-R-EB-11</a:t>
-                      </a:r>
-                    </a:p>
-                  </a:txBody>
-                  <a:tcPr marL="6350" marR="6350" marT="6350" marB="0" anchor="b">
-                    <a:lnL w="6350" cap="flat" cmpd="sng" algn="ctr">
-                      <a:solidFill>
-                        <a:srgbClr val="000000"/>
-                      </a:solidFill>
-                      <a:prstDash val="solid"/>
-                      <a:round/>
-                      <a:headEnd type="none" w="med" len="med"/>
-                      <a:tailEnd type="none" w="med" len="med"/>
-                    </a:lnL>
-                    <a:lnR w="6350" cap="flat" cmpd="sng" algn="ctr">
-                      <a:solidFill>
-                        <a:srgbClr val="000000"/>
-                      </a:solidFill>
-                      <a:prstDash val="solid"/>
-                      <a:round/>
-                      <a:headEnd type="none" w="med" len="med"/>
-                      <a:tailEnd type="none" w="med" len="med"/>
-                    </a:lnR>
-                    <a:lnT w="6350" cap="flat" cmpd="sng" algn="ctr">
-                      <a:solidFill>
-                        <a:srgbClr val="000000"/>
-                      </a:solidFill>
-                      <a:prstDash val="solid"/>
-                      <a:round/>
-                      <a:headEnd type="none" w="med" len="med"/>
-                      <a:tailEnd type="none" w="med" len="med"/>
-                    </a:lnT>
-                    <a:lnB w="6350" cap="flat" cmpd="sng" algn="ctr">
-                      <a:solidFill>
-                        <a:srgbClr val="000000"/>
-                      </a:solidFill>
-                      <a:prstDash val="solid"/>
-                      <a:round/>
-                      <a:headEnd type="none" w="med" len="med"/>
-                      <a:tailEnd type="none" w="med" len="med"/>
-                    </a:lnB>
-                  </a:tcPr>
-                </a:tc>
-                <a:tc>
-                  <a:txBody>
-                    <a:bodyPr/>
-                    <a:lstStyle/>
-                    <a:p>
-                      <a:pPr algn="ctr" fontAlgn="b"/>
-                      <a:r>
-                        <a:rPr lang="en-US" sz="1100" b="0" i="0" u="none" strike="noStrike">
-                          <a:solidFill>
-                            <a:srgbClr val="000000"/>
-                          </a:solidFill>
-                          <a:effectLst/>
-                          <a:latin typeface="Calibri" panose="020F0502020204030204" pitchFamily="34" charset="0"/>
-                        </a:rPr>
-                        <a:t>49,008,831</a:t>
-                      </a:r>
-                    </a:p>
-                  </a:txBody>
-                  <a:tcPr marL="6350" marR="6350" marT="6350" marB="0" anchor="b">
-                    <a:lnL w="6350" cap="flat" cmpd="sng" algn="ctr">
-                      <a:solidFill>
-                        <a:srgbClr val="000000"/>
-                      </a:solidFill>
-                      <a:prstDash val="solid"/>
-                      <a:round/>
-                      <a:headEnd type="none" w="med" len="med"/>
-                      <a:tailEnd type="none" w="med" len="med"/>
-                    </a:lnL>
-                    <a:lnR w="6350" cap="flat" cmpd="sng" algn="ctr">
-                      <a:solidFill>
-                        <a:srgbClr val="000000"/>
-                      </a:solidFill>
-                      <a:prstDash val="solid"/>
-                      <a:round/>
-                      <a:headEnd type="none" w="med" len="med"/>
-                      <a:tailEnd type="none" w="med" len="med"/>
-                    </a:lnR>
-                    <a:lnT w="6350" cap="flat" cmpd="sng" algn="ctr">
-                      <a:solidFill>
-                        <a:srgbClr val="000000"/>
-                      </a:solidFill>
-                      <a:prstDash val="solid"/>
-                      <a:round/>
-                      <a:headEnd type="none" w="med" len="med"/>
-                      <a:tailEnd type="none" w="med" len="med"/>
-                    </a:lnT>
-                    <a:lnB w="6350" cap="flat" cmpd="sng" algn="ctr">
-                      <a:solidFill>
-                        <a:srgbClr val="000000"/>
-                      </a:solidFill>
-                      <a:prstDash val="solid"/>
-                      <a:round/>
-                      <a:headEnd type="none" w="med" len="med"/>
-                      <a:tailEnd type="none" w="med" len="med"/>
-                    </a:lnB>
-                  </a:tcPr>
-                </a:tc>
-                <a:tc>
-                  <a:txBody>
-                    <a:bodyPr/>
-                    <a:lstStyle/>
-                    <a:p>
-                      <a:pPr algn="ctr" fontAlgn="b"/>
-                      <a:r>
-                        <a:rPr lang="en-US" sz="1100" b="0" i="0" u="none" strike="noStrike" dirty="0">
-                          <a:solidFill>
-                            <a:srgbClr val="000000"/>
-                          </a:solidFill>
-                          <a:effectLst/>
-                          <a:latin typeface="Calibri" panose="020F0502020204030204" pitchFamily="34" charset="0"/>
-                        </a:rPr>
-                        <a:t>48,995,334</a:t>
-                      </a:r>
-                    </a:p>
-                  </a:txBody>
-                  <a:tcPr marL="6350" marR="6350" marT="6350" marB="0" anchor="b">
-                    <a:lnL w="6350" cap="flat" cmpd="sng" algn="ctr">
-                      <a:solidFill>
-                        <a:srgbClr val="000000"/>
-                      </a:solidFill>
-                      <a:prstDash val="solid"/>
-                      <a:round/>
-                      <a:headEnd type="none" w="med" len="med"/>
-                      <a:tailEnd type="none" w="med" len="med"/>
-                    </a:lnL>
-                    <a:lnR w="6350" cap="flat" cmpd="sng" algn="ctr">
-                      <a:solidFill>
-                        <a:srgbClr val="000000"/>
-                      </a:solidFill>
-                      <a:prstDash val="solid"/>
-                      <a:round/>
-                      <a:headEnd type="none" w="med" len="med"/>
-                      <a:tailEnd type="none" w="med" len="med"/>
-                    </a:lnR>
-                    <a:lnT w="6350" cap="flat" cmpd="sng" algn="ctr">
-                      <a:solidFill>
-                        <a:srgbClr val="000000"/>
-                      </a:solidFill>
-                      <a:prstDash val="solid"/>
-                      <a:round/>
-                      <a:headEnd type="none" w="med" len="med"/>
-                      <a:tailEnd type="none" w="med" len="med"/>
-                    </a:lnT>
-                    <a:lnB w="6350" cap="flat" cmpd="sng" algn="ctr">
-                      <a:solidFill>
-                        <a:srgbClr val="000000"/>
-                      </a:solidFill>
-                      <a:prstDash val="solid"/>
-                      <a:round/>
-                      <a:headEnd type="none" w="med" len="med"/>
-                      <a:tailEnd type="none" w="med" len="med"/>
-                    </a:lnB>
-                  </a:tcPr>
-                </a:tc>
-                <a:extLst>
-                  <a:ext uri="{0D108BD9-81ED-4DB2-BD59-A6C34878D82A}">
-                    <a16:rowId xmlns:a16="http://schemas.microsoft.com/office/drawing/2014/main" val="619359475"/>
-                  </a:ext>
-                </a:extLst>
-              </a:tr>
-              <a:tr h="222999">
-                <a:tc>
-                  <a:txBody>
-                    <a:bodyPr/>
-                    <a:lstStyle/>
-                    <a:p>
-                      <a:pPr algn="ctr" fontAlgn="b"/>
-                      <a:r>
-                        <a:rPr lang="en-US" sz="1100" b="0" i="0" u="none" strike="noStrike">
-                          <a:solidFill>
-                            <a:srgbClr val="000000"/>
-                          </a:solidFill>
-                          <a:effectLst/>
-                          <a:latin typeface="Calibri" panose="020F0502020204030204" pitchFamily="34" charset="0"/>
-                        </a:rPr>
-                        <a:t>MD-R-EB-12</a:t>
-                      </a:r>
-                    </a:p>
-                  </a:txBody>
-                  <a:tcPr marL="6350" marR="6350" marT="6350" marB="0" anchor="b">
-                    <a:lnL w="6350" cap="flat" cmpd="sng" algn="ctr">
-                      <a:solidFill>
-                        <a:srgbClr val="000000"/>
-                      </a:solidFill>
-                      <a:prstDash val="solid"/>
-                      <a:round/>
-                      <a:headEnd type="none" w="med" len="med"/>
-                      <a:tailEnd type="none" w="med" len="med"/>
-                    </a:lnL>
-                    <a:lnR w="6350" cap="flat" cmpd="sng" algn="ctr">
-                      <a:solidFill>
-                        <a:srgbClr val="000000"/>
-                      </a:solidFill>
-                      <a:prstDash val="solid"/>
-                      <a:round/>
-                      <a:headEnd type="none" w="med" len="med"/>
-                      <a:tailEnd type="none" w="med" len="med"/>
-                    </a:lnR>
-                    <a:lnT w="6350" cap="flat" cmpd="sng" algn="ctr">
-                      <a:solidFill>
-                        <a:srgbClr val="000000"/>
-                      </a:solidFill>
-                      <a:prstDash val="solid"/>
-                      <a:round/>
-                      <a:headEnd type="none" w="med" len="med"/>
-                      <a:tailEnd type="none" w="med" len="med"/>
-                    </a:lnT>
-                    <a:lnB w="6350" cap="flat" cmpd="sng" algn="ctr">
-                      <a:solidFill>
-                        <a:srgbClr val="000000"/>
-                      </a:solidFill>
-                      <a:prstDash val="solid"/>
-                      <a:round/>
-                      <a:headEnd type="none" w="med" len="med"/>
-                      <a:tailEnd type="none" w="med" len="med"/>
-                    </a:lnB>
-                  </a:tcPr>
-                </a:tc>
-                <a:tc>
-                  <a:txBody>
-                    <a:bodyPr/>
-                    <a:lstStyle/>
-                    <a:p>
-                      <a:pPr algn="ctr" fontAlgn="b"/>
-                      <a:r>
-                        <a:rPr lang="en-US" sz="1100" b="0" i="0" u="none" strike="noStrike">
-                          <a:solidFill>
-                            <a:srgbClr val="000000"/>
-                          </a:solidFill>
-                          <a:effectLst/>
-                          <a:latin typeface="Calibri" panose="020F0502020204030204" pitchFamily="34" charset="0"/>
-                        </a:rPr>
-                        <a:t>51,154,870</a:t>
-                      </a:r>
-                    </a:p>
-                  </a:txBody>
-                  <a:tcPr marL="6350" marR="6350" marT="6350" marB="0" anchor="b">
-                    <a:lnL w="6350" cap="flat" cmpd="sng" algn="ctr">
-                      <a:solidFill>
-                        <a:srgbClr val="000000"/>
-                      </a:solidFill>
-                      <a:prstDash val="solid"/>
-                      <a:round/>
-                      <a:headEnd type="none" w="med" len="med"/>
-                      <a:tailEnd type="none" w="med" len="med"/>
-                    </a:lnL>
-                    <a:lnR w="6350" cap="flat" cmpd="sng" algn="ctr">
-                      <a:solidFill>
-                        <a:srgbClr val="000000"/>
-                      </a:solidFill>
-                      <a:prstDash val="solid"/>
-                      <a:round/>
-                      <a:headEnd type="none" w="med" len="med"/>
-                      <a:tailEnd type="none" w="med" len="med"/>
-                    </a:lnR>
-                    <a:lnT w="6350" cap="flat" cmpd="sng" algn="ctr">
-                      <a:solidFill>
-                        <a:srgbClr val="000000"/>
-                      </a:solidFill>
-                      <a:prstDash val="solid"/>
-                      <a:round/>
-                      <a:headEnd type="none" w="med" len="med"/>
-                      <a:tailEnd type="none" w="med" len="med"/>
-                    </a:lnT>
-                    <a:lnB w="6350" cap="flat" cmpd="sng" algn="ctr">
-                      <a:solidFill>
-                        <a:srgbClr val="000000"/>
-                      </a:solidFill>
-                      <a:prstDash val="solid"/>
-                      <a:round/>
-                      <a:headEnd type="none" w="med" len="med"/>
-                      <a:tailEnd type="none" w="med" len="med"/>
-                    </a:lnB>
-                  </a:tcPr>
-                </a:tc>
-                <a:tc>
-                  <a:txBody>
-                    <a:bodyPr/>
-                    <a:lstStyle/>
-                    <a:p>
-                      <a:pPr algn="ctr" fontAlgn="b"/>
-                      <a:r>
-                        <a:rPr lang="en-US" sz="1100" b="0" i="0" u="none" strike="noStrike" dirty="0">
-                          <a:solidFill>
-                            <a:srgbClr val="000000"/>
-                          </a:solidFill>
-                          <a:effectLst/>
-                          <a:latin typeface="Calibri" panose="020F0502020204030204" pitchFamily="34" charset="0"/>
-                        </a:rPr>
-                        <a:t>51,139,532</a:t>
-                      </a:r>
-                    </a:p>
-                  </a:txBody>
-                  <a:tcPr marL="6350" marR="6350" marT="6350" marB="0" anchor="b">
-                    <a:lnL w="6350" cap="flat" cmpd="sng" algn="ctr">
-                      <a:solidFill>
-                        <a:srgbClr val="000000"/>
-                      </a:solidFill>
-                      <a:prstDash val="solid"/>
-                      <a:round/>
-                      <a:headEnd type="none" w="med" len="med"/>
-                      <a:tailEnd type="none" w="med" len="med"/>
-                    </a:lnL>
-                    <a:lnR w="6350" cap="flat" cmpd="sng" algn="ctr">
-                      <a:solidFill>
-                        <a:srgbClr val="000000"/>
-                      </a:solidFill>
-                      <a:prstDash val="solid"/>
-                      <a:round/>
-                      <a:headEnd type="none" w="med" len="med"/>
-                      <a:tailEnd type="none" w="med" len="med"/>
-                    </a:lnR>
-                    <a:lnT w="6350" cap="flat" cmpd="sng" algn="ctr">
-                      <a:solidFill>
-                        <a:srgbClr val="000000"/>
-                      </a:solidFill>
-                      <a:prstDash val="solid"/>
-                      <a:round/>
-                      <a:headEnd type="none" w="med" len="med"/>
-                      <a:tailEnd type="none" w="med" len="med"/>
-                    </a:lnT>
-                    <a:lnB w="6350" cap="flat" cmpd="sng" algn="ctr">
-                      <a:solidFill>
-                        <a:srgbClr val="000000"/>
-                      </a:solidFill>
-                      <a:prstDash val="solid"/>
-                      <a:round/>
-                      <a:headEnd type="none" w="med" len="med"/>
-                      <a:tailEnd type="none" w="med" len="med"/>
-                    </a:lnB>
-                  </a:tcPr>
-                </a:tc>
-                <a:extLst>
-                  <a:ext uri="{0D108BD9-81ED-4DB2-BD59-A6C34878D82A}">
-                    <a16:rowId xmlns:a16="http://schemas.microsoft.com/office/drawing/2014/main" val="3495207493"/>
-                  </a:ext>
-                </a:extLst>
-              </a:tr>
-              <a:tr h="222999">
-                <a:tc>
-                  <a:txBody>
-                    <a:bodyPr/>
-                    <a:lstStyle/>
-                    <a:p>
-                      <a:pPr algn="ctr" fontAlgn="b"/>
-                      <a:r>
-                        <a:rPr lang="en-US" sz="1100" b="0" i="0" u="none" strike="noStrike">
-                          <a:solidFill>
-                            <a:srgbClr val="000000"/>
-                          </a:solidFill>
-                          <a:effectLst/>
-                          <a:latin typeface="Calibri" panose="020F0502020204030204" pitchFamily="34" charset="0"/>
-                        </a:rPr>
-                        <a:t>MD-R-EB-1</a:t>
-                      </a:r>
-                    </a:p>
-                  </a:txBody>
-                  <a:tcPr marL="6350" marR="6350" marT="6350" marB="0" anchor="b">
-                    <a:lnL w="6350" cap="flat" cmpd="sng" algn="ctr">
-                      <a:solidFill>
-                        <a:srgbClr val="000000"/>
-                      </a:solidFill>
-                      <a:prstDash val="solid"/>
-                      <a:round/>
-                      <a:headEnd type="none" w="med" len="med"/>
-                      <a:tailEnd type="none" w="med" len="med"/>
-                    </a:lnL>
-                    <a:lnR w="6350" cap="flat" cmpd="sng" algn="ctr">
-                      <a:solidFill>
-                        <a:srgbClr val="000000"/>
-                      </a:solidFill>
-                      <a:prstDash val="solid"/>
-                      <a:round/>
-                      <a:headEnd type="none" w="med" len="med"/>
-                      <a:tailEnd type="none" w="med" len="med"/>
-                    </a:lnR>
-                    <a:lnT w="6350" cap="flat" cmpd="sng" algn="ctr">
-                      <a:solidFill>
-                        <a:srgbClr val="000000"/>
-                      </a:solidFill>
-                      <a:prstDash val="solid"/>
-                      <a:round/>
-                      <a:headEnd type="none" w="med" len="med"/>
-                      <a:tailEnd type="none" w="med" len="med"/>
-                    </a:lnT>
-                    <a:lnB w="6350" cap="flat" cmpd="sng" algn="ctr">
-                      <a:solidFill>
-                        <a:srgbClr val="000000"/>
-                      </a:solidFill>
-                      <a:prstDash val="solid"/>
-                      <a:round/>
-                      <a:headEnd type="none" w="med" len="med"/>
-                      <a:tailEnd type="none" w="med" len="med"/>
-                    </a:lnB>
-                  </a:tcPr>
-                </a:tc>
-                <a:tc>
-                  <a:txBody>
-                    <a:bodyPr/>
-                    <a:lstStyle/>
-                    <a:p>
-                      <a:pPr algn="ctr" fontAlgn="b"/>
-                      <a:r>
-                        <a:rPr lang="en-US" sz="1100" b="0" i="0" u="none" strike="noStrike">
-                          <a:solidFill>
-                            <a:srgbClr val="000000"/>
-                          </a:solidFill>
-                          <a:effectLst/>
-                          <a:latin typeface="Calibri" panose="020F0502020204030204" pitchFamily="34" charset="0"/>
-                        </a:rPr>
-                        <a:t>40,029,245</a:t>
-                      </a:r>
-                    </a:p>
-                  </a:txBody>
-                  <a:tcPr marL="6350" marR="6350" marT="6350" marB="0" anchor="b">
-                    <a:lnL w="6350" cap="flat" cmpd="sng" algn="ctr">
-                      <a:solidFill>
-                        <a:srgbClr val="000000"/>
-                      </a:solidFill>
-                      <a:prstDash val="solid"/>
-                      <a:round/>
-                      <a:headEnd type="none" w="med" len="med"/>
-                      <a:tailEnd type="none" w="med" len="med"/>
-                    </a:lnL>
-                    <a:lnR w="6350" cap="flat" cmpd="sng" algn="ctr">
-                      <a:solidFill>
-                        <a:srgbClr val="000000"/>
-                      </a:solidFill>
-                      <a:prstDash val="solid"/>
-                      <a:round/>
-                      <a:headEnd type="none" w="med" len="med"/>
-                      <a:tailEnd type="none" w="med" len="med"/>
-                    </a:lnR>
-                    <a:lnT w="6350" cap="flat" cmpd="sng" algn="ctr">
-                      <a:solidFill>
-                        <a:srgbClr val="000000"/>
-                      </a:solidFill>
-                      <a:prstDash val="solid"/>
-                      <a:round/>
-                      <a:headEnd type="none" w="med" len="med"/>
-                      <a:tailEnd type="none" w="med" len="med"/>
-                    </a:lnT>
-                    <a:lnB w="6350" cap="flat" cmpd="sng" algn="ctr">
-                      <a:solidFill>
-                        <a:srgbClr val="000000"/>
-                      </a:solidFill>
-                      <a:prstDash val="solid"/>
-                      <a:round/>
-                      <a:headEnd type="none" w="med" len="med"/>
-                      <a:tailEnd type="none" w="med" len="med"/>
-                    </a:lnB>
-                  </a:tcPr>
-                </a:tc>
-                <a:tc>
-                  <a:txBody>
-                    <a:bodyPr/>
-                    <a:lstStyle/>
-                    <a:p>
-                      <a:pPr algn="ctr" fontAlgn="b"/>
-                      <a:r>
-                        <a:rPr lang="en-US" sz="1100" b="0" i="0" u="none" strike="noStrike" dirty="0">
-                          <a:solidFill>
-                            <a:srgbClr val="000000"/>
-                          </a:solidFill>
-                          <a:effectLst/>
-                          <a:latin typeface="Calibri" panose="020F0502020204030204" pitchFamily="34" charset="0"/>
-                        </a:rPr>
-                        <a:t>40,011,847</a:t>
-                      </a:r>
-                    </a:p>
-                  </a:txBody>
-                  <a:tcPr marL="6350" marR="6350" marT="6350" marB="0" anchor="b">
-                    <a:lnL w="6350" cap="flat" cmpd="sng" algn="ctr">
-                      <a:solidFill>
-                        <a:srgbClr val="000000"/>
-                      </a:solidFill>
-                      <a:prstDash val="solid"/>
-                      <a:round/>
-                      <a:headEnd type="none" w="med" len="med"/>
-                      <a:tailEnd type="none" w="med" len="med"/>
-                    </a:lnL>
-                    <a:lnR w="6350" cap="flat" cmpd="sng" algn="ctr">
-                      <a:solidFill>
-                        <a:srgbClr val="000000"/>
-                      </a:solidFill>
-                      <a:prstDash val="solid"/>
-                      <a:round/>
-                      <a:headEnd type="none" w="med" len="med"/>
-                      <a:tailEnd type="none" w="med" len="med"/>
-                    </a:lnR>
-                    <a:lnT w="6350" cap="flat" cmpd="sng" algn="ctr">
-                      <a:solidFill>
-                        <a:srgbClr val="000000"/>
-                      </a:solidFill>
-                      <a:prstDash val="solid"/>
-                      <a:round/>
-                      <a:headEnd type="none" w="med" len="med"/>
-                      <a:tailEnd type="none" w="med" len="med"/>
-                    </a:lnT>
-                    <a:lnB w="6350" cap="flat" cmpd="sng" algn="ctr">
-                      <a:solidFill>
-                        <a:srgbClr val="000000"/>
-                      </a:solidFill>
-                      <a:prstDash val="solid"/>
-                      <a:round/>
-                      <a:headEnd type="none" w="med" len="med"/>
-                      <a:tailEnd type="none" w="med" len="med"/>
-                    </a:lnB>
-                  </a:tcPr>
-                </a:tc>
-                <a:extLst>
-                  <a:ext uri="{0D108BD9-81ED-4DB2-BD59-A6C34878D82A}">
-                    <a16:rowId xmlns:a16="http://schemas.microsoft.com/office/drawing/2014/main" val="2026769398"/>
-                  </a:ext>
-                </a:extLst>
-              </a:tr>
-              <a:tr h="222999">
-                <a:tc>
-                  <a:txBody>
-                    <a:bodyPr/>
-                    <a:lstStyle/>
-                    <a:p>
-                      <a:pPr algn="ctr" fontAlgn="b"/>
-                      <a:r>
-                        <a:rPr lang="en-US" sz="1100" b="0" i="0" u="none" strike="noStrike" dirty="0">
-                          <a:solidFill>
-                            <a:srgbClr val="000000"/>
-                          </a:solidFill>
-                          <a:effectLst/>
-                          <a:latin typeface="Calibri" panose="020F0502020204030204" pitchFamily="34" charset="0"/>
-                        </a:rPr>
-                        <a:t>MD-R-EB-2</a:t>
-                      </a:r>
-                    </a:p>
-                  </a:txBody>
-                  <a:tcPr marL="6350" marR="6350" marT="6350" marB="0" anchor="b">
-                    <a:lnL w="6350" cap="flat" cmpd="sng" algn="ctr">
-                      <a:solidFill>
-                        <a:srgbClr val="000000"/>
-                      </a:solidFill>
-                      <a:prstDash val="solid"/>
-                      <a:round/>
-                      <a:headEnd type="none" w="med" len="med"/>
-                      <a:tailEnd type="none" w="med" len="med"/>
-                    </a:lnL>
-                    <a:lnR w="6350" cap="flat" cmpd="sng" algn="ctr">
-                      <a:solidFill>
-                        <a:srgbClr val="000000"/>
-                      </a:solidFill>
-                      <a:prstDash val="solid"/>
-                      <a:round/>
-                      <a:headEnd type="none" w="med" len="med"/>
-                      <a:tailEnd type="none" w="med" len="med"/>
-                    </a:lnR>
-                    <a:lnT w="6350" cap="flat" cmpd="sng" algn="ctr">
-                      <a:solidFill>
-                        <a:srgbClr val="000000"/>
-                      </a:solidFill>
-                      <a:prstDash val="solid"/>
-                      <a:round/>
-                      <a:headEnd type="none" w="med" len="med"/>
-                      <a:tailEnd type="none" w="med" len="med"/>
-                    </a:lnT>
-                    <a:lnB w="6350" cap="flat" cmpd="sng" algn="ctr">
-                      <a:solidFill>
-                        <a:srgbClr val="000000"/>
-                      </a:solidFill>
-                      <a:prstDash val="solid"/>
-                      <a:round/>
-                      <a:headEnd type="none" w="med" len="med"/>
-                      <a:tailEnd type="none" w="med" len="med"/>
-                    </a:lnB>
-                  </a:tcPr>
-                </a:tc>
-                <a:tc>
-                  <a:txBody>
-                    <a:bodyPr/>
-                    <a:lstStyle/>
-                    <a:p>
-                      <a:pPr algn="ctr" fontAlgn="b"/>
-                      <a:r>
-                        <a:rPr lang="en-US" sz="1100" b="0" i="0" u="none" strike="noStrike">
-                          <a:solidFill>
-                            <a:srgbClr val="000000"/>
-                          </a:solidFill>
-                          <a:effectLst/>
-                          <a:latin typeface="Calibri" panose="020F0502020204030204" pitchFamily="34" charset="0"/>
-                        </a:rPr>
-                        <a:t>46,488,436</a:t>
-                      </a:r>
-                    </a:p>
-                  </a:txBody>
-                  <a:tcPr marL="6350" marR="6350" marT="6350" marB="0" anchor="b">
-                    <a:lnL w="6350" cap="flat" cmpd="sng" algn="ctr">
-                      <a:solidFill>
-                        <a:srgbClr val="000000"/>
-                      </a:solidFill>
-                      <a:prstDash val="solid"/>
-                      <a:round/>
-                      <a:headEnd type="none" w="med" len="med"/>
-                      <a:tailEnd type="none" w="med" len="med"/>
-                    </a:lnL>
-                    <a:lnR w="6350" cap="flat" cmpd="sng" algn="ctr">
-                      <a:solidFill>
-                        <a:srgbClr val="000000"/>
-                      </a:solidFill>
-                      <a:prstDash val="solid"/>
-                      <a:round/>
-                      <a:headEnd type="none" w="med" len="med"/>
-                      <a:tailEnd type="none" w="med" len="med"/>
-                    </a:lnR>
-                    <a:lnT w="6350" cap="flat" cmpd="sng" algn="ctr">
-                      <a:solidFill>
-                        <a:srgbClr val="000000"/>
-                      </a:solidFill>
-                      <a:prstDash val="solid"/>
-                      <a:round/>
-                      <a:headEnd type="none" w="med" len="med"/>
-                      <a:tailEnd type="none" w="med" len="med"/>
-                    </a:lnT>
-                    <a:lnB w="6350" cap="flat" cmpd="sng" algn="ctr">
-                      <a:solidFill>
-                        <a:srgbClr val="000000"/>
-                      </a:solidFill>
-                      <a:prstDash val="solid"/>
-                      <a:round/>
-                      <a:headEnd type="none" w="med" len="med"/>
-                      <a:tailEnd type="none" w="med" len="med"/>
-                    </a:lnB>
-                  </a:tcPr>
-                </a:tc>
-                <a:tc>
-                  <a:txBody>
-                    <a:bodyPr/>
-                    <a:lstStyle/>
-                    <a:p>
-                      <a:pPr algn="ctr" fontAlgn="b"/>
-                      <a:r>
-                        <a:rPr lang="en-US" sz="1100" b="0" i="0" u="none" strike="noStrike" dirty="0">
-                          <a:solidFill>
-                            <a:srgbClr val="000000"/>
-                          </a:solidFill>
-                          <a:effectLst/>
-                          <a:latin typeface="Calibri" panose="020F0502020204030204" pitchFamily="34" charset="0"/>
-                        </a:rPr>
-                        <a:t>46,480,471</a:t>
-                      </a:r>
-                    </a:p>
-                  </a:txBody>
-                  <a:tcPr marL="6350" marR="6350" marT="6350" marB="0" anchor="b">
-                    <a:lnL w="6350" cap="flat" cmpd="sng" algn="ctr">
-                      <a:solidFill>
-                        <a:srgbClr val="000000"/>
-                      </a:solidFill>
-                      <a:prstDash val="solid"/>
-                      <a:round/>
-                      <a:headEnd type="none" w="med" len="med"/>
-                      <a:tailEnd type="none" w="med" len="med"/>
-                    </a:lnL>
-                    <a:lnR w="6350" cap="flat" cmpd="sng" algn="ctr">
-                      <a:solidFill>
-                        <a:srgbClr val="000000"/>
-                      </a:solidFill>
-                      <a:prstDash val="solid"/>
-                      <a:round/>
-                      <a:headEnd type="none" w="med" len="med"/>
-                      <a:tailEnd type="none" w="med" len="med"/>
-                    </a:lnR>
-                    <a:lnT w="6350" cap="flat" cmpd="sng" algn="ctr">
-                      <a:solidFill>
-                        <a:srgbClr val="000000"/>
-                      </a:solidFill>
-                      <a:prstDash val="solid"/>
-                      <a:round/>
-                      <a:headEnd type="none" w="med" len="med"/>
-                      <a:tailEnd type="none" w="med" len="med"/>
-                    </a:lnT>
-                    <a:lnB w="6350" cap="flat" cmpd="sng" algn="ctr">
-                      <a:solidFill>
-                        <a:srgbClr val="000000"/>
-                      </a:solidFill>
-                      <a:prstDash val="solid"/>
-                      <a:round/>
-                      <a:headEnd type="none" w="med" len="med"/>
-                      <a:tailEnd type="none" w="med" len="med"/>
-                    </a:lnB>
-                  </a:tcPr>
-                </a:tc>
-                <a:extLst>
-                  <a:ext uri="{0D108BD9-81ED-4DB2-BD59-A6C34878D82A}">
-                    <a16:rowId xmlns:a16="http://schemas.microsoft.com/office/drawing/2014/main" val="3227034380"/>
-                  </a:ext>
-                </a:extLst>
-              </a:tr>
-              <a:tr h="222999">
-                <a:tc>
-                  <a:txBody>
-                    <a:bodyPr/>
-                    <a:lstStyle/>
-                    <a:p>
-                      <a:pPr algn="ctr" fontAlgn="b"/>
-                      <a:r>
-                        <a:rPr lang="en-US" sz="1100" b="0" i="0" u="none" strike="noStrike">
-                          <a:solidFill>
-                            <a:srgbClr val="000000"/>
-                          </a:solidFill>
-                          <a:effectLst/>
-                          <a:latin typeface="Calibri" panose="020F0502020204030204" pitchFamily="34" charset="0"/>
-                        </a:rPr>
-                        <a:t>MD-R-EB-3</a:t>
-                      </a:r>
-                    </a:p>
-                  </a:txBody>
-                  <a:tcPr marL="6350" marR="6350" marT="6350" marB="0" anchor="b">
-                    <a:lnL w="6350" cap="flat" cmpd="sng" algn="ctr">
-                      <a:solidFill>
-                        <a:srgbClr val="000000"/>
-                      </a:solidFill>
-                      <a:prstDash val="solid"/>
-                      <a:round/>
-                      <a:headEnd type="none" w="med" len="med"/>
-                      <a:tailEnd type="none" w="med" len="med"/>
-                    </a:lnL>
-                    <a:lnR w="6350" cap="flat" cmpd="sng" algn="ctr">
-                      <a:solidFill>
-                        <a:srgbClr val="000000"/>
-                      </a:solidFill>
-                      <a:prstDash val="solid"/>
-                      <a:round/>
-                      <a:headEnd type="none" w="med" len="med"/>
-                      <a:tailEnd type="none" w="med" len="med"/>
-                    </a:lnR>
-                    <a:lnT w="6350" cap="flat" cmpd="sng" algn="ctr">
-                      <a:solidFill>
-                        <a:srgbClr val="000000"/>
-                      </a:solidFill>
-                      <a:prstDash val="solid"/>
-                      <a:round/>
-                      <a:headEnd type="none" w="med" len="med"/>
-                      <a:tailEnd type="none" w="med" len="med"/>
-                    </a:lnT>
-                    <a:lnB w="6350" cap="flat" cmpd="sng" algn="ctr">
-                      <a:solidFill>
-                        <a:srgbClr val="000000"/>
-                      </a:solidFill>
-                      <a:prstDash val="solid"/>
-                      <a:round/>
-                      <a:headEnd type="none" w="med" len="med"/>
-                      <a:tailEnd type="none" w="med" len="med"/>
-                    </a:lnB>
-                  </a:tcPr>
-                </a:tc>
-                <a:tc>
-                  <a:txBody>
-                    <a:bodyPr/>
-                    <a:lstStyle/>
-                    <a:p>
-                      <a:pPr algn="ctr" fontAlgn="b"/>
-                      <a:r>
-                        <a:rPr lang="en-US" sz="1100" b="0" i="0" u="none" strike="noStrike">
-                          <a:solidFill>
-                            <a:srgbClr val="000000"/>
-                          </a:solidFill>
-                          <a:effectLst/>
-                          <a:latin typeface="Calibri" panose="020F0502020204030204" pitchFamily="34" charset="0"/>
-                        </a:rPr>
-                        <a:t>40,853,439</a:t>
-                      </a:r>
-                    </a:p>
-                  </a:txBody>
-                  <a:tcPr marL="6350" marR="6350" marT="6350" marB="0" anchor="b">
-                    <a:lnL w="6350" cap="flat" cmpd="sng" algn="ctr">
-                      <a:solidFill>
-                        <a:srgbClr val="000000"/>
-                      </a:solidFill>
-                      <a:prstDash val="solid"/>
-                      <a:round/>
-                      <a:headEnd type="none" w="med" len="med"/>
-                      <a:tailEnd type="none" w="med" len="med"/>
-                    </a:lnL>
-                    <a:lnR w="6350" cap="flat" cmpd="sng" algn="ctr">
-                      <a:solidFill>
-                        <a:srgbClr val="000000"/>
-                      </a:solidFill>
-                      <a:prstDash val="solid"/>
-                      <a:round/>
-                      <a:headEnd type="none" w="med" len="med"/>
-                      <a:tailEnd type="none" w="med" len="med"/>
-                    </a:lnR>
-                    <a:lnT w="6350" cap="flat" cmpd="sng" algn="ctr">
-                      <a:solidFill>
-                        <a:srgbClr val="000000"/>
-                      </a:solidFill>
-                      <a:prstDash val="solid"/>
-                      <a:round/>
-                      <a:headEnd type="none" w="med" len="med"/>
-                      <a:tailEnd type="none" w="med" len="med"/>
-                    </a:lnT>
-                    <a:lnB w="6350" cap="flat" cmpd="sng" algn="ctr">
-                      <a:solidFill>
-                        <a:srgbClr val="000000"/>
-                      </a:solidFill>
-                      <a:prstDash val="solid"/>
-                      <a:round/>
-                      <a:headEnd type="none" w="med" len="med"/>
-                      <a:tailEnd type="none" w="med" len="med"/>
-                    </a:lnB>
-                  </a:tcPr>
-                </a:tc>
-                <a:tc>
-                  <a:txBody>
-                    <a:bodyPr/>
-                    <a:lstStyle/>
-                    <a:p>
-                      <a:pPr algn="ctr" fontAlgn="b"/>
-                      <a:r>
-                        <a:rPr lang="en-US" sz="1100" b="0" i="0" u="none" strike="noStrike" dirty="0">
-                          <a:solidFill>
-                            <a:srgbClr val="000000"/>
-                          </a:solidFill>
-                          <a:effectLst/>
-                          <a:latin typeface="Calibri" panose="020F0502020204030204" pitchFamily="34" charset="0"/>
-                        </a:rPr>
-                        <a:t>40,844,519</a:t>
-                      </a:r>
-                    </a:p>
-                  </a:txBody>
-                  <a:tcPr marL="6350" marR="6350" marT="6350" marB="0" anchor="b">
-                    <a:lnL w="6350" cap="flat" cmpd="sng" algn="ctr">
-                      <a:solidFill>
-                        <a:srgbClr val="000000"/>
-                      </a:solidFill>
-                      <a:prstDash val="solid"/>
-                      <a:round/>
-                      <a:headEnd type="none" w="med" len="med"/>
-                      <a:tailEnd type="none" w="med" len="med"/>
-                    </a:lnL>
-                    <a:lnR w="6350" cap="flat" cmpd="sng" algn="ctr">
-                      <a:solidFill>
-                        <a:srgbClr val="000000"/>
-                      </a:solidFill>
-                      <a:prstDash val="solid"/>
-                      <a:round/>
-                      <a:headEnd type="none" w="med" len="med"/>
-                      <a:tailEnd type="none" w="med" len="med"/>
-                    </a:lnR>
-                    <a:lnT w="6350" cap="flat" cmpd="sng" algn="ctr">
-                      <a:solidFill>
-                        <a:srgbClr val="000000"/>
-                      </a:solidFill>
-                      <a:prstDash val="solid"/>
-                      <a:round/>
-                      <a:headEnd type="none" w="med" len="med"/>
-                      <a:tailEnd type="none" w="med" len="med"/>
-                    </a:lnT>
-                    <a:lnB w="6350" cap="flat" cmpd="sng" algn="ctr">
-                      <a:solidFill>
-                        <a:srgbClr val="000000"/>
-                      </a:solidFill>
-                      <a:prstDash val="solid"/>
-                      <a:round/>
-                      <a:headEnd type="none" w="med" len="med"/>
-                      <a:tailEnd type="none" w="med" len="med"/>
-                    </a:lnB>
-                  </a:tcPr>
-                </a:tc>
-                <a:extLst>
-                  <a:ext uri="{0D108BD9-81ED-4DB2-BD59-A6C34878D82A}">
-                    <a16:rowId xmlns:a16="http://schemas.microsoft.com/office/drawing/2014/main" val="280709730"/>
-                  </a:ext>
-                </a:extLst>
-              </a:tr>
-              <a:tr h="222999">
-                <a:tc>
-                  <a:txBody>
-                    <a:bodyPr/>
-                    <a:lstStyle/>
-                    <a:p>
-                      <a:pPr algn="ctr" fontAlgn="b"/>
-                      <a:r>
-                        <a:rPr lang="en-US" sz="1100" b="0" i="0" u="none" strike="noStrike">
-                          <a:solidFill>
-                            <a:srgbClr val="000000"/>
-                          </a:solidFill>
-                          <a:effectLst/>
-                          <a:latin typeface="Calibri" panose="020F0502020204030204" pitchFamily="34" charset="0"/>
-                        </a:rPr>
-                        <a:t>MD-R-EB-4</a:t>
-                      </a:r>
-                    </a:p>
-                  </a:txBody>
-                  <a:tcPr marL="6350" marR="6350" marT="6350" marB="0" anchor="b">
-                    <a:lnL w="6350" cap="flat" cmpd="sng" algn="ctr">
-                      <a:solidFill>
-                        <a:srgbClr val="000000"/>
-                      </a:solidFill>
-                      <a:prstDash val="solid"/>
-                      <a:round/>
-                      <a:headEnd type="none" w="med" len="med"/>
-                      <a:tailEnd type="none" w="med" len="med"/>
-                    </a:lnL>
-                    <a:lnR w="6350" cap="flat" cmpd="sng" algn="ctr">
-                      <a:solidFill>
-                        <a:srgbClr val="000000"/>
-                      </a:solidFill>
-                      <a:prstDash val="solid"/>
-                      <a:round/>
-                      <a:headEnd type="none" w="med" len="med"/>
-                      <a:tailEnd type="none" w="med" len="med"/>
-                    </a:lnR>
-                    <a:lnT w="6350" cap="flat" cmpd="sng" algn="ctr">
-                      <a:solidFill>
-                        <a:srgbClr val="000000"/>
-                      </a:solidFill>
-                      <a:prstDash val="solid"/>
-                      <a:round/>
-                      <a:headEnd type="none" w="med" len="med"/>
-                      <a:tailEnd type="none" w="med" len="med"/>
-                    </a:lnT>
-                    <a:lnB w="6350" cap="flat" cmpd="sng" algn="ctr">
-                      <a:solidFill>
-                        <a:srgbClr val="000000"/>
-                      </a:solidFill>
-                      <a:prstDash val="solid"/>
-                      <a:round/>
-                      <a:headEnd type="none" w="med" len="med"/>
-                      <a:tailEnd type="none" w="med" len="med"/>
-                    </a:lnB>
-                  </a:tcPr>
-                </a:tc>
-                <a:tc>
-                  <a:txBody>
-                    <a:bodyPr/>
-                    <a:lstStyle/>
-                    <a:p>
-                      <a:pPr algn="ctr" fontAlgn="b"/>
-                      <a:r>
-                        <a:rPr lang="en-US" sz="1100" b="0" i="0" u="none" strike="noStrike">
-                          <a:solidFill>
-                            <a:srgbClr val="000000"/>
-                          </a:solidFill>
-                          <a:effectLst/>
-                          <a:latin typeface="Calibri" panose="020F0502020204030204" pitchFamily="34" charset="0"/>
-                        </a:rPr>
-                        <a:t>32,206,594</a:t>
-                      </a:r>
-                    </a:p>
-                  </a:txBody>
-                  <a:tcPr marL="6350" marR="6350" marT="6350" marB="0" anchor="b">
-                    <a:lnL w="6350" cap="flat" cmpd="sng" algn="ctr">
-                      <a:solidFill>
-                        <a:srgbClr val="000000"/>
-                      </a:solidFill>
-                      <a:prstDash val="solid"/>
-                      <a:round/>
-                      <a:headEnd type="none" w="med" len="med"/>
-                      <a:tailEnd type="none" w="med" len="med"/>
-                    </a:lnL>
-                    <a:lnR w="6350" cap="flat" cmpd="sng" algn="ctr">
-                      <a:solidFill>
-                        <a:srgbClr val="000000"/>
-                      </a:solidFill>
-                      <a:prstDash val="solid"/>
-                      <a:round/>
-                      <a:headEnd type="none" w="med" len="med"/>
-                      <a:tailEnd type="none" w="med" len="med"/>
-                    </a:lnR>
-                    <a:lnT w="6350" cap="flat" cmpd="sng" algn="ctr">
-                      <a:solidFill>
-                        <a:srgbClr val="000000"/>
-                      </a:solidFill>
-                      <a:prstDash val="solid"/>
-                      <a:round/>
-                      <a:headEnd type="none" w="med" len="med"/>
-                      <a:tailEnd type="none" w="med" len="med"/>
-                    </a:lnT>
-                    <a:lnB w="6350" cap="flat" cmpd="sng" algn="ctr">
-                      <a:solidFill>
-                        <a:srgbClr val="000000"/>
-                      </a:solidFill>
-                      <a:prstDash val="solid"/>
-                      <a:round/>
-                      <a:headEnd type="none" w="med" len="med"/>
-                      <a:tailEnd type="none" w="med" len="med"/>
-                    </a:lnB>
-                  </a:tcPr>
-                </a:tc>
-                <a:tc>
-                  <a:txBody>
-                    <a:bodyPr/>
-                    <a:lstStyle/>
-                    <a:p>
-                      <a:pPr algn="ctr" fontAlgn="b"/>
-                      <a:r>
-                        <a:rPr lang="en-US" sz="1100" b="0" i="0" u="none" strike="noStrike" dirty="0">
-                          <a:solidFill>
-                            <a:srgbClr val="000000"/>
-                          </a:solidFill>
-                          <a:effectLst/>
-                          <a:latin typeface="Calibri" panose="020F0502020204030204" pitchFamily="34" charset="0"/>
-                        </a:rPr>
-                        <a:t>32,202,135</a:t>
-                      </a:r>
-                    </a:p>
-                  </a:txBody>
-                  <a:tcPr marL="6350" marR="6350" marT="6350" marB="0" anchor="b">
-                    <a:lnL w="6350" cap="flat" cmpd="sng" algn="ctr">
-                      <a:solidFill>
-                        <a:srgbClr val="000000"/>
-                      </a:solidFill>
-                      <a:prstDash val="solid"/>
-                      <a:round/>
-                      <a:headEnd type="none" w="med" len="med"/>
-                      <a:tailEnd type="none" w="med" len="med"/>
-                    </a:lnL>
-                    <a:lnR w="6350" cap="flat" cmpd="sng" algn="ctr">
-                      <a:solidFill>
-                        <a:srgbClr val="000000"/>
-                      </a:solidFill>
-                      <a:prstDash val="solid"/>
-                      <a:round/>
-                      <a:headEnd type="none" w="med" len="med"/>
-                      <a:tailEnd type="none" w="med" len="med"/>
-                    </a:lnR>
-                    <a:lnT w="6350" cap="flat" cmpd="sng" algn="ctr">
-                      <a:solidFill>
-                        <a:srgbClr val="000000"/>
-                      </a:solidFill>
-                      <a:prstDash val="solid"/>
-                      <a:round/>
-                      <a:headEnd type="none" w="med" len="med"/>
-                      <a:tailEnd type="none" w="med" len="med"/>
-                    </a:lnT>
-                    <a:lnB w="6350" cap="flat" cmpd="sng" algn="ctr">
-                      <a:solidFill>
-                        <a:srgbClr val="000000"/>
-                      </a:solidFill>
-                      <a:prstDash val="solid"/>
-                      <a:round/>
-                      <a:headEnd type="none" w="med" len="med"/>
-                      <a:tailEnd type="none" w="med" len="med"/>
-                    </a:lnB>
-                  </a:tcPr>
-                </a:tc>
-                <a:extLst>
-                  <a:ext uri="{0D108BD9-81ED-4DB2-BD59-A6C34878D82A}">
-                    <a16:rowId xmlns:a16="http://schemas.microsoft.com/office/drawing/2014/main" val="482525645"/>
-                  </a:ext>
-                </a:extLst>
-              </a:tr>
-              <a:tr h="222999">
-                <a:tc>
-                  <a:txBody>
-                    <a:bodyPr/>
-                    <a:lstStyle/>
-                    <a:p>
-                      <a:pPr algn="ctr" fontAlgn="b"/>
-                      <a:r>
-                        <a:rPr lang="en-US" sz="1100" b="0" i="0" u="none" strike="noStrike">
-                          <a:solidFill>
-                            <a:srgbClr val="000000"/>
-                          </a:solidFill>
-                          <a:effectLst/>
-                          <a:latin typeface="Calibri" panose="020F0502020204030204" pitchFamily="34" charset="0"/>
-                        </a:rPr>
-                        <a:t>MD-R-EB-5</a:t>
-                      </a:r>
-                    </a:p>
-                  </a:txBody>
-                  <a:tcPr marL="6350" marR="6350" marT="6350" marB="0" anchor="b">
-                    <a:lnL w="6350" cap="flat" cmpd="sng" algn="ctr">
-                      <a:solidFill>
-                        <a:srgbClr val="000000"/>
-                      </a:solidFill>
-                      <a:prstDash val="solid"/>
-                      <a:round/>
-                      <a:headEnd type="none" w="med" len="med"/>
-                      <a:tailEnd type="none" w="med" len="med"/>
-                    </a:lnL>
-                    <a:lnR w="6350" cap="flat" cmpd="sng" algn="ctr">
-                      <a:solidFill>
-                        <a:srgbClr val="000000"/>
-                      </a:solidFill>
-                      <a:prstDash val="solid"/>
-                      <a:round/>
-                      <a:headEnd type="none" w="med" len="med"/>
-                      <a:tailEnd type="none" w="med" len="med"/>
-                    </a:lnR>
-                    <a:lnT w="6350" cap="flat" cmpd="sng" algn="ctr">
-                      <a:solidFill>
-                        <a:srgbClr val="000000"/>
-                      </a:solidFill>
-                      <a:prstDash val="solid"/>
-                      <a:round/>
-                      <a:headEnd type="none" w="med" len="med"/>
-                      <a:tailEnd type="none" w="med" len="med"/>
-                    </a:lnT>
-                    <a:lnB w="6350" cap="flat" cmpd="sng" algn="ctr">
-                      <a:solidFill>
-                        <a:srgbClr val="000000"/>
-                      </a:solidFill>
-                      <a:prstDash val="solid"/>
-                      <a:round/>
-                      <a:headEnd type="none" w="med" len="med"/>
-                      <a:tailEnd type="none" w="med" len="med"/>
-                    </a:lnB>
-                  </a:tcPr>
-                </a:tc>
-                <a:tc>
-                  <a:txBody>
-                    <a:bodyPr/>
-                    <a:lstStyle/>
-                    <a:p>
-                      <a:pPr algn="ctr" fontAlgn="b"/>
-                      <a:r>
-                        <a:rPr lang="en-US" sz="1100" b="0" i="0" u="none" strike="noStrike">
-                          <a:solidFill>
-                            <a:srgbClr val="000000"/>
-                          </a:solidFill>
-                          <a:effectLst/>
-                          <a:latin typeface="Calibri" panose="020F0502020204030204" pitchFamily="34" charset="0"/>
-                        </a:rPr>
-                        <a:t>56,833,633</a:t>
-                      </a:r>
-                    </a:p>
-                  </a:txBody>
-                  <a:tcPr marL="6350" marR="6350" marT="6350" marB="0" anchor="b">
-                    <a:lnL w="6350" cap="flat" cmpd="sng" algn="ctr">
-                      <a:solidFill>
-                        <a:srgbClr val="000000"/>
-                      </a:solidFill>
-                      <a:prstDash val="solid"/>
-                      <a:round/>
-                      <a:headEnd type="none" w="med" len="med"/>
-                      <a:tailEnd type="none" w="med" len="med"/>
-                    </a:lnL>
-                    <a:lnR w="6350" cap="flat" cmpd="sng" algn="ctr">
-                      <a:solidFill>
-                        <a:srgbClr val="000000"/>
-                      </a:solidFill>
-                      <a:prstDash val="solid"/>
-                      <a:round/>
-                      <a:headEnd type="none" w="med" len="med"/>
-                      <a:tailEnd type="none" w="med" len="med"/>
-                    </a:lnR>
-                    <a:lnT w="6350" cap="flat" cmpd="sng" algn="ctr">
-                      <a:solidFill>
-                        <a:srgbClr val="000000"/>
-                      </a:solidFill>
-                      <a:prstDash val="solid"/>
-                      <a:round/>
-                      <a:headEnd type="none" w="med" len="med"/>
-                      <a:tailEnd type="none" w="med" len="med"/>
-                    </a:lnT>
-                    <a:lnB w="6350" cap="flat" cmpd="sng" algn="ctr">
-                      <a:solidFill>
-                        <a:srgbClr val="000000"/>
-                      </a:solidFill>
-                      <a:prstDash val="solid"/>
-                      <a:round/>
-                      <a:headEnd type="none" w="med" len="med"/>
-                      <a:tailEnd type="none" w="med" len="med"/>
-                    </a:lnB>
-                  </a:tcPr>
-                </a:tc>
-                <a:tc>
-                  <a:txBody>
-                    <a:bodyPr/>
-                    <a:lstStyle/>
-                    <a:p>
-                      <a:pPr algn="ctr" fontAlgn="b"/>
-                      <a:r>
-                        <a:rPr lang="en-US" sz="1100" b="0" i="0" u="none" strike="noStrike" dirty="0">
-                          <a:solidFill>
-                            <a:srgbClr val="000000"/>
-                          </a:solidFill>
-                          <a:effectLst/>
-                          <a:latin typeface="Calibri" panose="020F0502020204030204" pitchFamily="34" charset="0"/>
-                        </a:rPr>
-                        <a:t>56,818,908</a:t>
-                      </a:r>
-                    </a:p>
-                  </a:txBody>
-                  <a:tcPr marL="6350" marR="6350" marT="6350" marB="0" anchor="b">
-                    <a:lnL w="6350" cap="flat" cmpd="sng" algn="ctr">
-                      <a:solidFill>
-                        <a:srgbClr val="000000"/>
-                      </a:solidFill>
-                      <a:prstDash val="solid"/>
-                      <a:round/>
-                      <a:headEnd type="none" w="med" len="med"/>
-                      <a:tailEnd type="none" w="med" len="med"/>
-                    </a:lnL>
-                    <a:lnR w="6350" cap="flat" cmpd="sng" algn="ctr">
-                      <a:solidFill>
-                        <a:srgbClr val="000000"/>
-                      </a:solidFill>
-                      <a:prstDash val="solid"/>
-                      <a:round/>
-                      <a:headEnd type="none" w="med" len="med"/>
-                      <a:tailEnd type="none" w="med" len="med"/>
-                    </a:lnR>
-                    <a:lnT w="6350" cap="flat" cmpd="sng" algn="ctr">
-                      <a:solidFill>
-                        <a:srgbClr val="000000"/>
-                      </a:solidFill>
-                      <a:prstDash val="solid"/>
-                      <a:round/>
-                      <a:headEnd type="none" w="med" len="med"/>
-                      <a:tailEnd type="none" w="med" len="med"/>
-                    </a:lnT>
-                    <a:lnB w="6350" cap="flat" cmpd="sng" algn="ctr">
-                      <a:solidFill>
-                        <a:srgbClr val="000000"/>
-                      </a:solidFill>
-                      <a:prstDash val="solid"/>
-                      <a:round/>
-                      <a:headEnd type="none" w="med" len="med"/>
-                      <a:tailEnd type="none" w="med" len="med"/>
-                    </a:lnB>
-                  </a:tcPr>
-                </a:tc>
-                <a:extLst>
-                  <a:ext uri="{0D108BD9-81ED-4DB2-BD59-A6C34878D82A}">
-                    <a16:rowId xmlns:a16="http://schemas.microsoft.com/office/drawing/2014/main" val="2629729562"/>
-                  </a:ext>
-                </a:extLst>
-              </a:tr>
-              <a:tr h="222999">
-                <a:tc>
-                  <a:txBody>
-                    <a:bodyPr/>
-                    <a:lstStyle/>
-                    <a:p>
-                      <a:pPr algn="ctr" fontAlgn="b"/>
-                      <a:r>
-                        <a:rPr lang="en-US" sz="1100" b="0" i="0" u="none" strike="noStrike">
-                          <a:solidFill>
-                            <a:srgbClr val="000000"/>
-                          </a:solidFill>
-                          <a:effectLst/>
-                          <a:latin typeface="Calibri" panose="020F0502020204030204" pitchFamily="34" charset="0"/>
-                        </a:rPr>
-                        <a:t>MD-R-EB-6</a:t>
-                      </a:r>
-                    </a:p>
-                  </a:txBody>
-                  <a:tcPr marL="6350" marR="6350" marT="6350" marB="0" anchor="b">
-                    <a:lnL w="6350" cap="flat" cmpd="sng" algn="ctr">
-                      <a:solidFill>
-                        <a:srgbClr val="000000"/>
-                      </a:solidFill>
-                      <a:prstDash val="solid"/>
-                      <a:round/>
-                      <a:headEnd type="none" w="med" len="med"/>
-                      <a:tailEnd type="none" w="med" len="med"/>
-                    </a:lnL>
-                    <a:lnR w="6350" cap="flat" cmpd="sng" algn="ctr">
-                      <a:solidFill>
-                        <a:srgbClr val="000000"/>
-                      </a:solidFill>
-                      <a:prstDash val="solid"/>
-                      <a:round/>
-                      <a:headEnd type="none" w="med" len="med"/>
-                      <a:tailEnd type="none" w="med" len="med"/>
-                    </a:lnR>
-                    <a:lnT w="6350" cap="flat" cmpd="sng" algn="ctr">
-                      <a:solidFill>
-                        <a:srgbClr val="000000"/>
-                      </a:solidFill>
-                      <a:prstDash val="solid"/>
-                      <a:round/>
-                      <a:headEnd type="none" w="med" len="med"/>
-                      <a:tailEnd type="none" w="med" len="med"/>
-                    </a:lnT>
-                    <a:lnB w="6350" cap="flat" cmpd="sng" algn="ctr">
-                      <a:solidFill>
-                        <a:srgbClr val="000000"/>
-                      </a:solidFill>
-                      <a:prstDash val="solid"/>
-                      <a:round/>
-                      <a:headEnd type="none" w="med" len="med"/>
-                      <a:tailEnd type="none" w="med" len="med"/>
-                    </a:lnB>
-                  </a:tcPr>
-                </a:tc>
-                <a:tc>
-                  <a:txBody>
-                    <a:bodyPr/>
-                    <a:lstStyle/>
-                    <a:p>
-                      <a:pPr algn="ctr" fontAlgn="b"/>
-                      <a:r>
-                        <a:rPr lang="en-US" sz="1100" b="0" i="0" u="none" strike="noStrike">
-                          <a:solidFill>
-                            <a:srgbClr val="000000"/>
-                          </a:solidFill>
-                          <a:effectLst/>
-                          <a:latin typeface="Calibri" panose="020F0502020204030204" pitchFamily="34" charset="0"/>
-                        </a:rPr>
-                        <a:t>27,191,032</a:t>
-                      </a:r>
-                    </a:p>
-                  </a:txBody>
-                  <a:tcPr marL="6350" marR="6350" marT="6350" marB="0" anchor="b">
-                    <a:lnL w="6350" cap="flat" cmpd="sng" algn="ctr">
-                      <a:solidFill>
-                        <a:srgbClr val="000000"/>
-                      </a:solidFill>
-                      <a:prstDash val="solid"/>
-                      <a:round/>
-                      <a:headEnd type="none" w="med" len="med"/>
-                      <a:tailEnd type="none" w="med" len="med"/>
-                    </a:lnL>
-                    <a:lnR w="6350" cap="flat" cmpd="sng" algn="ctr">
-                      <a:solidFill>
-                        <a:srgbClr val="000000"/>
-                      </a:solidFill>
-                      <a:prstDash val="solid"/>
-                      <a:round/>
-                      <a:headEnd type="none" w="med" len="med"/>
-                      <a:tailEnd type="none" w="med" len="med"/>
-                    </a:lnR>
-                    <a:lnT w="6350" cap="flat" cmpd="sng" algn="ctr">
-                      <a:solidFill>
-                        <a:srgbClr val="000000"/>
-                      </a:solidFill>
-                      <a:prstDash val="solid"/>
-                      <a:round/>
-                      <a:headEnd type="none" w="med" len="med"/>
-                      <a:tailEnd type="none" w="med" len="med"/>
-                    </a:lnT>
-                    <a:lnB w="6350" cap="flat" cmpd="sng" algn="ctr">
-                      <a:solidFill>
-                        <a:srgbClr val="000000"/>
-                      </a:solidFill>
-                      <a:prstDash val="solid"/>
-                      <a:round/>
-                      <a:headEnd type="none" w="med" len="med"/>
-                      <a:tailEnd type="none" w="med" len="med"/>
-                    </a:lnB>
-                  </a:tcPr>
-                </a:tc>
-                <a:tc>
-                  <a:txBody>
-                    <a:bodyPr/>
-                    <a:lstStyle/>
-                    <a:p>
-                      <a:pPr algn="ctr" fontAlgn="b"/>
-                      <a:r>
-                        <a:rPr lang="en-US" sz="1100" b="0" i="0" u="none" strike="noStrike" dirty="0">
-                          <a:solidFill>
-                            <a:srgbClr val="000000"/>
-                          </a:solidFill>
-                          <a:effectLst/>
-                          <a:latin typeface="Calibri" panose="020F0502020204030204" pitchFamily="34" charset="0"/>
-                        </a:rPr>
-                        <a:t>27,174,716</a:t>
-                      </a:r>
-                    </a:p>
-                  </a:txBody>
-                  <a:tcPr marL="6350" marR="6350" marT="6350" marB="0" anchor="b">
-                    <a:lnL w="6350" cap="flat" cmpd="sng" algn="ctr">
-                      <a:solidFill>
-                        <a:srgbClr val="000000"/>
-                      </a:solidFill>
-                      <a:prstDash val="solid"/>
-                      <a:round/>
-                      <a:headEnd type="none" w="med" len="med"/>
-                      <a:tailEnd type="none" w="med" len="med"/>
-                    </a:lnL>
-                    <a:lnR w="6350" cap="flat" cmpd="sng" algn="ctr">
-                      <a:solidFill>
-                        <a:srgbClr val="000000"/>
-                      </a:solidFill>
-                      <a:prstDash val="solid"/>
-                      <a:round/>
-                      <a:headEnd type="none" w="med" len="med"/>
-                      <a:tailEnd type="none" w="med" len="med"/>
-                    </a:lnR>
-                    <a:lnT w="6350" cap="flat" cmpd="sng" algn="ctr">
-                      <a:solidFill>
-                        <a:srgbClr val="000000"/>
-                      </a:solidFill>
-                      <a:prstDash val="solid"/>
-                      <a:round/>
-                      <a:headEnd type="none" w="med" len="med"/>
-                      <a:tailEnd type="none" w="med" len="med"/>
-                    </a:lnT>
-                    <a:lnB w="6350" cap="flat" cmpd="sng" algn="ctr">
-                      <a:solidFill>
-                        <a:srgbClr val="000000"/>
-                      </a:solidFill>
-                      <a:prstDash val="solid"/>
-                      <a:round/>
-                      <a:headEnd type="none" w="med" len="med"/>
-                      <a:tailEnd type="none" w="med" len="med"/>
-                    </a:lnB>
-                  </a:tcPr>
-                </a:tc>
-                <a:extLst>
-                  <a:ext uri="{0D108BD9-81ED-4DB2-BD59-A6C34878D82A}">
-                    <a16:rowId xmlns:a16="http://schemas.microsoft.com/office/drawing/2014/main" val="2385449682"/>
-                  </a:ext>
-                </a:extLst>
-              </a:tr>
-              <a:tr h="222999">
-                <a:tc>
-                  <a:txBody>
-                    <a:bodyPr/>
-                    <a:lstStyle/>
-                    <a:p>
-                      <a:pPr algn="ctr" fontAlgn="b"/>
-                      <a:r>
-                        <a:rPr lang="en-US" sz="1100" b="0" i="0" u="none" strike="noStrike">
-                          <a:solidFill>
-                            <a:srgbClr val="000000"/>
-                          </a:solidFill>
-                          <a:effectLst/>
-                          <a:latin typeface="Calibri" panose="020F0502020204030204" pitchFamily="34" charset="0"/>
-                        </a:rPr>
-                        <a:t>MD-R-EB-7</a:t>
-                      </a:r>
-                    </a:p>
-                  </a:txBody>
-                  <a:tcPr marL="6350" marR="6350" marT="6350" marB="0" anchor="b">
-                    <a:lnL w="6350" cap="flat" cmpd="sng" algn="ctr">
-                      <a:solidFill>
-                        <a:srgbClr val="000000"/>
-                      </a:solidFill>
-                      <a:prstDash val="solid"/>
-                      <a:round/>
-                      <a:headEnd type="none" w="med" len="med"/>
-                      <a:tailEnd type="none" w="med" len="med"/>
-                    </a:lnL>
-                    <a:lnR w="6350" cap="flat" cmpd="sng" algn="ctr">
-                      <a:solidFill>
-                        <a:srgbClr val="000000"/>
-                      </a:solidFill>
-                      <a:prstDash val="solid"/>
-                      <a:round/>
-                      <a:headEnd type="none" w="med" len="med"/>
-                      <a:tailEnd type="none" w="med" len="med"/>
-                    </a:lnR>
-                    <a:lnT w="6350" cap="flat" cmpd="sng" algn="ctr">
-                      <a:solidFill>
-                        <a:srgbClr val="000000"/>
-                      </a:solidFill>
-                      <a:prstDash val="solid"/>
-                      <a:round/>
-                      <a:headEnd type="none" w="med" len="med"/>
-                      <a:tailEnd type="none" w="med" len="med"/>
-                    </a:lnT>
-                    <a:lnB w="6350" cap="flat" cmpd="sng" algn="ctr">
-                      <a:solidFill>
-                        <a:srgbClr val="000000"/>
-                      </a:solidFill>
-                      <a:prstDash val="solid"/>
-                      <a:round/>
-                      <a:headEnd type="none" w="med" len="med"/>
-                      <a:tailEnd type="none" w="med" len="med"/>
-                    </a:lnB>
-                  </a:tcPr>
-                </a:tc>
-                <a:tc>
-                  <a:txBody>
-                    <a:bodyPr/>
-                    <a:lstStyle/>
-                    <a:p>
-                      <a:pPr algn="ctr" fontAlgn="b"/>
-                      <a:r>
-                        <a:rPr lang="en-US" sz="1100" b="0" i="0" u="none" strike="noStrike">
-                          <a:solidFill>
-                            <a:srgbClr val="000000"/>
-                          </a:solidFill>
-                          <a:effectLst/>
-                          <a:latin typeface="Calibri" panose="020F0502020204030204" pitchFamily="34" charset="0"/>
-                        </a:rPr>
-                        <a:t>50,171,104</a:t>
-                      </a:r>
-                    </a:p>
-                  </a:txBody>
-                  <a:tcPr marL="6350" marR="6350" marT="6350" marB="0" anchor="b">
-                    <a:lnL w="6350" cap="flat" cmpd="sng" algn="ctr">
-                      <a:solidFill>
-                        <a:srgbClr val="000000"/>
-                      </a:solidFill>
-                      <a:prstDash val="solid"/>
-                      <a:round/>
-                      <a:headEnd type="none" w="med" len="med"/>
-                      <a:tailEnd type="none" w="med" len="med"/>
-                    </a:lnL>
-                    <a:lnR w="6350" cap="flat" cmpd="sng" algn="ctr">
-                      <a:solidFill>
-                        <a:srgbClr val="000000"/>
-                      </a:solidFill>
-                      <a:prstDash val="solid"/>
-                      <a:round/>
-                      <a:headEnd type="none" w="med" len="med"/>
-                      <a:tailEnd type="none" w="med" len="med"/>
-                    </a:lnR>
-                    <a:lnT w="6350" cap="flat" cmpd="sng" algn="ctr">
-                      <a:solidFill>
-                        <a:srgbClr val="000000"/>
-                      </a:solidFill>
-                      <a:prstDash val="solid"/>
-                      <a:round/>
-                      <a:headEnd type="none" w="med" len="med"/>
-                      <a:tailEnd type="none" w="med" len="med"/>
-                    </a:lnT>
-                    <a:lnB w="6350" cap="flat" cmpd="sng" algn="ctr">
-                      <a:solidFill>
-                        <a:srgbClr val="000000"/>
-                      </a:solidFill>
-                      <a:prstDash val="solid"/>
-                      <a:round/>
-                      <a:headEnd type="none" w="med" len="med"/>
-                      <a:tailEnd type="none" w="med" len="med"/>
-                    </a:lnB>
-                  </a:tcPr>
-                </a:tc>
-                <a:tc>
-                  <a:txBody>
-                    <a:bodyPr/>
-                    <a:lstStyle/>
-                    <a:p>
-                      <a:pPr algn="ctr" fontAlgn="b"/>
-                      <a:r>
-                        <a:rPr lang="en-US" sz="1100" b="0" i="0" u="none" strike="noStrike" dirty="0">
-                          <a:solidFill>
-                            <a:srgbClr val="000000"/>
-                          </a:solidFill>
-                          <a:effectLst/>
-                          <a:latin typeface="Calibri" panose="020F0502020204030204" pitchFamily="34" charset="0"/>
-                        </a:rPr>
-                        <a:t>50,157,734</a:t>
-                      </a:r>
-                    </a:p>
-                  </a:txBody>
-                  <a:tcPr marL="6350" marR="6350" marT="6350" marB="0" anchor="b">
-                    <a:lnL w="6350" cap="flat" cmpd="sng" algn="ctr">
-                      <a:solidFill>
-                        <a:srgbClr val="000000"/>
-                      </a:solidFill>
-                      <a:prstDash val="solid"/>
-                      <a:round/>
-                      <a:headEnd type="none" w="med" len="med"/>
-                      <a:tailEnd type="none" w="med" len="med"/>
-                    </a:lnL>
-                    <a:lnR w="6350" cap="flat" cmpd="sng" algn="ctr">
-                      <a:solidFill>
-                        <a:srgbClr val="000000"/>
-                      </a:solidFill>
-                      <a:prstDash val="solid"/>
-                      <a:round/>
-                      <a:headEnd type="none" w="med" len="med"/>
-                      <a:tailEnd type="none" w="med" len="med"/>
-                    </a:lnR>
-                    <a:lnT w="6350" cap="flat" cmpd="sng" algn="ctr">
-                      <a:solidFill>
-                        <a:srgbClr val="000000"/>
-                      </a:solidFill>
-                      <a:prstDash val="solid"/>
-                      <a:round/>
-                      <a:headEnd type="none" w="med" len="med"/>
-                      <a:tailEnd type="none" w="med" len="med"/>
-                    </a:lnT>
-                    <a:lnB w="6350" cap="flat" cmpd="sng" algn="ctr">
-                      <a:solidFill>
-                        <a:srgbClr val="000000"/>
-                      </a:solidFill>
-                      <a:prstDash val="solid"/>
-                      <a:round/>
-                      <a:headEnd type="none" w="med" len="med"/>
-                      <a:tailEnd type="none" w="med" len="med"/>
-                    </a:lnB>
-                  </a:tcPr>
-                </a:tc>
-                <a:extLst>
-                  <a:ext uri="{0D108BD9-81ED-4DB2-BD59-A6C34878D82A}">
-                    <a16:rowId xmlns:a16="http://schemas.microsoft.com/office/drawing/2014/main" val="3695991719"/>
-                  </a:ext>
-                </a:extLst>
-              </a:tr>
-              <a:tr h="222999">
-                <a:tc>
-                  <a:txBody>
-                    <a:bodyPr/>
-                    <a:lstStyle/>
-                    <a:p>
-                      <a:pPr algn="ctr" fontAlgn="b"/>
-                      <a:r>
-                        <a:rPr lang="en-US" sz="1100" b="0" i="0" u="none" strike="noStrike">
-                          <a:solidFill>
-                            <a:srgbClr val="000000"/>
-                          </a:solidFill>
-                          <a:effectLst/>
-                          <a:latin typeface="Calibri" panose="020F0502020204030204" pitchFamily="34" charset="0"/>
-                        </a:rPr>
-                        <a:t>MD-R-EB-8</a:t>
-                      </a:r>
-                    </a:p>
-                  </a:txBody>
-                  <a:tcPr marL="6350" marR="6350" marT="6350" marB="0" anchor="b">
-                    <a:lnL w="6350" cap="flat" cmpd="sng" algn="ctr">
-                      <a:solidFill>
-                        <a:srgbClr val="000000"/>
-                      </a:solidFill>
-                      <a:prstDash val="solid"/>
-                      <a:round/>
-                      <a:headEnd type="none" w="med" len="med"/>
-                      <a:tailEnd type="none" w="med" len="med"/>
-                    </a:lnL>
-                    <a:lnR w="6350" cap="flat" cmpd="sng" algn="ctr">
-                      <a:solidFill>
-                        <a:srgbClr val="000000"/>
-                      </a:solidFill>
-                      <a:prstDash val="solid"/>
-                      <a:round/>
-                      <a:headEnd type="none" w="med" len="med"/>
-                      <a:tailEnd type="none" w="med" len="med"/>
-                    </a:lnR>
-                    <a:lnT w="6350" cap="flat" cmpd="sng" algn="ctr">
-                      <a:solidFill>
-                        <a:srgbClr val="000000"/>
-                      </a:solidFill>
-                      <a:prstDash val="solid"/>
-                      <a:round/>
-                      <a:headEnd type="none" w="med" len="med"/>
-                      <a:tailEnd type="none" w="med" len="med"/>
-                    </a:lnT>
-                    <a:lnB w="6350" cap="flat" cmpd="sng" algn="ctr">
-                      <a:solidFill>
-                        <a:srgbClr val="000000"/>
-                      </a:solidFill>
-                      <a:prstDash val="solid"/>
-                      <a:round/>
-                      <a:headEnd type="none" w="med" len="med"/>
-                      <a:tailEnd type="none" w="med" len="med"/>
-                    </a:lnB>
-                  </a:tcPr>
-                </a:tc>
-                <a:tc>
-                  <a:txBody>
-                    <a:bodyPr/>
-                    <a:lstStyle/>
-                    <a:p>
-                      <a:pPr algn="ctr" fontAlgn="b"/>
-                      <a:r>
-                        <a:rPr lang="en-US" sz="1100" b="0" i="0" u="none" strike="noStrike">
-                          <a:solidFill>
-                            <a:srgbClr val="000000"/>
-                          </a:solidFill>
-                          <a:effectLst/>
-                          <a:latin typeface="Calibri" panose="020F0502020204030204" pitchFamily="34" charset="0"/>
-                        </a:rPr>
-                        <a:t>59,266,962</a:t>
-                      </a:r>
-                    </a:p>
-                  </a:txBody>
-                  <a:tcPr marL="6350" marR="6350" marT="6350" marB="0" anchor="b">
-                    <a:lnL w="6350" cap="flat" cmpd="sng" algn="ctr">
-                      <a:solidFill>
-                        <a:srgbClr val="000000"/>
-                      </a:solidFill>
-                      <a:prstDash val="solid"/>
-                      <a:round/>
-                      <a:headEnd type="none" w="med" len="med"/>
-                      <a:tailEnd type="none" w="med" len="med"/>
-                    </a:lnL>
-                    <a:lnR w="6350" cap="flat" cmpd="sng" algn="ctr">
-                      <a:solidFill>
-                        <a:srgbClr val="000000"/>
-                      </a:solidFill>
-                      <a:prstDash val="solid"/>
-                      <a:round/>
-                      <a:headEnd type="none" w="med" len="med"/>
-                      <a:tailEnd type="none" w="med" len="med"/>
-                    </a:lnR>
-                    <a:lnT w="6350" cap="flat" cmpd="sng" algn="ctr">
-                      <a:solidFill>
-                        <a:srgbClr val="000000"/>
-                      </a:solidFill>
-                      <a:prstDash val="solid"/>
-                      <a:round/>
-                      <a:headEnd type="none" w="med" len="med"/>
-                      <a:tailEnd type="none" w="med" len="med"/>
-                    </a:lnT>
-                    <a:lnB w="6350" cap="flat" cmpd="sng" algn="ctr">
-                      <a:solidFill>
-                        <a:srgbClr val="000000"/>
-                      </a:solidFill>
-                      <a:prstDash val="solid"/>
-                      <a:round/>
-                      <a:headEnd type="none" w="med" len="med"/>
-                      <a:tailEnd type="none" w="med" len="med"/>
-                    </a:lnB>
-                  </a:tcPr>
-                </a:tc>
-                <a:tc>
-                  <a:txBody>
-                    <a:bodyPr/>
-                    <a:lstStyle/>
-                    <a:p>
-                      <a:pPr algn="ctr" fontAlgn="b"/>
-                      <a:r>
-                        <a:rPr lang="en-US" sz="1100" b="0" i="0" u="none" strike="noStrike" dirty="0">
-                          <a:solidFill>
-                            <a:srgbClr val="000000"/>
-                          </a:solidFill>
-                          <a:effectLst/>
-                          <a:latin typeface="Calibri" panose="020F0502020204030204" pitchFamily="34" charset="0"/>
-                        </a:rPr>
-                        <a:t>59,252,659</a:t>
-                      </a:r>
-                    </a:p>
-                  </a:txBody>
-                  <a:tcPr marL="6350" marR="6350" marT="6350" marB="0" anchor="b">
-                    <a:lnL w="6350" cap="flat" cmpd="sng" algn="ctr">
-                      <a:solidFill>
-                        <a:srgbClr val="000000"/>
-                      </a:solidFill>
-                      <a:prstDash val="solid"/>
-                      <a:round/>
-                      <a:headEnd type="none" w="med" len="med"/>
-                      <a:tailEnd type="none" w="med" len="med"/>
-                    </a:lnL>
-                    <a:lnR w="6350" cap="flat" cmpd="sng" algn="ctr">
-                      <a:solidFill>
-                        <a:srgbClr val="000000"/>
-                      </a:solidFill>
-                      <a:prstDash val="solid"/>
-                      <a:round/>
-                      <a:headEnd type="none" w="med" len="med"/>
-                      <a:tailEnd type="none" w="med" len="med"/>
-                    </a:lnR>
-                    <a:lnT w="6350" cap="flat" cmpd="sng" algn="ctr">
-                      <a:solidFill>
-                        <a:srgbClr val="000000"/>
-                      </a:solidFill>
-                      <a:prstDash val="solid"/>
-                      <a:round/>
-                      <a:headEnd type="none" w="med" len="med"/>
-                      <a:tailEnd type="none" w="med" len="med"/>
-                    </a:lnT>
-                    <a:lnB w="6350" cap="flat" cmpd="sng" algn="ctr">
-                      <a:solidFill>
-                        <a:srgbClr val="000000"/>
-                      </a:solidFill>
-                      <a:prstDash val="solid"/>
-                      <a:round/>
-                      <a:headEnd type="none" w="med" len="med"/>
-                      <a:tailEnd type="none" w="med" len="med"/>
-                    </a:lnB>
-                  </a:tcPr>
-                </a:tc>
-                <a:extLst>
-                  <a:ext uri="{0D108BD9-81ED-4DB2-BD59-A6C34878D82A}">
-                    <a16:rowId xmlns:a16="http://schemas.microsoft.com/office/drawing/2014/main" val="52823694"/>
-                  </a:ext>
-                </a:extLst>
-              </a:tr>
-              <a:tr h="222999">
-                <a:tc>
-                  <a:txBody>
-                    <a:bodyPr/>
-                    <a:lstStyle/>
-                    <a:p>
-                      <a:pPr algn="ctr" fontAlgn="b"/>
-                      <a:r>
-                        <a:rPr lang="en-US" sz="1100" b="0" i="0" u="none" strike="noStrike">
-                          <a:solidFill>
-                            <a:srgbClr val="000000"/>
-                          </a:solidFill>
-                          <a:effectLst/>
-                          <a:latin typeface="Calibri" panose="020F0502020204030204" pitchFamily="34" charset="0"/>
-                        </a:rPr>
-                        <a:t>MD-R-EB-9</a:t>
-                      </a:r>
-                    </a:p>
-                  </a:txBody>
-                  <a:tcPr marL="6350" marR="6350" marT="6350" marB="0" anchor="b">
-                    <a:lnL w="6350" cap="flat" cmpd="sng" algn="ctr">
-                      <a:solidFill>
-                        <a:srgbClr val="000000"/>
-                      </a:solidFill>
-                      <a:prstDash val="solid"/>
-                      <a:round/>
-                      <a:headEnd type="none" w="med" len="med"/>
-                      <a:tailEnd type="none" w="med" len="med"/>
-                    </a:lnL>
-                    <a:lnR w="6350" cap="flat" cmpd="sng" algn="ctr">
-                      <a:solidFill>
-                        <a:srgbClr val="000000"/>
-                      </a:solidFill>
-                      <a:prstDash val="solid"/>
-                      <a:round/>
-                      <a:headEnd type="none" w="med" len="med"/>
-                      <a:tailEnd type="none" w="med" len="med"/>
-                    </a:lnR>
-                    <a:lnT w="6350" cap="flat" cmpd="sng" algn="ctr">
-                      <a:solidFill>
-                        <a:srgbClr val="000000"/>
-                      </a:solidFill>
-                      <a:prstDash val="solid"/>
-                      <a:round/>
-                      <a:headEnd type="none" w="med" len="med"/>
-                      <a:tailEnd type="none" w="med" len="med"/>
-                    </a:lnT>
-                    <a:lnB w="6350" cap="flat" cmpd="sng" algn="ctr">
-                      <a:solidFill>
-                        <a:srgbClr val="000000"/>
-                      </a:solidFill>
-                      <a:prstDash val="solid"/>
-                      <a:round/>
-                      <a:headEnd type="none" w="med" len="med"/>
-                      <a:tailEnd type="none" w="med" len="med"/>
-                    </a:lnB>
-                  </a:tcPr>
-                </a:tc>
-                <a:tc>
-                  <a:txBody>
-                    <a:bodyPr/>
-                    <a:lstStyle/>
-                    <a:p>
-                      <a:pPr algn="ctr" fontAlgn="b"/>
-                      <a:r>
-                        <a:rPr lang="en-US" sz="1100" b="0" i="0" u="none" strike="noStrike">
-                          <a:solidFill>
-                            <a:srgbClr val="000000"/>
-                          </a:solidFill>
-                          <a:effectLst/>
-                          <a:latin typeface="Calibri" panose="020F0502020204030204" pitchFamily="34" charset="0"/>
-                        </a:rPr>
-                        <a:t>47,052,723</a:t>
-                      </a:r>
-                    </a:p>
-                  </a:txBody>
-                  <a:tcPr marL="6350" marR="6350" marT="6350" marB="0" anchor="b">
-                    <a:lnL w="6350" cap="flat" cmpd="sng" algn="ctr">
-                      <a:solidFill>
-                        <a:srgbClr val="000000"/>
-                      </a:solidFill>
-                      <a:prstDash val="solid"/>
-                      <a:round/>
-                      <a:headEnd type="none" w="med" len="med"/>
-                      <a:tailEnd type="none" w="med" len="med"/>
-                    </a:lnL>
-                    <a:lnR w="6350" cap="flat" cmpd="sng" algn="ctr">
-                      <a:solidFill>
-                        <a:srgbClr val="000000"/>
-                      </a:solidFill>
-                      <a:prstDash val="solid"/>
-                      <a:round/>
-                      <a:headEnd type="none" w="med" len="med"/>
-                      <a:tailEnd type="none" w="med" len="med"/>
-                    </a:lnR>
-                    <a:lnT w="6350" cap="flat" cmpd="sng" algn="ctr">
-                      <a:solidFill>
-                        <a:srgbClr val="000000"/>
-                      </a:solidFill>
-                      <a:prstDash val="solid"/>
-                      <a:round/>
-                      <a:headEnd type="none" w="med" len="med"/>
-                      <a:tailEnd type="none" w="med" len="med"/>
-                    </a:lnT>
-                    <a:lnB w="6350" cap="flat" cmpd="sng" algn="ctr">
-                      <a:solidFill>
-                        <a:srgbClr val="000000"/>
-                      </a:solidFill>
-                      <a:prstDash val="solid"/>
-                      <a:round/>
-                      <a:headEnd type="none" w="med" len="med"/>
-                      <a:tailEnd type="none" w="med" len="med"/>
-                    </a:lnB>
-                  </a:tcPr>
-                </a:tc>
-                <a:tc>
-                  <a:txBody>
-                    <a:bodyPr/>
-                    <a:lstStyle/>
-                    <a:p>
-                      <a:pPr algn="ctr" fontAlgn="b"/>
-                      <a:r>
-                        <a:rPr lang="en-US" sz="1100" b="0" i="0" u="none" strike="noStrike" dirty="0">
-                          <a:solidFill>
-                            <a:srgbClr val="000000"/>
-                          </a:solidFill>
-                          <a:effectLst/>
-                          <a:latin typeface="Calibri" panose="020F0502020204030204" pitchFamily="34" charset="0"/>
-                        </a:rPr>
-                        <a:t>47,030,383</a:t>
-                      </a:r>
-                    </a:p>
-                  </a:txBody>
-                  <a:tcPr marL="6350" marR="6350" marT="6350" marB="0" anchor="b">
-                    <a:lnL w="6350" cap="flat" cmpd="sng" algn="ctr">
-                      <a:solidFill>
-                        <a:srgbClr val="000000"/>
-                      </a:solidFill>
-                      <a:prstDash val="solid"/>
-                      <a:round/>
-                      <a:headEnd type="none" w="med" len="med"/>
-                      <a:tailEnd type="none" w="med" len="med"/>
-                    </a:lnL>
-                    <a:lnR w="6350" cap="flat" cmpd="sng" algn="ctr">
-                      <a:solidFill>
-                        <a:srgbClr val="000000"/>
-                      </a:solidFill>
-                      <a:prstDash val="solid"/>
-                      <a:round/>
-                      <a:headEnd type="none" w="med" len="med"/>
-                      <a:tailEnd type="none" w="med" len="med"/>
-                    </a:lnR>
-                    <a:lnT w="6350" cap="flat" cmpd="sng" algn="ctr">
-                      <a:solidFill>
-                        <a:srgbClr val="000000"/>
-                      </a:solidFill>
-                      <a:prstDash val="solid"/>
-                      <a:round/>
-                      <a:headEnd type="none" w="med" len="med"/>
-                      <a:tailEnd type="none" w="med" len="med"/>
-                    </a:lnT>
-                    <a:lnB w="6350" cap="flat" cmpd="sng" algn="ctr">
-                      <a:solidFill>
-                        <a:srgbClr val="000000"/>
-                      </a:solidFill>
-                      <a:prstDash val="solid"/>
-                      <a:round/>
-                      <a:headEnd type="none" w="med" len="med"/>
-                      <a:tailEnd type="none" w="med" len="med"/>
-                    </a:lnB>
-                  </a:tcPr>
-                </a:tc>
-                <a:extLst>
-                  <a:ext uri="{0D108BD9-81ED-4DB2-BD59-A6C34878D82A}">
-                    <a16:rowId xmlns:a16="http://schemas.microsoft.com/office/drawing/2014/main" val="3378396610"/>
-                  </a:ext>
-                </a:extLst>
-              </a:tr>
-            </a:tbl>
-          </a:graphicData>
-        </a:graphic>
-      </p:graphicFrame>
+              <a:rPr lang="en-US" sz="1800" dirty="0">
+                <a:latin typeface="AdvPSA183"/>
+              </a:rPr>
+              <a:t>Pipeline and Steps</a:t>
+            </a:r>
+          </a:p>
+        </p:txBody>
+      </p:sp>
     </p:spTree>
     <p:extLst>
       <p:ext uri="{BB962C8B-B14F-4D97-AF65-F5344CB8AC3E}">
-        <p14:creationId xmlns:p14="http://schemas.microsoft.com/office/powerpoint/2010/main" val="3661797953"/>
+        <p14:creationId xmlns:p14="http://schemas.microsoft.com/office/powerpoint/2010/main" val="1039408565"/>
       </p:ext>
     </p:extLst>
   </p:cSld>
@@ -6724,13 +5395,7 @@
       </p:grpSpPr>
       <p:sp>
         <p:nvSpPr>
-          <p:cNvPr id="2" name="Title 1">
-            <a:extLst>
-              <a:ext uri="{FF2B5EF4-FFF2-40B4-BE49-F238E27FC236}">
-                <a16:creationId xmlns:a16="http://schemas.microsoft.com/office/drawing/2014/main" id="{4EA3CB9E-619E-4288-9D33-73290203AB4F}"/>
-              </a:ext>
-            </a:extLst>
-          </p:cNvPr>
+          <p:cNvPr id="2" name="Title 1"/>
           <p:cNvSpPr>
             <a:spLocks noGrp="1"/>
           </p:cNvSpPr>
@@ -6740,8 +5405,8 @@
         </p:nvSpPr>
         <p:spPr>
           <a:xfrm>
-            <a:off x="838200" y="365125"/>
-            <a:ext cx="10515600" cy="575779"/>
+            <a:off x="838200" y="365126"/>
+            <a:ext cx="10515600" cy="839831"/>
           </a:xfrm>
         </p:spPr>
         <p:txBody>
@@ -6751,59 +5416,401 @@
           <a:lstStyle/>
           <a:p>
             <a:r>
-              <a:rPr lang="en-US" sz="1800" b="0" i="0" dirty="0">
-                <a:solidFill>
-                  <a:srgbClr val="000000"/>
-                </a:solidFill>
-                <a:effectLst/>
+              <a:rPr lang="en-US" sz="1800" dirty="0">
                 <a:latin typeface="AdvPSA183"/>
               </a:rPr>
-              <a:t>Heatmap of DEGs identified at the indicated time points during differentiation to EBs</a:t>
+              <a:t>All Codes Used</a:t>
+            </a:r>
+          </a:p>
+        </p:txBody>
+      </p:sp>
+      <p:sp>
+        <p:nvSpPr>
+          <p:cNvPr id="3" name="Content Placeholder 2"/>
+          <p:cNvSpPr>
+            <a:spLocks noGrp="1"/>
+          </p:cNvSpPr>
+          <p:nvPr>
+            <p:ph idx="1"/>
+          </p:nvPr>
+        </p:nvSpPr>
+        <p:spPr>
+          <a:xfrm>
+            <a:off x="838200" y="1384419"/>
+            <a:ext cx="10515600" cy="4792544"/>
+          </a:xfrm>
+        </p:spPr>
+        <p:txBody>
+          <a:bodyPr>
+            <a:normAutofit fontScale="32500" lnSpcReduction="20000"/>
+          </a:bodyPr>
+          <a:lstStyle/>
+          <a:p>
+            <a:r>
+              <a:rPr lang="en-US" i="1" dirty="0"/>
+              <a:t># Alignment</a:t>
             </a:r>
             <a:endParaRPr lang="en-US" dirty="0"/>
           </a:p>
-        </p:txBody>
-      </p:sp>
-      <p:pic>
-        <p:nvPicPr>
-          <p:cNvPr id="11" name="Picture 10" descr="Chart, timeline&#10;&#10;Description automatically generated">
-            <a:extLst>
-              <a:ext uri="{FF2B5EF4-FFF2-40B4-BE49-F238E27FC236}">
-                <a16:creationId xmlns:a16="http://schemas.microsoft.com/office/drawing/2014/main" id="{60E6FC5E-291E-41A4-96EE-D6AEDC705846}"/>
-              </a:ext>
-            </a:extLst>
-          </p:cNvPr>
-          <p:cNvPicPr>
-            <a:picLocks noChangeAspect="1"/>
-          </p:cNvPicPr>
-          <p:nvPr/>
-        </p:nvPicPr>
-        <p:blipFill>
-          <a:blip r:embed="rId2">
-            <a:extLst>
-              <a:ext uri="{28A0092B-C50C-407E-A947-70E740481C1C}">
-                <a14:useLocalDpi xmlns:a14="http://schemas.microsoft.com/office/drawing/2010/main" val="0"/>
-              </a:ext>
-            </a:extLst>
-          </a:blip>
-          <a:stretch>
-            <a:fillRect/>
-          </a:stretch>
-        </p:blipFill>
-        <p:spPr>
-          <a:xfrm>
-            <a:off x="3298022" y="1185668"/>
-            <a:ext cx="4397851" cy="4118397"/>
-          </a:xfrm>
-          <a:prstGeom prst="rect">
-            <a:avLst/>
-          </a:prstGeom>
-        </p:spPr>
-      </p:pic>
+          <a:p>
+            <a:r>
+              <a:rPr lang="en-US" dirty="0" err="1"/>
+              <a:t>tophat</a:t>
+            </a:r>
+            <a:r>
+              <a:rPr lang="en-US" dirty="0"/>
+              <a:t> -p 4 -G $</a:t>
+            </a:r>
+            <a:r>
+              <a:rPr lang="en-US" dirty="0" err="1"/>
+              <a:t>genomedir</a:t>
+            </a:r>
+            <a:r>
+              <a:rPr lang="en-US" dirty="0"/>
+              <a:t>/$</a:t>
+            </a:r>
+            <a:r>
+              <a:rPr lang="en-US" dirty="0" err="1"/>
+              <a:t>gtf</a:t>
+            </a:r>
+            <a:r>
+              <a:rPr lang="en-US" dirty="0"/>
+              <a:t> -o $</a:t>
+            </a:r>
+            <a:r>
+              <a:rPr lang="en-US" dirty="0" err="1"/>
+              <a:t>mappingdir</a:t>
+            </a:r>
+            <a:r>
+              <a:rPr lang="en-US" dirty="0"/>
+              <a:t>/${sample}_</a:t>
+            </a:r>
+            <a:r>
+              <a:rPr lang="en-US" dirty="0" err="1"/>
+              <a:t>tophatout</a:t>
+            </a:r>
+            <a:r>
+              <a:rPr lang="en-US" dirty="0"/>
+              <a:t> $</a:t>
+            </a:r>
+            <a:r>
+              <a:rPr lang="en-US" dirty="0" err="1"/>
+              <a:t>genomedir</a:t>
+            </a:r>
+            <a:r>
+              <a:rPr lang="en-US" dirty="0"/>
+              <a:t>/mm10 $</a:t>
+            </a:r>
+            <a:r>
+              <a:rPr lang="en-US" dirty="0" err="1"/>
+              <a:t>indir</a:t>
+            </a:r>
+            <a:r>
+              <a:rPr lang="en-US" dirty="0"/>
+              <a:t>/${sample}.fastq.gz</a:t>
+            </a:r>
+          </a:p>
+          <a:p>
+            <a:r>
+              <a:rPr lang="en-US" dirty="0"/>
+              <a:t/>
+            </a:r>
+            <a:br>
+              <a:rPr lang="en-US" dirty="0"/>
+            </a:br>
+            <a:r>
+              <a:rPr lang="en-US" i="1" dirty="0"/>
+              <a:t># Index the bam</a:t>
+            </a:r>
+            <a:endParaRPr lang="en-US" dirty="0"/>
+          </a:p>
+          <a:p>
+            <a:r>
+              <a:rPr lang="en-US" dirty="0" err="1"/>
+              <a:t>samtools</a:t>
+            </a:r>
+            <a:r>
+              <a:rPr lang="en-US" dirty="0"/>
+              <a:t> index $</a:t>
+            </a:r>
+            <a:r>
+              <a:rPr lang="en-US" dirty="0" err="1"/>
+              <a:t>mappingdir</a:t>
+            </a:r>
+            <a:r>
+              <a:rPr lang="en-US" dirty="0"/>
+              <a:t>/${sample}_</a:t>
+            </a:r>
+            <a:r>
+              <a:rPr lang="en-US" dirty="0" err="1"/>
+              <a:t>tophatout</a:t>
+            </a:r>
+            <a:r>
+              <a:rPr lang="en-US" dirty="0"/>
+              <a:t>/</a:t>
+            </a:r>
+            <a:r>
+              <a:rPr lang="en-US" dirty="0" err="1"/>
+              <a:t>accepted_hits.bam</a:t>
+            </a:r>
+            <a:endParaRPr lang="en-US" dirty="0"/>
+          </a:p>
+          <a:p>
+            <a:r>
+              <a:rPr lang="en-US" dirty="0"/>
+              <a:t/>
+            </a:r>
+            <a:br>
+              <a:rPr lang="en-US" dirty="0"/>
+            </a:br>
+            <a:r>
+              <a:rPr lang="en-US" i="1" dirty="0"/>
+              <a:t># </a:t>
+            </a:r>
+            <a:r>
+              <a:rPr lang="en-US" i="1" dirty="0" err="1"/>
+              <a:t>HTseq</a:t>
+            </a:r>
+            <a:r>
+              <a:rPr lang="en-US" i="1" dirty="0"/>
+              <a:t> Count</a:t>
+            </a:r>
+            <a:endParaRPr lang="en-US" dirty="0"/>
+          </a:p>
+          <a:p>
+            <a:r>
+              <a:rPr lang="en-US" dirty="0" err="1"/>
+              <a:t>htseq</a:t>
+            </a:r>
+            <a:r>
+              <a:rPr lang="en-US" dirty="0"/>
+              <a:t>-count -f bam --stranded=no -r name $</a:t>
+            </a:r>
+            <a:r>
+              <a:rPr lang="en-US" dirty="0" err="1"/>
+              <a:t>mappingdir</a:t>
+            </a:r>
+            <a:r>
+              <a:rPr lang="en-US" dirty="0"/>
+              <a:t>/${sample}_</a:t>
+            </a:r>
+            <a:r>
+              <a:rPr lang="en-US" dirty="0" err="1"/>
+              <a:t>tophatout</a:t>
+            </a:r>
+            <a:r>
+              <a:rPr lang="en-US" dirty="0"/>
+              <a:t>/</a:t>
+            </a:r>
+            <a:r>
+              <a:rPr lang="en-US" dirty="0" err="1"/>
+              <a:t>accepted_hits.bam</a:t>
+            </a:r>
+            <a:r>
+              <a:rPr lang="en-US" dirty="0"/>
+              <a:t> $</a:t>
+            </a:r>
+            <a:r>
+              <a:rPr lang="en-US" dirty="0" err="1"/>
+              <a:t>genomedir</a:t>
+            </a:r>
+            <a:r>
+              <a:rPr lang="en-US" dirty="0"/>
+              <a:t>/$</a:t>
+            </a:r>
+            <a:r>
+              <a:rPr lang="en-US" dirty="0" err="1"/>
+              <a:t>gtf</a:t>
+            </a:r>
+            <a:r>
+              <a:rPr lang="en-US" dirty="0"/>
+              <a:t> &gt; $</a:t>
+            </a:r>
+            <a:r>
+              <a:rPr lang="en-US" dirty="0" err="1"/>
+              <a:t>htseqresults</a:t>
+            </a:r>
+            <a:r>
+              <a:rPr lang="en-US" dirty="0"/>
+              <a:t>/${sample}.htseq.txt</a:t>
+            </a:r>
+          </a:p>
+          <a:p>
+            <a:r>
+              <a:rPr lang="en-US" dirty="0"/>
+              <a:t/>
+            </a:r>
+            <a:br>
+              <a:rPr lang="en-US" dirty="0"/>
+            </a:br>
+            <a:r>
+              <a:rPr lang="en-US" dirty="0"/>
+              <a:t/>
+            </a:r>
+            <a:br>
+              <a:rPr lang="en-US" dirty="0"/>
+            </a:br>
+            <a:r>
+              <a:rPr lang="en-US" i="1" dirty="0"/>
+              <a:t># Calculate RPKM</a:t>
+            </a:r>
+            <a:endParaRPr lang="en-US" dirty="0"/>
+          </a:p>
+          <a:p>
+            <a:r>
+              <a:rPr lang="en-US" dirty="0" err="1"/>
+              <a:t>cuffdiff</a:t>
+            </a:r>
+            <a:r>
+              <a:rPr lang="en-US" dirty="0"/>
+              <a:t> $</a:t>
+            </a:r>
+            <a:r>
+              <a:rPr lang="en-US" dirty="0" err="1"/>
+              <a:t>genomedir</a:t>
+            </a:r>
+            <a:r>
+              <a:rPr lang="en-US" dirty="0"/>
+              <a:t>/$</a:t>
+            </a:r>
+            <a:r>
+              <a:rPr lang="en-US" dirty="0" err="1"/>
+              <a:t>gtf</a:t>
+            </a:r>
+            <a:r>
+              <a:rPr lang="en-US" dirty="0"/>
+              <a:t> &lt;above renamed bam files with spaces&gt;</a:t>
+            </a:r>
+          </a:p>
+          <a:p>
+            <a:endParaRPr lang="en-US" dirty="0"/>
+          </a:p>
+          <a:p>
+            <a:r>
+              <a:rPr lang="en-US" dirty="0"/>
+              <a:t>#Deseq2</a:t>
+            </a:r>
+          </a:p>
+          <a:p>
+            <a:r>
+              <a:rPr lang="en-US" dirty="0" err="1"/>
+              <a:t>dds</a:t>
+            </a:r>
+            <a:r>
+              <a:rPr lang="en-US" dirty="0"/>
+              <a:t> = </a:t>
+            </a:r>
+            <a:r>
+              <a:rPr lang="en-US" dirty="0" err="1"/>
+              <a:t>DESeqDataSetFromMatrix</a:t>
+            </a:r>
+            <a:r>
+              <a:rPr lang="en-US" dirty="0"/>
+              <a:t>(</a:t>
+            </a:r>
+            <a:r>
+              <a:rPr lang="en-US" dirty="0" err="1"/>
+              <a:t>cMatrix</a:t>
+            </a:r>
+            <a:r>
+              <a:rPr lang="en-US" dirty="0"/>
+              <a:t>, </a:t>
+            </a:r>
+            <a:r>
+              <a:rPr lang="en-US" dirty="0" err="1"/>
+              <a:t>myCond</a:t>
+            </a:r>
+            <a:r>
+              <a:rPr lang="en-US" dirty="0"/>
+              <a:t>, design = ~ condition)</a:t>
+            </a:r>
+          </a:p>
+          <a:p>
+            <a:endParaRPr lang="en-US" dirty="0"/>
+          </a:p>
+          <a:p>
+            <a:r>
+              <a:rPr lang="en-US" dirty="0"/>
+              <a:t>#Code location</a:t>
+            </a:r>
+          </a:p>
+          <a:p>
+            <a:r>
+              <a:rPr lang="en-US" dirty="0"/>
+              <a:t>\</a:t>
+            </a:r>
+            <a:r>
+              <a:rPr lang="en-US" dirty="0" err="1"/>
+              <a:t>Rinf</a:t>
+            </a:r>
+            <a:r>
+              <a:rPr lang="en-US" dirty="0"/>
+              <a:t>\Code\tophat_htseq.sh.txt</a:t>
+            </a:r>
+          </a:p>
+          <a:p>
+            <a:r>
+              <a:rPr lang="en-US" dirty="0"/>
+              <a:t>\</a:t>
+            </a:r>
+            <a:r>
+              <a:rPr lang="en-US" dirty="0" err="1"/>
+              <a:t>Rinf</a:t>
+            </a:r>
+            <a:r>
+              <a:rPr lang="en-US" dirty="0"/>
+              <a:t>\Code\cuffdiff.sh.txt</a:t>
+            </a:r>
+          </a:p>
+          <a:p>
+            <a:r>
+              <a:rPr lang="en-US" dirty="0"/>
+              <a:t>\</a:t>
+            </a:r>
+            <a:r>
+              <a:rPr lang="en-US" dirty="0" err="1"/>
+              <a:t>Rinf</a:t>
+            </a:r>
+            <a:r>
+              <a:rPr lang="en-US" dirty="0"/>
+              <a:t>\Code\htseq_EB.R.txt</a:t>
+            </a:r>
+          </a:p>
+          <a:p>
+            <a:r>
+              <a:rPr lang="en-US" dirty="0"/>
+              <a:t>\</a:t>
+            </a:r>
+            <a:r>
+              <a:rPr lang="en-US" dirty="0" err="1" smtClean="0"/>
+              <a:t>Rinf</a:t>
+            </a:r>
+            <a:r>
+              <a:rPr lang="en-US" dirty="0" smtClean="0"/>
+              <a:t>\Code\Plots.R.txt</a:t>
+            </a:r>
+          </a:p>
+          <a:p>
+            <a:r>
+              <a:rPr lang="en-US" dirty="0"/>
+              <a:t>\</a:t>
+            </a:r>
+            <a:r>
+              <a:rPr lang="en-US" dirty="0" err="1" smtClean="0"/>
+              <a:t>Rinf</a:t>
+            </a:r>
+            <a:r>
+              <a:rPr lang="en-US" dirty="0" smtClean="0"/>
+              <a:t>\Code\bigwig.sh.txt</a:t>
+            </a:r>
+            <a:endParaRPr lang="en-US" dirty="0"/>
+          </a:p>
+        </p:txBody>
+      </p:sp>
     </p:spTree>
     <p:extLst>
       <p:ext uri="{BB962C8B-B14F-4D97-AF65-F5344CB8AC3E}">
-        <p14:creationId xmlns:p14="http://schemas.microsoft.com/office/powerpoint/2010/main" val="1955646064"/>
+        <p14:creationId xmlns:p14="http://schemas.microsoft.com/office/powerpoint/2010/main" val="3278258426"/>
       </p:ext>
     </p:extLst>
   </p:cSld>
@@ -6835,7 +5842,7 @@
           <p:cNvPr id="2" name="Title 1">
             <a:extLst>
               <a:ext uri="{FF2B5EF4-FFF2-40B4-BE49-F238E27FC236}">
-                <a16:creationId xmlns:a16="http://schemas.microsoft.com/office/drawing/2014/main" id="{4EA3CB9E-619E-4288-9D33-73290203AB4F}"/>
+                <a16:creationId xmlns="" xmlns:a16="http://schemas.microsoft.com/office/drawing/2014/main" id="{03B92740-16EA-441C-ADA6-775812B8B3C7}"/>
               </a:ext>
             </a:extLst>
           </p:cNvPr>
@@ -6848,45 +5855,30 @@
         </p:nvSpPr>
         <p:spPr>
           <a:xfrm>
-            <a:off x="838200" y="365125"/>
-            <a:ext cx="10515600" cy="575779"/>
+            <a:off x="838200" y="365126"/>
+            <a:ext cx="10515600" cy="690556"/>
           </a:xfrm>
         </p:spPr>
         <p:txBody>
           <a:bodyPr>
-            <a:normAutofit/>
+            <a:noAutofit/>
           </a:bodyPr>
           <a:lstStyle/>
           <a:p>
             <a:r>
-              <a:rPr lang="en-US" sz="1800" b="0" i="0" dirty="0">
-                <a:solidFill>
-                  <a:srgbClr val="000000"/>
-                </a:solidFill>
-                <a:effectLst/>
+              <a:rPr lang="en-US" sz="1800" dirty="0">
                 <a:latin typeface="AdvPSA183"/>
               </a:rPr>
-              <a:t>GO enrichment and KEGG pathway analysis of the DEGs at day 6 of differentiation to EBs.</a:t>
-            </a:r>
-            <a:r>
-              <a:rPr lang="en-US" sz="900" dirty="0"/>
-              <a:t> </a:t>
-            </a:r>
-            <a:endParaRPr lang="en-US" dirty="0"/>
+              <a:t>Trimming and Mapping Stats</a:t>
+            </a:r>
           </a:p>
         </p:txBody>
       </p:sp>
       <p:pic>
         <p:nvPicPr>
-          <p:cNvPr id="7" name="Picture 6" descr="Chart, scatter chart&#10;&#10;Description automatically generated">
-            <a:extLst>
-              <a:ext uri="{FF2B5EF4-FFF2-40B4-BE49-F238E27FC236}">
-                <a16:creationId xmlns:a16="http://schemas.microsoft.com/office/drawing/2014/main" id="{B4BCB036-0106-436F-B0CE-64BAA41D752F}"/>
-              </a:ext>
-            </a:extLst>
-          </p:cNvPr>
+          <p:cNvPr id="5124" name="Picture 4"/>
           <p:cNvPicPr>
-            <a:picLocks noChangeAspect="1"/>
+            <a:picLocks noChangeAspect="1" noChangeArrowheads="1"/>
           </p:cNvPicPr>
           <p:nvPr/>
         </p:nvPicPr>
@@ -6898,24 +5890,48 @@
               </a:ext>
             </a:extLst>
           </a:blip>
+          <a:srcRect/>
           <a:stretch>
             <a:fillRect/>
           </a:stretch>
         </p:blipFill>
-        <p:spPr>
-          <a:xfrm>
-            <a:off x="2553778" y="1781272"/>
-            <a:ext cx="5526450" cy="3603092"/>
+        <p:spPr bwMode="auto">
+          <a:xfrm>
+            <a:off x="2076450" y="1814513"/>
+            <a:ext cx="8039100" cy="3228975"/>
           </a:xfrm>
           <a:prstGeom prst="rect">
             <a:avLst/>
           </a:prstGeom>
+          <a:noFill/>
+          <a:ln>
+            <a:noFill/>
+          </a:ln>
+          <a:extLst>
+            <a:ext uri="{909E8E84-426E-40DD-AFC4-6F175D3DCCD1}">
+              <a14:hiddenFill xmlns:a14="http://schemas.microsoft.com/office/drawing/2010/main">
+                <a:solidFill>
+                  <a:schemeClr val="accent1"/>
+                </a:solidFill>
+              </a14:hiddenFill>
+            </a:ext>
+            <a:ext uri="{91240B29-F687-4F45-9708-019B960494DF}">
+              <a14:hiddenLine xmlns:a14="http://schemas.microsoft.com/office/drawing/2010/main" w="9525">
+                <a:solidFill>
+                  <a:schemeClr val="tx1"/>
+                </a:solidFill>
+                <a:miter lim="800000"/>
+                <a:headEnd/>
+                <a:tailEnd/>
+              </a14:hiddenLine>
+            </a:ext>
+          </a:extLst>
         </p:spPr>
       </p:pic>
     </p:spTree>
     <p:extLst>
       <p:ext uri="{BB962C8B-B14F-4D97-AF65-F5344CB8AC3E}">
-        <p14:creationId xmlns:p14="http://schemas.microsoft.com/office/powerpoint/2010/main" val="2205909188"/>
+        <p14:creationId xmlns:p14="http://schemas.microsoft.com/office/powerpoint/2010/main" val="3661797953"/>
       </p:ext>
     </p:extLst>
   </p:cSld>
@@ -6947,7 +5963,7 @@
           <p:cNvPr id="2" name="Title 1">
             <a:extLst>
               <a:ext uri="{FF2B5EF4-FFF2-40B4-BE49-F238E27FC236}">
-                <a16:creationId xmlns:a16="http://schemas.microsoft.com/office/drawing/2014/main" id="{4EA3CB9E-619E-4288-9D33-73290203AB4F}"/>
+                <a16:creationId xmlns="" xmlns:a16="http://schemas.microsoft.com/office/drawing/2014/main" id="{4EA3CB9E-619E-4288-9D33-73290203AB4F}"/>
               </a:ext>
             </a:extLst>
           </p:cNvPr>
@@ -6960,44 +5976,35 @@
         </p:nvSpPr>
         <p:spPr>
           <a:xfrm>
-            <a:off x="838200" y="365125"/>
-            <a:ext cx="10515600" cy="575779"/>
+            <a:off x="1708920" y="353401"/>
+            <a:ext cx="2841487" cy="575779"/>
           </a:xfrm>
         </p:spPr>
         <p:txBody>
           <a:bodyPr>
-            <a:normAutofit/>
+            <a:noAutofit/>
           </a:bodyPr>
           <a:lstStyle/>
           <a:p>
             <a:r>
-              <a:rPr lang="en-US" sz="1800" dirty="0" err="1">
-                <a:solidFill>
-                  <a:srgbClr val="000000"/>
-                </a:solidFill>
+              <a:rPr lang="en-US" sz="1800" b="0" i="0" dirty="0">
+                <a:effectLst/>
                 <a:latin typeface="AdvPSA183"/>
               </a:rPr>
-              <a:t>Barplot</a:t>
-            </a:r>
-            <a:r>
-              <a:rPr lang="en-US" sz="1800" dirty="0">
-                <a:solidFill>
-                  <a:srgbClr val="000000"/>
-                </a:solidFill>
-                <a:latin typeface="AdvPSA183"/>
-              </a:rPr>
-              <a:t> for Number of DEGs</a:t>
-            </a:r>
-            <a:endParaRPr lang="en-US" dirty="0"/>
+              <a:t>PCA Analysis of Samples</a:t>
+            </a:r>
+            <a:endParaRPr lang="en-US" sz="1800" dirty="0">
+              <a:latin typeface="AdvPSA183"/>
+            </a:endParaRPr>
           </a:p>
         </p:txBody>
       </p:sp>
       <p:pic>
         <p:nvPicPr>
-          <p:cNvPr id="5" name="Picture 4" descr="Chart, bar chart, treemap chart&#10;&#10;Description automatically generated">
-            <a:extLst>
-              <a:ext uri="{FF2B5EF4-FFF2-40B4-BE49-F238E27FC236}">
-                <a16:creationId xmlns:a16="http://schemas.microsoft.com/office/drawing/2014/main" id="{DE438191-8A2F-4A2E-8F7F-BB0C86893FB5}"/>
+          <p:cNvPr id="3" name="Picture 2">
+            <a:extLst>
+              <a:ext uri="{FF2B5EF4-FFF2-40B4-BE49-F238E27FC236}">
+                <a16:creationId xmlns="" xmlns:a16="http://schemas.microsoft.com/office/drawing/2014/main" id="{73F8D8A3-7A8C-4636-A674-0AA38D745875}"/>
               </a:ext>
             </a:extLst>
           </p:cNvPr>
@@ -7007,31 +6014,363 @@
           <p:nvPr/>
         </p:nvPicPr>
         <p:blipFill>
-          <a:blip r:embed="rId2">
-            <a:extLst>
-              <a:ext uri="{28A0092B-C50C-407E-A947-70E740481C1C}">
-                <a14:useLocalDpi xmlns:a14="http://schemas.microsoft.com/office/drawing/2010/main" val="0"/>
-              </a:ext>
-            </a:extLst>
-          </a:blip>
+          <a:blip r:embed="rId2"/>
           <a:stretch>
             <a:fillRect/>
           </a:stretch>
         </p:blipFill>
         <p:spPr>
           <a:xfrm>
-            <a:off x="2825037" y="1260102"/>
-            <a:ext cx="5833049" cy="4235133"/>
+            <a:off x="501224" y="1951282"/>
+            <a:ext cx="5878082" cy="3907330"/>
           </a:xfrm>
           <a:prstGeom prst="rect">
             <a:avLst/>
           </a:prstGeom>
         </p:spPr>
       </p:pic>
+      <p:sp>
+        <p:nvSpPr>
+          <p:cNvPr id="4" name="Oval 3">
+            <a:extLst>
+              <a:ext uri="{FF2B5EF4-FFF2-40B4-BE49-F238E27FC236}">
+                <a16:creationId xmlns="" xmlns:a16="http://schemas.microsoft.com/office/drawing/2014/main" id="{4E222EA0-2B8B-D644-86C4-70519C28F758}"/>
+              </a:ext>
+            </a:extLst>
+          </p:cNvPr>
+          <p:cNvSpPr/>
+          <p:nvPr/>
+        </p:nvSpPr>
+        <p:spPr>
+          <a:xfrm>
+            <a:off x="957471" y="3904947"/>
+            <a:ext cx="1030357" cy="492981"/>
+          </a:xfrm>
+          <a:prstGeom prst="ellipse">
+            <a:avLst/>
+          </a:prstGeom>
+          <a:noFill/>
+        </p:spPr>
+        <p:style>
+          <a:lnRef idx="2">
+            <a:schemeClr val="accent1">
+              <a:shade val="50000"/>
+            </a:schemeClr>
+          </a:lnRef>
+          <a:fillRef idx="1">
+            <a:schemeClr val="accent1"/>
+          </a:fillRef>
+          <a:effectRef idx="0">
+            <a:schemeClr val="accent1"/>
+          </a:effectRef>
+          <a:fontRef idx="minor">
+            <a:schemeClr val="lt1"/>
+          </a:fontRef>
+        </p:style>
+        <p:txBody>
+          <a:bodyPr rtlCol="0" anchor="ctr"/>
+          <a:lstStyle/>
+          <a:p>
+            <a:pPr algn="ctr"/>
+            <a:endParaRPr lang="en-US"/>
+          </a:p>
+        </p:txBody>
+      </p:sp>
+      <p:sp>
+        <p:nvSpPr>
+          <p:cNvPr id="5" name="Oval 4">
+            <a:extLst>
+              <a:ext uri="{FF2B5EF4-FFF2-40B4-BE49-F238E27FC236}">
+                <a16:creationId xmlns="" xmlns:a16="http://schemas.microsoft.com/office/drawing/2014/main" id="{742A5AFF-617A-A64E-9442-23F2697B7890}"/>
+              </a:ext>
+            </a:extLst>
+          </p:cNvPr>
+          <p:cNvSpPr/>
+          <p:nvPr/>
+        </p:nvSpPr>
+        <p:spPr>
+          <a:xfrm>
+            <a:off x="2151492" y="2640690"/>
+            <a:ext cx="1030357" cy="492981"/>
+          </a:xfrm>
+          <a:prstGeom prst="ellipse">
+            <a:avLst/>
+          </a:prstGeom>
+          <a:noFill/>
+        </p:spPr>
+        <p:style>
+          <a:lnRef idx="2">
+            <a:schemeClr val="accent1">
+              <a:shade val="50000"/>
+            </a:schemeClr>
+          </a:lnRef>
+          <a:fillRef idx="1">
+            <a:schemeClr val="accent1"/>
+          </a:fillRef>
+          <a:effectRef idx="0">
+            <a:schemeClr val="accent1"/>
+          </a:effectRef>
+          <a:fontRef idx="minor">
+            <a:schemeClr val="lt1"/>
+          </a:fontRef>
+        </p:style>
+        <p:txBody>
+          <a:bodyPr rtlCol="0" anchor="ctr"/>
+          <a:lstStyle/>
+          <a:p>
+            <a:pPr algn="ctr"/>
+            <a:endParaRPr lang="en-US"/>
+          </a:p>
+        </p:txBody>
+      </p:sp>
+      <p:sp>
+        <p:nvSpPr>
+          <p:cNvPr id="6" name="Oval 5">
+            <a:extLst>
+              <a:ext uri="{FF2B5EF4-FFF2-40B4-BE49-F238E27FC236}">
+                <a16:creationId xmlns="" xmlns:a16="http://schemas.microsoft.com/office/drawing/2014/main" id="{6A106C29-A6F5-7244-946D-1843A30DCC0C}"/>
+              </a:ext>
+            </a:extLst>
+          </p:cNvPr>
+          <p:cNvSpPr/>
+          <p:nvPr/>
+        </p:nvSpPr>
+        <p:spPr>
+          <a:xfrm rot="18765072">
+            <a:off x="4000226" y="2796577"/>
+            <a:ext cx="439975" cy="2134999"/>
+          </a:xfrm>
+          <a:prstGeom prst="ellipse">
+            <a:avLst/>
+          </a:prstGeom>
+          <a:noFill/>
+        </p:spPr>
+        <p:style>
+          <a:lnRef idx="2">
+            <a:schemeClr val="accent1">
+              <a:shade val="50000"/>
+            </a:schemeClr>
+          </a:lnRef>
+          <a:fillRef idx="1">
+            <a:schemeClr val="accent1"/>
+          </a:fillRef>
+          <a:effectRef idx="0">
+            <a:schemeClr val="accent1"/>
+          </a:effectRef>
+          <a:fontRef idx="minor">
+            <a:schemeClr val="lt1"/>
+          </a:fontRef>
+        </p:style>
+        <p:txBody>
+          <a:bodyPr rtlCol="0" anchor="ctr"/>
+          <a:lstStyle/>
+          <a:p>
+            <a:pPr algn="ctr"/>
+            <a:endParaRPr lang="en-US"/>
+          </a:p>
+        </p:txBody>
+      </p:sp>
+      <p:sp>
+        <p:nvSpPr>
+          <p:cNvPr id="7" name="Title 1">
+            <a:extLst>
+              <a:ext uri="{FF2B5EF4-FFF2-40B4-BE49-F238E27FC236}">
+                <a16:creationId xmlns="" xmlns:a16="http://schemas.microsoft.com/office/drawing/2014/main" id="{B0994368-9E16-7442-9049-7EF3FAAD3475}"/>
+              </a:ext>
+            </a:extLst>
+          </p:cNvPr>
+          <p:cNvSpPr txBox="1">
+            <a:spLocks/>
+          </p:cNvSpPr>
+          <p:nvPr/>
+        </p:nvSpPr>
+        <p:spPr>
+          <a:xfrm>
+            <a:off x="7218240" y="353401"/>
+            <a:ext cx="3184716" cy="575779"/>
+          </a:xfrm>
+          <a:prstGeom prst="rect">
+            <a:avLst/>
+          </a:prstGeom>
+        </p:spPr>
+        <p:txBody>
+          <a:bodyPr vert="horz" lIns="91440" tIns="45720" rIns="91440" bIns="45720" rtlCol="0" anchor="ctr">
+            <a:noAutofit/>
+          </a:bodyPr>
+          <a:lstStyle>
+            <a:lvl1pPr algn="l" defTabSz="914400" rtl="0" eaLnBrk="1" latinLnBrk="0" hangingPunct="1">
+              <a:lnSpc>
+                <a:spcPct val="90000"/>
+              </a:lnSpc>
+              <a:spcBef>
+                <a:spcPct val="0"/>
+              </a:spcBef>
+              <a:buNone/>
+              <a:defRPr sz="4400" kern="1200">
+                <a:solidFill>
+                  <a:schemeClr val="tx1"/>
+                </a:solidFill>
+                <a:latin typeface="+mj-lt"/>
+                <a:ea typeface="+mj-ea"/>
+                <a:cs typeface="+mj-cs"/>
+              </a:defRPr>
+            </a:lvl1pPr>
+          </a:lstStyle>
+          <a:p>
+            <a:r>
+              <a:rPr lang="en-US" sz="1800" dirty="0">
+                <a:latin typeface="AdvPSA183"/>
+              </a:rPr>
+              <a:t>Sample Distance Heatmap Plots</a:t>
+            </a:r>
+          </a:p>
+        </p:txBody>
+      </p:sp>
+      <p:sp>
+        <p:nvSpPr>
+          <p:cNvPr id="13" name="TextBox 12"/>
+          <p:cNvSpPr txBox="1"/>
+          <p:nvPr/>
+        </p:nvSpPr>
+        <p:spPr>
+          <a:xfrm>
+            <a:off x="2336475" y="3313124"/>
+            <a:ext cx="660389" cy="307777"/>
+          </a:xfrm>
+          <a:prstGeom prst="rect">
+            <a:avLst/>
+          </a:prstGeom>
+          <a:noFill/>
+        </p:spPr>
+        <p:txBody>
+          <a:bodyPr wrap="square" rtlCol="0">
+            <a:spAutoFit/>
+          </a:bodyPr>
+          <a:lstStyle/>
+          <a:p>
+            <a:r>
+              <a:rPr lang="en-US" sz="1400" dirty="0"/>
+              <a:t>Day 3</a:t>
+            </a:r>
+          </a:p>
+        </p:txBody>
+      </p:sp>
+      <p:pic>
+        <p:nvPicPr>
+          <p:cNvPr id="6146" name="Picture 2"/>
+          <p:cNvPicPr>
+            <a:picLocks noChangeAspect="1" noChangeArrowheads="1"/>
+          </p:cNvPicPr>
+          <p:nvPr/>
+        </p:nvPicPr>
+        <p:blipFill>
+          <a:blip r:embed="rId3">
+            <a:extLst>
+              <a:ext uri="{28A0092B-C50C-407E-A947-70E740481C1C}">
+                <a14:useLocalDpi xmlns:a14="http://schemas.microsoft.com/office/drawing/2010/main" val="0"/>
+              </a:ext>
+            </a:extLst>
+          </a:blip>
+          <a:srcRect/>
+          <a:stretch>
+            <a:fillRect/>
+          </a:stretch>
+        </p:blipFill>
+        <p:spPr bwMode="auto">
+          <a:xfrm>
+            <a:off x="6635506" y="1167907"/>
+            <a:ext cx="5022850" cy="4933950"/>
+          </a:xfrm>
+          <a:prstGeom prst="rect">
+            <a:avLst/>
+          </a:prstGeom>
+          <a:noFill/>
+          <a:ln>
+            <a:noFill/>
+          </a:ln>
+          <a:extLst>
+            <a:ext uri="{909E8E84-426E-40DD-AFC4-6F175D3DCCD1}">
+              <a14:hiddenFill xmlns:a14="http://schemas.microsoft.com/office/drawing/2010/main">
+                <a:solidFill>
+                  <a:schemeClr val="accent1"/>
+                </a:solidFill>
+              </a14:hiddenFill>
+            </a:ext>
+            <a:ext uri="{91240B29-F687-4F45-9708-019B960494DF}">
+              <a14:hiddenLine xmlns:a14="http://schemas.microsoft.com/office/drawing/2010/main" w="9525">
+                <a:solidFill>
+                  <a:schemeClr val="tx1"/>
+                </a:solidFill>
+                <a:miter lim="800000"/>
+                <a:headEnd/>
+                <a:tailEnd/>
+              </a14:hiddenLine>
+            </a:ext>
+          </a:extLst>
+        </p:spPr>
+      </p:pic>
+      <p:sp>
+        <p:nvSpPr>
+          <p:cNvPr id="16" name="TextBox 15"/>
+          <p:cNvSpPr txBox="1"/>
+          <p:nvPr/>
+        </p:nvSpPr>
+        <p:spPr>
+          <a:xfrm>
+            <a:off x="1142454" y="4563553"/>
+            <a:ext cx="660389" cy="307777"/>
+          </a:xfrm>
+          <a:prstGeom prst="rect">
+            <a:avLst/>
+          </a:prstGeom>
+          <a:noFill/>
+        </p:spPr>
+        <p:txBody>
+          <a:bodyPr wrap="square" rtlCol="0">
+            <a:spAutoFit/>
+          </a:bodyPr>
+          <a:lstStyle/>
+          <a:p>
+            <a:r>
+              <a:rPr lang="en-US" sz="1400" dirty="0"/>
+              <a:t>Day 0</a:t>
+            </a:r>
+          </a:p>
+        </p:txBody>
+      </p:sp>
+      <p:sp>
+        <p:nvSpPr>
+          <p:cNvPr id="17" name="TextBox 16"/>
+          <p:cNvSpPr txBox="1"/>
+          <p:nvPr/>
+        </p:nvSpPr>
+        <p:spPr>
+          <a:xfrm>
+            <a:off x="3890018" y="4442475"/>
+            <a:ext cx="660389" cy="307777"/>
+          </a:xfrm>
+          <a:prstGeom prst="rect">
+            <a:avLst/>
+          </a:prstGeom>
+          <a:noFill/>
+        </p:spPr>
+        <p:txBody>
+          <a:bodyPr wrap="square" rtlCol="0">
+            <a:spAutoFit/>
+          </a:bodyPr>
+          <a:lstStyle/>
+          <a:p>
+            <a:r>
+              <a:rPr lang="en-US" sz="1400" dirty="0"/>
+              <a:t>Day 6</a:t>
+            </a:r>
+          </a:p>
+        </p:txBody>
+      </p:sp>
     </p:spTree>
     <p:extLst>
       <p:ext uri="{BB962C8B-B14F-4D97-AF65-F5344CB8AC3E}">
-        <p14:creationId xmlns:p14="http://schemas.microsoft.com/office/powerpoint/2010/main" val="2983123334"/>
+        <p14:creationId xmlns:p14="http://schemas.microsoft.com/office/powerpoint/2010/main" val="2785417126"/>
       </p:ext>
     </p:extLst>
   </p:cSld>
@@ -7058,93 +6397,11 @@
           <a:chExt cx="0" cy="0"/>
         </a:xfrm>
       </p:grpSpPr>
-      <p:sp>
-        <p:nvSpPr>
-          <p:cNvPr id="2" name="Title 1">
-            <a:extLst>
-              <a:ext uri="{FF2B5EF4-FFF2-40B4-BE49-F238E27FC236}">
-                <a16:creationId xmlns:a16="http://schemas.microsoft.com/office/drawing/2014/main" id="{4EA3CB9E-619E-4288-9D33-73290203AB4F}"/>
-              </a:ext>
-            </a:extLst>
-          </p:cNvPr>
-          <p:cNvSpPr>
-            <a:spLocks noGrp="1"/>
-          </p:cNvSpPr>
-          <p:nvPr>
-            <p:ph type="title"/>
-          </p:nvPr>
-        </p:nvSpPr>
-        <p:spPr>
-          <a:xfrm>
-            <a:off x="838200" y="365125"/>
-            <a:ext cx="10515600" cy="575779"/>
-          </a:xfrm>
-        </p:spPr>
-        <p:txBody>
-          <a:bodyPr>
-            <a:normAutofit fontScale="90000"/>
-          </a:bodyPr>
-          <a:lstStyle/>
-          <a:p>
-            <a:r>
-              <a:rPr lang="en-US" sz="1800" b="0" i="0" dirty="0">
-                <a:solidFill>
-                  <a:srgbClr val="000000"/>
-                </a:solidFill>
-                <a:effectLst/>
-                <a:latin typeface="AdvPSA183"/>
-              </a:rPr>
-              <a:t>Venn diagram illustrating overlap of DEGs between wild-type and </a:t>
-            </a:r>
-            <a:r>
-              <a:rPr lang="en-US" sz="1800" b="0" i="0" dirty="0" err="1">
-                <a:solidFill>
-                  <a:srgbClr val="000000"/>
-                </a:solidFill>
-                <a:effectLst/>
-                <a:latin typeface="Advhelvneue-italic"/>
-              </a:rPr>
-              <a:t>Rinf</a:t>
-            </a:r>
-            <a:r>
-              <a:rPr lang="en-US" sz="1800" b="0" i="0" dirty="0">
-                <a:solidFill>
-                  <a:srgbClr val="000000"/>
-                </a:solidFill>
-                <a:effectLst/>
-                <a:latin typeface="Advhelvneue-italic"/>
-              </a:rPr>
-              <a:t>–/– </a:t>
-            </a:r>
-            <a:r>
-              <a:rPr lang="en-US" sz="1800" b="0" i="0" dirty="0">
-                <a:solidFill>
-                  <a:srgbClr val="000000"/>
-                </a:solidFill>
-                <a:effectLst/>
-                <a:latin typeface="AdvPSA183"/>
-              </a:rPr>
-              <a:t>EBs for each time point during differentiation.</a:t>
-            </a:r>
-            <a:r>
-              <a:rPr lang="en-US" sz="900" dirty="0"/>
-              <a:t> </a:t>
-            </a:r>
-            <a:endParaRPr lang="en-US" dirty="0"/>
-          </a:p>
-        </p:txBody>
-      </p:sp>
       <p:pic>
         <p:nvPicPr>
-          <p:cNvPr id="4" name="Picture 3" descr="Diagram, venn diagram&#10;&#10;Description automatically generated">
-            <a:extLst>
-              <a:ext uri="{FF2B5EF4-FFF2-40B4-BE49-F238E27FC236}">
-                <a16:creationId xmlns:a16="http://schemas.microsoft.com/office/drawing/2014/main" id="{279E0641-F643-42A8-8B4F-B63E98F72774}"/>
-              </a:ext>
-            </a:extLst>
-          </p:cNvPr>
+          <p:cNvPr id="1026" name="Picture 2" descr="C:\Users\Fei\Dropbox (EinsteinMed)\Screenshots\Screen Shot 2020-12-02 at 11.21.36 AM.png"/>
           <p:cNvPicPr>
-            <a:picLocks noChangeAspect="1"/>
+            <a:picLocks noChangeAspect="1" noChangeArrowheads="1"/>
           </p:cNvPicPr>
           <p:nvPr/>
         </p:nvPicPr>
@@ -7156,24 +6413,134 @@
               </a:ext>
             </a:extLst>
           </a:blip>
+          <a:srcRect/>
           <a:stretch>
             <a:fillRect/>
           </a:stretch>
         </p:blipFill>
-        <p:spPr>
-          <a:xfrm>
-            <a:off x="3597099" y="2056744"/>
-            <a:ext cx="3341353" cy="3341353"/>
+        <p:spPr bwMode="auto">
+          <a:xfrm>
+            <a:off x="1683521" y="1261001"/>
+            <a:ext cx="8699620" cy="4880975"/>
           </a:xfrm>
           <a:prstGeom prst="rect">
             <a:avLst/>
           </a:prstGeom>
+          <a:noFill/>
+          <a:extLst>
+            <a:ext uri="{909E8E84-426E-40DD-AFC4-6F175D3DCCD1}">
+              <a14:hiddenFill xmlns:a14="http://schemas.microsoft.com/office/drawing/2010/main">
+                <a:solidFill>
+                  <a:srgbClr val="FFFFFF"/>
+                </a:solidFill>
+              </a14:hiddenFill>
+            </a:ext>
+          </a:extLst>
         </p:spPr>
       </p:pic>
+      <p:sp>
+        <p:nvSpPr>
+          <p:cNvPr id="2" name="Title 1">
+            <a:extLst>
+              <a:ext uri="{FF2B5EF4-FFF2-40B4-BE49-F238E27FC236}">
+                <a16:creationId xmlns="" xmlns:a16="http://schemas.microsoft.com/office/drawing/2014/main" id="{4EA3CB9E-619E-4288-9D33-73290203AB4F}"/>
+              </a:ext>
+            </a:extLst>
+          </p:cNvPr>
+          <p:cNvSpPr>
+            <a:spLocks noGrp="1"/>
+          </p:cNvSpPr>
+          <p:nvPr>
+            <p:ph type="title"/>
+          </p:nvPr>
+        </p:nvSpPr>
+        <p:spPr>
+          <a:xfrm>
+            <a:off x="838200" y="365125"/>
+            <a:ext cx="10515600" cy="575779"/>
+          </a:xfrm>
+        </p:spPr>
+        <p:txBody>
+          <a:bodyPr>
+            <a:noAutofit/>
+          </a:bodyPr>
+          <a:lstStyle/>
+          <a:p>
+            <a:r>
+              <a:rPr lang="en-US" sz="1800" dirty="0">
+                <a:latin typeface="AdvPSA183"/>
+              </a:rPr>
+              <a:t>IGV shows </a:t>
+            </a:r>
+            <a:r>
+              <a:rPr lang="en-US" sz="1800" dirty="0" err="1">
+                <a:latin typeface="AdvPSA183"/>
+              </a:rPr>
+              <a:t>Rinf</a:t>
+            </a:r>
+            <a:r>
+              <a:rPr lang="en-US" sz="1800" dirty="0">
+                <a:latin typeface="AdvPSA183"/>
+              </a:rPr>
+              <a:t> (Cxx5) has Exon 2 deleted</a:t>
+            </a:r>
+          </a:p>
+        </p:txBody>
+      </p:sp>
+      <p:sp>
+        <p:nvSpPr>
+          <p:cNvPr id="3" name="Rectangle 2"/>
+          <p:cNvSpPr/>
+          <p:nvPr/>
+        </p:nvSpPr>
+        <p:spPr>
+          <a:xfrm>
+            <a:off x="4620427" y="1261002"/>
+            <a:ext cx="1341690" cy="3563780"/>
+          </a:xfrm>
+          <a:prstGeom prst="rect">
+            <a:avLst/>
+          </a:prstGeom>
+          <a:solidFill>
+            <a:schemeClr val="accent2">
+              <a:lumMod val="20000"/>
+              <a:lumOff val="80000"/>
+              <a:alpha val="50000"/>
+            </a:schemeClr>
+          </a:solidFill>
+          <a:ln>
+            <a:noFill/>
+          </a:ln>
+        </p:spPr>
+        <p:style>
+          <a:lnRef idx="2">
+            <a:schemeClr val="accent1">
+              <a:shade val="50000"/>
+            </a:schemeClr>
+          </a:lnRef>
+          <a:fillRef idx="1">
+            <a:schemeClr val="accent1"/>
+          </a:fillRef>
+          <a:effectRef idx="0">
+            <a:schemeClr val="accent1"/>
+          </a:effectRef>
+          <a:fontRef idx="minor">
+            <a:schemeClr val="lt1"/>
+          </a:fontRef>
+        </p:style>
+        <p:txBody>
+          <a:bodyPr rtlCol="0" anchor="ctr"/>
+          <a:lstStyle/>
+          <a:p>
+            <a:pPr algn="ctr"/>
+            <a:endParaRPr lang="en-US"/>
+          </a:p>
+        </p:txBody>
+      </p:sp>
     </p:spTree>
     <p:extLst>
       <p:ext uri="{BB962C8B-B14F-4D97-AF65-F5344CB8AC3E}">
-        <p14:creationId xmlns:p14="http://schemas.microsoft.com/office/powerpoint/2010/main" val="2467254578"/>
+        <p14:creationId xmlns:p14="http://schemas.microsoft.com/office/powerpoint/2010/main" val="2914005049"/>
       </p:ext>
     </p:extLst>
   </p:cSld>
@@ -7205,7 +6572,7 @@
           <p:cNvPr id="2" name="Title 1">
             <a:extLst>
               <a:ext uri="{FF2B5EF4-FFF2-40B4-BE49-F238E27FC236}">
-                <a16:creationId xmlns:a16="http://schemas.microsoft.com/office/drawing/2014/main" id="{4EA3CB9E-619E-4288-9D33-73290203AB4F}"/>
+                <a16:creationId xmlns="" xmlns:a16="http://schemas.microsoft.com/office/drawing/2014/main" id="{4EA3CB9E-619E-4288-9D33-73290203AB4F}"/>
               </a:ext>
             </a:extLst>
           </p:cNvPr>
@@ -7218,43 +6585,33 @@
         </p:nvSpPr>
         <p:spPr>
           <a:xfrm>
-            <a:off x="838199" y="365125"/>
-            <a:ext cx="9785323" cy="505101"/>
+            <a:off x="838200" y="365125"/>
+            <a:ext cx="10515600" cy="575779"/>
           </a:xfrm>
         </p:spPr>
         <p:txBody>
           <a:bodyPr>
-            <a:normAutofit fontScale="90000"/>
+            <a:normAutofit/>
           </a:bodyPr>
           <a:lstStyle/>
           <a:p>
             <a:r>
               <a:rPr lang="en-US" sz="1800" b="0" i="0" dirty="0">
-                <a:solidFill>
-                  <a:srgbClr val="000000"/>
-                </a:solidFill>
                 <a:effectLst/>
                 <a:latin typeface="AdvPSA183"/>
               </a:rPr>
-              <a:t>Heatmap: Expression patterns of deregulated lineage marker genes at day 6 of differentiation</a:t>
-            </a:r>
-            <a:r>
-              <a:rPr lang="en-US" sz="900" dirty="0"/>
-              <a:t> </a:t>
-            </a:r>
-            <a:br>
-              <a:rPr lang="en-US" sz="900" dirty="0"/>
-            </a:br>
-            <a:endParaRPr lang="en-US" sz="1800" dirty="0"/>
+              <a:t>Heatmap of DEGs identified at the indicated time points during differentiation to EBs</a:t>
+            </a:r>
+            <a:endParaRPr lang="en-US" dirty="0"/>
           </a:p>
         </p:txBody>
       </p:sp>
       <p:pic>
         <p:nvPicPr>
-          <p:cNvPr id="4" name="Picture 3" descr="Chart, bar chart&#10;&#10;Description automatically generated">
-            <a:extLst>
-              <a:ext uri="{FF2B5EF4-FFF2-40B4-BE49-F238E27FC236}">
-                <a16:creationId xmlns:a16="http://schemas.microsoft.com/office/drawing/2014/main" id="{F39A6F02-7F3E-4451-A6DB-D4594A477C92}"/>
+          <p:cNvPr id="6" name="Picture 5" descr="Chart, timeline&#10;&#10;Description automatically generated">
+            <a:extLst>
+              <a:ext uri="{FF2B5EF4-FFF2-40B4-BE49-F238E27FC236}">
+                <a16:creationId xmlns="" xmlns:a16="http://schemas.microsoft.com/office/drawing/2014/main" id="{40067D29-AD3C-4291-AB62-D9C45FB780E6}"/>
               </a:ext>
             </a:extLst>
           </p:cNvPr>
@@ -7264,7 +6621,7 @@
           <p:nvPr/>
         </p:nvPicPr>
         <p:blipFill>
-          <a:blip r:embed="rId2">
+          <a:blip r:embed="rId2" cstate="print">
             <a:extLst>
               <a:ext uri="{28A0092B-C50C-407E-A947-70E740481C1C}">
                 <a14:useLocalDpi xmlns:a14="http://schemas.microsoft.com/office/drawing/2010/main" val="0"/>
@@ -7277,8 +6634,8 @@
         </p:blipFill>
         <p:spPr>
           <a:xfrm>
-            <a:off x="4674820" y="764209"/>
-            <a:ext cx="2772902" cy="5885494"/>
+            <a:off x="3907040" y="989496"/>
+            <a:ext cx="4377919" cy="4616174"/>
           </a:xfrm>
           <a:prstGeom prst="rect">
             <a:avLst/>
@@ -7288,7 +6645,7 @@
     </p:spTree>
     <p:extLst>
       <p:ext uri="{BB962C8B-B14F-4D97-AF65-F5344CB8AC3E}">
-        <p14:creationId xmlns:p14="http://schemas.microsoft.com/office/powerpoint/2010/main" val="1273207514"/>
+        <p14:creationId xmlns:p14="http://schemas.microsoft.com/office/powerpoint/2010/main" val="1955646064"/>
       </p:ext>
     </p:extLst>
   </p:cSld>
@@ -7320,7 +6677,7 @@
           <p:cNvPr id="2" name="Title 1">
             <a:extLst>
               <a:ext uri="{FF2B5EF4-FFF2-40B4-BE49-F238E27FC236}">
-                <a16:creationId xmlns:a16="http://schemas.microsoft.com/office/drawing/2014/main" id="{4EA3CB9E-619E-4288-9D33-73290203AB4F}"/>
+                <a16:creationId xmlns="" xmlns:a16="http://schemas.microsoft.com/office/drawing/2014/main" id="{4EA3CB9E-619E-4288-9D33-73290203AB4F}"/>
               </a:ext>
             </a:extLst>
           </p:cNvPr>
@@ -7339,72 +6696,150 @@
         </p:spPr>
         <p:txBody>
           <a:bodyPr>
-            <a:normAutofit/>
+            <a:noAutofit/>
           </a:bodyPr>
           <a:lstStyle/>
           <a:p>
             <a:r>
-              <a:rPr lang="en-US" sz="1800" dirty="0" err="1">
-                <a:solidFill>
-                  <a:srgbClr val="000000"/>
-                </a:solidFill>
+              <a:rPr lang="en-US" sz="1800" b="0" i="0" dirty="0">
+                <a:effectLst/>
                 <a:latin typeface="AdvPSA183"/>
               </a:rPr>
-              <a:t>Wnt</a:t>
-            </a:r>
-            <a:r>
-              <a:rPr lang="en-US" sz="1800" dirty="0">
-                <a:solidFill>
-                  <a:srgbClr val="000000"/>
-                </a:solidFill>
-                <a:latin typeface="AdvPSA183"/>
-              </a:rPr>
-              <a:t> signaling pathway (New finding).</a:t>
-            </a:r>
-            <a:endParaRPr lang="en-US" dirty="0"/>
+              <a:t>Volcano Plots</a:t>
+            </a:r>
+            <a:endParaRPr lang="en-US" sz="1800" dirty="0">
+              <a:latin typeface="AdvPSA183"/>
+            </a:endParaRPr>
           </a:p>
         </p:txBody>
       </p:sp>
       <p:pic>
         <p:nvPicPr>
-          <p:cNvPr id="6" name="Picture 5" descr="Chart, scatter chart&#10;&#10;Description automatically generated">
-            <a:extLst>
-              <a:ext uri="{FF2B5EF4-FFF2-40B4-BE49-F238E27FC236}">
-                <a16:creationId xmlns:a16="http://schemas.microsoft.com/office/drawing/2014/main" id="{311952B2-8327-4AC5-8800-3D8115FBB28B}"/>
-              </a:ext>
-            </a:extLst>
-          </p:cNvPr>
+          <p:cNvPr id="5122" name="Picture 2" descr="C:\Users\Fei\Dropbox (EinsteinMed)\Fei\Qin-None-Stranded\WTDAY0-vs-KODAY0\VolcanoPlot.png"/>
           <p:cNvPicPr>
-            <a:picLocks noChangeAspect="1"/>
+            <a:picLocks noChangeAspect="1" noChangeArrowheads="1"/>
           </p:cNvPicPr>
           <p:nvPr/>
         </p:nvPicPr>
         <p:blipFill>
-          <a:blip r:embed="rId2">
+          <a:blip r:embed="rId2" cstate="print">
             <a:extLst>
               <a:ext uri="{28A0092B-C50C-407E-A947-70E740481C1C}">
                 <a14:useLocalDpi xmlns:a14="http://schemas.microsoft.com/office/drawing/2010/main" val="0"/>
               </a:ext>
             </a:extLst>
           </a:blip>
+          <a:srcRect/>
           <a:stretch>
             <a:fillRect/>
           </a:stretch>
         </p:blipFill>
-        <p:spPr>
-          <a:xfrm>
-            <a:off x="1990152" y="972971"/>
-            <a:ext cx="8211696" cy="5353797"/>
+        <p:spPr bwMode="auto">
+          <a:xfrm>
+            <a:off x="1316382" y="1755351"/>
+            <a:ext cx="2939423" cy="2877233"/>
           </a:xfrm>
           <a:prstGeom prst="rect">
             <a:avLst/>
           </a:prstGeom>
+          <a:noFill/>
+          <a:extLst>
+            <a:ext uri="{909E8E84-426E-40DD-AFC4-6F175D3DCCD1}">
+              <a14:hiddenFill xmlns:a14="http://schemas.microsoft.com/office/drawing/2010/main">
+                <a:solidFill>
+                  <a:srgbClr val="FFFFFF"/>
+                </a:solidFill>
+              </a14:hiddenFill>
+            </a:ext>
+          </a:extLst>
+        </p:spPr>
+      </p:pic>
+      <p:pic>
+        <p:nvPicPr>
+          <p:cNvPr id="5124" name="Picture 4" descr="C:\Users\Fei\Dropbox (EinsteinMed)\Fei\Qin-None-Stranded\WTDAY3-vs-KODAY3\VolcanoPlot.png"/>
+          <p:cNvPicPr>
+            <a:picLocks noChangeAspect="1" noChangeArrowheads="1"/>
+          </p:cNvPicPr>
+          <p:nvPr/>
+        </p:nvPicPr>
+        <p:blipFill>
+          <a:blip r:embed="rId3" cstate="print">
+            <a:extLst>
+              <a:ext uri="{28A0092B-C50C-407E-A947-70E740481C1C}">
+                <a14:useLocalDpi xmlns:a14="http://schemas.microsoft.com/office/drawing/2010/main" val="0"/>
+              </a:ext>
+            </a:extLst>
+          </a:blip>
+          <a:srcRect/>
+          <a:stretch>
+            <a:fillRect/>
+          </a:stretch>
+        </p:blipFill>
+        <p:spPr bwMode="auto">
+          <a:xfrm>
+            <a:off x="4937131" y="1744209"/>
+            <a:ext cx="2890816" cy="2890816"/>
+          </a:xfrm>
+          <a:prstGeom prst="rect">
+            <a:avLst/>
+          </a:prstGeom>
+          <a:noFill/>
+          <a:extLst>
+            <a:ext uri="{909E8E84-426E-40DD-AFC4-6F175D3DCCD1}">
+              <a14:hiddenFill xmlns:a14="http://schemas.microsoft.com/office/drawing/2010/main">
+                <a:solidFill>
+                  <a:srgbClr val="FFFFFF"/>
+                </a:solidFill>
+              </a14:hiddenFill>
+            </a:ext>
+          </a:extLst>
+        </p:spPr>
+      </p:pic>
+      <p:pic>
+        <p:nvPicPr>
+          <p:cNvPr id="7171" name="Picture 3" descr="C:\Users\Fei\Dropbox (EinsteinMed)\Fei\Qin-None-Stranded\WTDAY6-vs-KODAY6\VolcanoPlot.png"/>
+          <p:cNvPicPr>
+            <a:picLocks noChangeAspect="1" noChangeArrowheads="1"/>
+          </p:cNvPicPr>
+          <p:nvPr/>
+        </p:nvPicPr>
+        <p:blipFill>
+          <a:blip r:embed="rId4" cstate="print">
+            <a:extLst>
+              <a:ext uri="{28A0092B-C50C-407E-A947-70E740481C1C}">
+                <a14:useLocalDpi xmlns:a14="http://schemas.microsoft.com/office/drawing/2010/main" val="0"/>
+              </a:ext>
+            </a:extLst>
+          </a:blip>
+          <a:srcRect/>
+          <a:stretch>
+            <a:fillRect/>
+          </a:stretch>
+        </p:blipFill>
+        <p:spPr bwMode="auto">
+          <a:xfrm>
+            <a:off x="8585436" y="1744208"/>
+            <a:ext cx="2888375" cy="2888375"/>
+          </a:xfrm>
+          <a:prstGeom prst="rect">
+            <a:avLst/>
+          </a:prstGeom>
+          <a:noFill/>
+          <a:extLst>
+            <a:ext uri="{909E8E84-426E-40DD-AFC4-6F175D3DCCD1}">
+              <a14:hiddenFill xmlns:a14="http://schemas.microsoft.com/office/drawing/2010/main">
+                <a:solidFill>
+                  <a:srgbClr val="FFFFFF"/>
+                </a:solidFill>
+              </a14:hiddenFill>
+            </a:ext>
+          </a:extLst>
         </p:spPr>
       </p:pic>
     </p:spTree>
     <p:extLst>
       <p:ext uri="{BB962C8B-B14F-4D97-AF65-F5344CB8AC3E}">
-        <p14:creationId xmlns:p14="http://schemas.microsoft.com/office/powerpoint/2010/main" val="2006684591"/>
+        <p14:creationId xmlns:p14="http://schemas.microsoft.com/office/powerpoint/2010/main" val="1858227081"/>
       </p:ext>
     </p:extLst>
   </p:cSld>
@@ -7436,7 +6871,7 @@
           <p:cNvPr id="2" name="Title 1">
             <a:extLst>
               <a:ext uri="{FF2B5EF4-FFF2-40B4-BE49-F238E27FC236}">
-                <a16:creationId xmlns:a16="http://schemas.microsoft.com/office/drawing/2014/main" id="{4EA3CB9E-619E-4288-9D33-73290203AB4F}"/>
+                <a16:creationId xmlns="" xmlns:a16="http://schemas.microsoft.com/office/drawing/2014/main" id="{4EA3CB9E-619E-4288-9D33-73290203AB4F}"/>
               </a:ext>
             </a:extLst>
           </p:cNvPr>
@@ -7450,40 +6885,50 @@
         <p:spPr>
           <a:xfrm>
             <a:off x="838200" y="365125"/>
-            <a:ext cx="10515600" cy="575779"/>
+            <a:ext cx="10068339" cy="575779"/>
           </a:xfrm>
         </p:spPr>
         <p:txBody>
           <a:bodyPr>
-            <a:normAutofit/>
+            <a:noAutofit/>
           </a:bodyPr>
           <a:lstStyle/>
           <a:p>
             <a:r>
               <a:rPr lang="en-US" sz="1800" b="0" i="0" dirty="0">
-                <a:solidFill>
-                  <a:srgbClr val="000000"/>
-                </a:solidFill>
                 <a:effectLst/>
                 <a:latin typeface="AdvPSA183"/>
               </a:rPr>
-              <a:t>Additional plots: PCA Plots</a:t>
-            </a:r>
-            <a:endParaRPr lang="en-US" dirty="0"/>
+              <a:t>Venn diagram illustrating overlap of DEGs between wild-type and </a:t>
+            </a:r>
+            <a:r>
+              <a:rPr lang="en-US" sz="1800" b="0" i="0" dirty="0" err="1">
+                <a:effectLst/>
+                <a:latin typeface="AdvPSA183"/>
+              </a:rPr>
+              <a:t>Rinf</a:t>
+            </a:r>
+            <a:r>
+              <a:rPr lang="en-US" sz="1800" b="0" i="0" dirty="0">
+                <a:effectLst/>
+                <a:latin typeface="AdvPSA183"/>
+              </a:rPr>
+              <a:t>–/– EBs for each time point during differentiation.</a:t>
+            </a:r>
+            <a:r>
+              <a:rPr lang="en-US" sz="1800" dirty="0">
+                <a:latin typeface="AdvPSA183"/>
+              </a:rPr>
+              <a:t> </a:t>
+            </a:r>
           </a:p>
         </p:txBody>
       </p:sp>
       <p:pic>
         <p:nvPicPr>
-          <p:cNvPr id="10" name="Picture 9" descr="A picture containing chart&#10;&#10;Description automatically generated">
-            <a:extLst>
-              <a:ext uri="{FF2B5EF4-FFF2-40B4-BE49-F238E27FC236}">
-                <a16:creationId xmlns:a16="http://schemas.microsoft.com/office/drawing/2014/main" id="{A0B0489F-D0A6-4AF8-9209-D86D4844787E}"/>
-              </a:ext>
-            </a:extLst>
-          </p:cNvPr>
+          <p:cNvPr id="8194" name="Picture 2"/>
           <p:cNvPicPr>
-            <a:picLocks noChangeAspect="1"/>
+            <a:picLocks noChangeAspect="1" noChangeArrowheads="1"/>
           </p:cNvPicPr>
           <p:nvPr/>
         </p:nvPicPr>
@@ -7495,24 +6940,145 @@
               </a:ext>
             </a:extLst>
           </a:blip>
+          <a:srcRect/>
           <a:stretch>
             <a:fillRect/>
           </a:stretch>
         </p:blipFill>
-        <p:spPr>
-          <a:xfrm>
-            <a:off x="3651329" y="1507499"/>
-            <a:ext cx="4889341" cy="3260593"/>
+        <p:spPr bwMode="auto">
+          <a:xfrm>
+            <a:off x="4496939" y="1637676"/>
+            <a:ext cx="3489705" cy="3545782"/>
           </a:xfrm>
           <a:prstGeom prst="rect">
             <a:avLst/>
           </a:prstGeom>
+          <a:noFill/>
+          <a:ln>
+            <a:noFill/>
+          </a:ln>
+          <a:extLst>
+            <a:ext uri="{909E8E84-426E-40DD-AFC4-6F175D3DCCD1}">
+              <a14:hiddenFill xmlns:a14="http://schemas.microsoft.com/office/drawing/2010/main">
+                <a:solidFill>
+                  <a:schemeClr val="accent1"/>
+                </a:solidFill>
+              </a14:hiddenFill>
+            </a:ext>
+            <a:ext uri="{91240B29-F687-4F45-9708-019B960494DF}">
+              <a14:hiddenLine xmlns:a14="http://schemas.microsoft.com/office/drawing/2010/main" w="9525">
+                <a:solidFill>
+                  <a:schemeClr val="tx1"/>
+                </a:solidFill>
+                <a:miter lim="800000"/>
+                <a:headEnd/>
+                <a:tailEnd/>
+              </a14:hiddenLine>
+            </a:ext>
+          </a:extLst>
         </p:spPr>
       </p:pic>
+      <p:sp>
+        <p:nvSpPr>
+          <p:cNvPr id="3" name="TextBox 2"/>
+          <p:cNvSpPr txBox="1"/>
+          <p:nvPr/>
+        </p:nvSpPr>
+        <p:spPr>
+          <a:xfrm>
+            <a:off x="6597271" y="1558600"/>
+            <a:ext cx="709301" cy="369332"/>
+          </a:xfrm>
+          <a:prstGeom prst="rect">
+            <a:avLst/>
+          </a:prstGeom>
+          <a:noFill/>
+        </p:spPr>
+        <p:txBody>
+          <a:bodyPr wrap="square" rtlCol="0">
+            <a:spAutoFit/>
+          </a:bodyPr>
+          <a:lstStyle/>
+          <a:p>
+            <a:r>
+              <a:rPr lang="en-US" dirty="0"/>
+              <a:t>Day 0</a:t>
+            </a:r>
+          </a:p>
+        </p:txBody>
+      </p:sp>
+      <p:sp>
+        <p:nvSpPr>
+          <p:cNvPr id="7" name="TextBox 6"/>
+          <p:cNvSpPr txBox="1"/>
+          <p:nvPr/>
+        </p:nvSpPr>
+        <p:spPr>
+          <a:xfrm>
+            <a:off x="7703826" y="2696846"/>
+            <a:ext cx="709301" cy="369332"/>
+          </a:xfrm>
+          <a:prstGeom prst="rect">
+            <a:avLst/>
+          </a:prstGeom>
+          <a:noFill/>
+        </p:spPr>
+        <p:txBody>
+          <a:bodyPr wrap="square" rtlCol="0">
+            <a:spAutoFit/>
+          </a:bodyPr>
+          <a:lstStyle/>
+          <a:p>
+            <a:r>
+              <a:rPr lang="en-US" dirty="0"/>
+              <a:t>Day </a:t>
+            </a:r>
+            <a:r>
+              <a:rPr lang="en-US" altLang="zh-CN" dirty="0"/>
+              <a:t>3</a:t>
+            </a:r>
+            <a:endParaRPr lang="en-US" dirty="0"/>
+          </a:p>
+        </p:txBody>
+      </p:sp>
+      <p:sp>
+        <p:nvSpPr>
+          <p:cNvPr id="8" name="TextBox 7"/>
+          <p:cNvSpPr txBox="1"/>
+          <p:nvPr/>
+        </p:nvSpPr>
+        <p:spPr>
+          <a:xfrm>
+            <a:off x="7060786" y="4631024"/>
+            <a:ext cx="709301" cy="369332"/>
+          </a:xfrm>
+          <a:prstGeom prst="rect">
+            <a:avLst/>
+          </a:prstGeom>
+          <a:noFill/>
+        </p:spPr>
+        <p:txBody>
+          <a:bodyPr wrap="square" rtlCol="0">
+            <a:spAutoFit/>
+          </a:bodyPr>
+          <a:lstStyle/>
+          <a:p>
+            <a:r>
+              <a:rPr lang="en-US" dirty="0"/>
+              <a:t>Day </a:t>
+            </a:r>
+            <a:r>
+              <a:rPr lang="en-US" altLang="zh-CN" dirty="0"/>
+              <a:t>6</a:t>
+            </a:r>
+            <a:endParaRPr lang="en-US" dirty="0"/>
+          </a:p>
+        </p:txBody>
+      </p:sp>
     </p:spTree>
     <p:extLst>
       <p:ext uri="{BB962C8B-B14F-4D97-AF65-F5344CB8AC3E}">
-        <p14:creationId xmlns:p14="http://schemas.microsoft.com/office/powerpoint/2010/main" val="2785417126"/>
+        <p14:creationId xmlns:p14="http://schemas.microsoft.com/office/powerpoint/2010/main" val="2467254578"/>
       </p:ext>
     </p:extLst>
   </p:cSld>
@@ -7811,7 +7377,7 @@
   <a:extraClrSchemeLst/>
   <a:extLst>
     <a:ext uri="{05A4C25C-085E-4340-85A3-A5531E510DB2}">
-      <thm15:themeFamily xmlns:thm15="http://schemas.microsoft.com/office/thememl/2012/main" name="Office Theme" id="{62F939B6-93AF-4DB8-9C6B-D6C7DFDC589F}" vid="{4A3C46E8-61CC-4603-A589-7422A47A8E4A}"/>
+      <thm15:themeFamily xmlns="" xmlns:thm15="http://schemas.microsoft.com/office/thememl/2012/main" name="Office Theme" id="{62F939B6-93AF-4DB8-9C6B-D6C7DFDC589F}" vid="{4A3C46E8-61CC-4603-A589-7422A47A8E4A}"/>
     </a:ext>
   </a:extLst>
 </a:theme>
@@ -7973,14 +7539,14 @@
 <file path=customXml/itemProps3.xml><?xml version="1.0" encoding="utf-8"?>
 <ds:datastoreItem xmlns:ds="http://schemas.openxmlformats.org/officeDocument/2006/customXml" ds:itemID="{BD5F8EFF-0F12-4289-B513-E298FA73B1BC}">
   <ds:schemaRefs>
+    <ds:schemaRef ds:uri="http://purl.org/dc/terms/"/>
+    <ds:schemaRef ds:uri="http://schemas.microsoft.com/office/infopath/2007/PartnerControls"/>
     <ds:schemaRef ds:uri="http://schemas.microsoft.com/office/2006/documentManagement/types"/>
+    <ds:schemaRef ds:uri="http://www.w3.org/XML/1998/namespace"/>
     <ds:schemaRef ds:uri="http://purl.org/dc/dcmitype/"/>
     <ds:schemaRef ds:uri="http://purl.org/dc/elements/1.1/"/>
+    <ds:schemaRef ds:uri="http://schemas.openxmlformats.org/package/2006/metadata/core-properties"/>
     <ds:schemaRef ds:uri="http://schemas.microsoft.com/office/2006/metadata/properties"/>
-    <ds:schemaRef ds:uri="http://purl.org/dc/terms/"/>
-    <ds:schemaRef ds:uri="http://schemas.microsoft.com/office/infopath/2007/PartnerControls"/>
-    <ds:schemaRef ds:uri="http://schemas.openxmlformats.org/package/2006/metadata/core-properties"/>
-    <ds:schemaRef ds:uri="http://www.w3.org/XML/1998/namespace"/>
   </ds:schemaRefs>
 </ds:datastoreItem>
 </file>